--- a/PRMIA.pptx
+++ b/PRMIA.pptx
@@ -5,20 +5,29 @@
     <p:sldMasterId id="2147483648" r:id="rId1"/>
   </p:sldMasterIdLst>
   <p:notesMasterIdLst>
-    <p:notesMasterId r:id="rId10"/>
+    <p:notesMasterId r:id="rId19"/>
   </p:notesMasterIdLst>
   <p:handoutMasterIdLst>
-    <p:handoutMasterId r:id="rId11"/>
+    <p:handoutMasterId r:id="rId20"/>
   </p:handoutMasterIdLst>
   <p:sldIdLst>
     <p:sldId id="517" r:id="rId2"/>
     <p:sldId id="522" r:id="rId3"/>
     <p:sldId id="508" r:id="rId4"/>
-    <p:sldId id="523" r:id="rId5"/>
+    <p:sldId id="527" r:id="rId5"/>
     <p:sldId id="524" r:id="rId6"/>
-    <p:sldId id="525" r:id="rId7"/>
-    <p:sldId id="520" r:id="rId8"/>
-    <p:sldId id="521" r:id="rId9"/>
+    <p:sldId id="528" r:id="rId7"/>
+    <p:sldId id="536" r:id="rId8"/>
+    <p:sldId id="537" r:id="rId9"/>
+    <p:sldId id="538" r:id="rId10"/>
+    <p:sldId id="530" r:id="rId11"/>
+    <p:sldId id="535" r:id="rId12"/>
+    <p:sldId id="525" r:id="rId13"/>
+    <p:sldId id="531" r:id="rId14"/>
+    <p:sldId id="532" r:id="rId15"/>
+    <p:sldId id="534" r:id="rId16"/>
+    <p:sldId id="520" r:id="rId17"/>
+    <p:sldId id="521" r:id="rId18"/>
   </p:sldIdLst>
   <p:sldSz cx="9144000" cy="5143500" type="screen16x9"/>
   <p:notesSz cx="7023100" cy="9309100"/>
@@ -232,6 +241,2517 @@
 </p:cmAuthorLst>
 </file>
 
+<file path=ppt/diagrams/colors1.xml><?xml version="1.0" encoding="utf-8"?>
+<dgm:colorsDef xmlns:dgm="http://schemas.openxmlformats.org/drawingml/2006/diagram" xmlns:a="http://schemas.openxmlformats.org/drawingml/2006/main" uniqueId="urn:microsoft.com/office/officeart/2005/8/colors/accent1_2">
+  <dgm:title val=""/>
+  <dgm:desc val=""/>
+  <dgm:catLst>
+    <dgm:cat type="accent1" pri="11200"/>
+  </dgm:catLst>
+  <dgm:styleLbl name="node0">
+    <dgm:fillClrLst meth="repeat">
+      <a:schemeClr val="accent1"/>
+    </dgm:fillClrLst>
+    <dgm:linClrLst meth="repeat">
+      <a:schemeClr val="lt1"/>
+    </dgm:linClrLst>
+    <dgm:effectClrLst/>
+    <dgm:txLinClrLst/>
+    <dgm:txFillClrLst/>
+    <dgm:txEffectClrLst/>
+  </dgm:styleLbl>
+  <dgm:styleLbl name="alignNode1">
+    <dgm:fillClrLst meth="repeat">
+      <a:schemeClr val="accent1"/>
+    </dgm:fillClrLst>
+    <dgm:linClrLst meth="repeat">
+      <a:schemeClr val="accent1"/>
+    </dgm:linClrLst>
+    <dgm:effectClrLst/>
+    <dgm:txLinClrLst/>
+    <dgm:txFillClrLst/>
+    <dgm:txEffectClrLst/>
+  </dgm:styleLbl>
+  <dgm:styleLbl name="node1">
+    <dgm:fillClrLst meth="repeat">
+      <a:schemeClr val="accent1"/>
+    </dgm:fillClrLst>
+    <dgm:linClrLst meth="repeat">
+      <a:schemeClr val="lt1"/>
+    </dgm:linClrLst>
+    <dgm:effectClrLst/>
+    <dgm:txLinClrLst/>
+    <dgm:txFillClrLst/>
+    <dgm:txEffectClrLst/>
+  </dgm:styleLbl>
+  <dgm:styleLbl name="lnNode1">
+    <dgm:fillClrLst meth="repeat">
+      <a:schemeClr val="accent1"/>
+    </dgm:fillClrLst>
+    <dgm:linClrLst meth="repeat">
+      <a:schemeClr val="lt1"/>
+    </dgm:linClrLst>
+    <dgm:effectClrLst/>
+    <dgm:txLinClrLst/>
+    <dgm:txFillClrLst/>
+    <dgm:txEffectClrLst/>
+  </dgm:styleLbl>
+  <dgm:styleLbl name="vennNode1">
+    <dgm:fillClrLst meth="repeat">
+      <a:schemeClr val="accent1">
+        <a:alpha val="50000"/>
+      </a:schemeClr>
+    </dgm:fillClrLst>
+    <dgm:linClrLst meth="repeat">
+      <a:schemeClr val="lt1"/>
+    </dgm:linClrLst>
+    <dgm:effectClrLst/>
+    <dgm:txLinClrLst/>
+    <dgm:txFillClrLst/>
+    <dgm:txEffectClrLst/>
+  </dgm:styleLbl>
+  <dgm:styleLbl name="node2">
+    <dgm:fillClrLst meth="repeat">
+      <a:schemeClr val="accent1"/>
+    </dgm:fillClrLst>
+    <dgm:linClrLst meth="repeat">
+      <a:schemeClr val="lt1"/>
+    </dgm:linClrLst>
+    <dgm:effectClrLst/>
+    <dgm:txLinClrLst/>
+    <dgm:txFillClrLst/>
+    <dgm:txEffectClrLst/>
+  </dgm:styleLbl>
+  <dgm:styleLbl name="node3">
+    <dgm:fillClrLst meth="repeat">
+      <a:schemeClr val="accent1"/>
+    </dgm:fillClrLst>
+    <dgm:linClrLst meth="repeat">
+      <a:schemeClr val="lt1"/>
+    </dgm:linClrLst>
+    <dgm:effectClrLst/>
+    <dgm:txLinClrLst/>
+    <dgm:txFillClrLst/>
+    <dgm:txEffectClrLst/>
+  </dgm:styleLbl>
+  <dgm:styleLbl name="node4">
+    <dgm:fillClrLst meth="repeat">
+      <a:schemeClr val="accent1"/>
+    </dgm:fillClrLst>
+    <dgm:linClrLst meth="repeat">
+      <a:schemeClr val="lt1"/>
+    </dgm:linClrLst>
+    <dgm:effectClrLst/>
+    <dgm:txLinClrLst/>
+    <dgm:txFillClrLst/>
+    <dgm:txEffectClrLst/>
+  </dgm:styleLbl>
+  <dgm:styleLbl name="fgImgPlace1">
+    <dgm:fillClrLst meth="repeat">
+      <a:schemeClr val="accent1">
+        <a:tint val="50000"/>
+      </a:schemeClr>
+    </dgm:fillClrLst>
+    <dgm:linClrLst meth="repeat">
+      <a:schemeClr val="lt1"/>
+    </dgm:linClrLst>
+    <dgm:effectClrLst/>
+    <dgm:txLinClrLst/>
+    <dgm:txFillClrLst meth="repeat">
+      <a:schemeClr val="lt1"/>
+    </dgm:txFillClrLst>
+    <dgm:txEffectClrLst/>
+  </dgm:styleLbl>
+  <dgm:styleLbl name="alignImgPlace1">
+    <dgm:fillClrLst meth="repeat">
+      <a:schemeClr val="accent1">
+        <a:tint val="50000"/>
+      </a:schemeClr>
+    </dgm:fillClrLst>
+    <dgm:linClrLst meth="repeat">
+      <a:schemeClr val="lt1"/>
+    </dgm:linClrLst>
+    <dgm:effectClrLst/>
+    <dgm:txLinClrLst/>
+    <dgm:txFillClrLst meth="repeat">
+      <a:schemeClr val="lt1"/>
+    </dgm:txFillClrLst>
+    <dgm:txEffectClrLst/>
+  </dgm:styleLbl>
+  <dgm:styleLbl name="bgImgPlace1">
+    <dgm:fillClrLst meth="repeat">
+      <a:schemeClr val="accent1">
+        <a:tint val="50000"/>
+      </a:schemeClr>
+    </dgm:fillClrLst>
+    <dgm:linClrLst meth="repeat">
+      <a:schemeClr val="lt1"/>
+    </dgm:linClrLst>
+    <dgm:effectClrLst/>
+    <dgm:txLinClrLst/>
+    <dgm:txFillClrLst meth="repeat">
+      <a:schemeClr val="lt1"/>
+    </dgm:txFillClrLst>
+    <dgm:txEffectClrLst/>
+  </dgm:styleLbl>
+  <dgm:styleLbl name="sibTrans2D1">
+    <dgm:fillClrLst meth="repeat">
+      <a:schemeClr val="accent1">
+        <a:tint val="60000"/>
+      </a:schemeClr>
+    </dgm:fillClrLst>
+    <dgm:linClrLst meth="repeat">
+      <a:schemeClr val="accent1">
+        <a:tint val="60000"/>
+      </a:schemeClr>
+    </dgm:linClrLst>
+    <dgm:effectClrLst/>
+    <dgm:txLinClrLst/>
+    <dgm:txFillClrLst/>
+    <dgm:txEffectClrLst/>
+  </dgm:styleLbl>
+  <dgm:styleLbl name="fgSibTrans2D1">
+    <dgm:fillClrLst meth="repeat">
+      <a:schemeClr val="accent1">
+        <a:tint val="60000"/>
+      </a:schemeClr>
+    </dgm:fillClrLst>
+    <dgm:linClrLst meth="repeat">
+      <a:schemeClr val="accent1">
+        <a:tint val="60000"/>
+      </a:schemeClr>
+    </dgm:linClrLst>
+    <dgm:effectClrLst/>
+    <dgm:txLinClrLst/>
+    <dgm:txFillClrLst/>
+    <dgm:txEffectClrLst/>
+  </dgm:styleLbl>
+  <dgm:styleLbl name="bgSibTrans2D1">
+    <dgm:fillClrLst meth="repeat">
+      <a:schemeClr val="accent1">
+        <a:tint val="60000"/>
+      </a:schemeClr>
+    </dgm:fillClrLst>
+    <dgm:linClrLst meth="repeat">
+      <a:schemeClr val="accent1">
+        <a:tint val="60000"/>
+      </a:schemeClr>
+    </dgm:linClrLst>
+    <dgm:effectClrLst/>
+    <dgm:txLinClrLst/>
+    <dgm:txFillClrLst/>
+    <dgm:txEffectClrLst/>
+  </dgm:styleLbl>
+  <dgm:styleLbl name="sibTrans1D1">
+    <dgm:fillClrLst meth="repeat">
+      <a:schemeClr val="accent1"/>
+    </dgm:fillClrLst>
+    <dgm:linClrLst meth="repeat">
+      <a:schemeClr val="accent1"/>
+    </dgm:linClrLst>
+    <dgm:effectClrLst/>
+    <dgm:txLinClrLst/>
+    <dgm:txFillClrLst meth="repeat">
+      <a:schemeClr val="tx1"/>
+    </dgm:txFillClrLst>
+    <dgm:txEffectClrLst/>
+  </dgm:styleLbl>
+  <dgm:styleLbl name="callout">
+    <dgm:fillClrLst meth="repeat">
+      <a:schemeClr val="accent1"/>
+    </dgm:fillClrLst>
+    <dgm:linClrLst meth="repeat">
+      <a:schemeClr val="accent1">
+        <a:tint val="50000"/>
+      </a:schemeClr>
+    </dgm:linClrLst>
+    <dgm:effectClrLst/>
+    <dgm:txLinClrLst/>
+    <dgm:txFillClrLst meth="repeat">
+      <a:schemeClr val="tx1"/>
+    </dgm:txFillClrLst>
+    <dgm:txEffectClrLst/>
+  </dgm:styleLbl>
+  <dgm:styleLbl name="asst0">
+    <dgm:fillClrLst meth="repeat">
+      <a:schemeClr val="accent1"/>
+    </dgm:fillClrLst>
+    <dgm:linClrLst meth="repeat">
+      <a:schemeClr val="lt1"/>
+    </dgm:linClrLst>
+    <dgm:effectClrLst/>
+    <dgm:txLinClrLst/>
+    <dgm:txFillClrLst/>
+    <dgm:txEffectClrLst/>
+  </dgm:styleLbl>
+  <dgm:styleLbl name="asst1">
+    <dgm:fillClrLst meth="repeat">
+      <a:schemeClr val="accent1"/>
+    </dgm:fillClrLst>
+    <dgm:linClrLst meth="repeat">
+      <a:schemeClr val="lt1"/>
+    </dgm:linClrLst>
+    <dgm:effectClrLst/>
+    <dgm:txLinClrLst/>
+    <dgm:txFillClrLst/>
+    <dgm:txEffectClrLst/>
+  </dgm:styleLbl>
+  <dgm:styleLbl name="asst2">
+    <dgm:fillClrLst meth="repeat">
+      <a:schemeClr val="accent1"/>
+    </dgm:fillClrLst>
+    <dgm:linClrLst meth="repeat">
+      <a:schemeClr val="lt1"/>
+    </dgm:linClrLst>
+    <dgm:effectClrLst/>
+    <dgm:txLinClrLst/>
+    <dgm:txFillClrLst/>
+    <dgm:txEffectClrLst/>
+  </dgm:styleLbl>
+  <dgm:styleLbl name="asst3">
+    <dgm:fillClrLst meth="repeat">
+      <a:schemeClr val="accent1"/>
+    </dgm:fillClrLst>
+    <dgm:linClrLst meth="repeat">
+      <a:schemeClr val="lt1"/>
+    </dgm:linClrLst>
+    <dgm:effectClrLst/>
+    <dgm:txLinClrLst/>
+    <dgm:txFillClrLst/>
+    <dgm:txEffectClrLst/>
+  </dgm:styleLbl>
+  <dgm:styleLbl name="asst4">
+    <dgm:fillClrLst meth="repeat">
+      <a:schemeClr val="accent1"/>
+    </dgm:fillClrLst>
+    <dgm:linClrLst meth="repeat">
+      <a:schemeClr val="lt1"/>
+    </dgm:linClrLst>
+    <dgm:effectClrLst/>
+    <dgm:txLinClrLst/>
+    <dgm:txFillClrLst/>
+    <dgm:txEffectClrLst/>
+  </dgm:styleLbl>
+  <dgm:styleLbl name="parChTrans2D1">
+    <dgm:fillClrLst meth="repeat">
+      <a:schemeClr val="accent1">
+        <a:tint val="60000"/>
+      </a:schemeClr>
+    </dgm:fillClrLst>
+    <dgm:linClrLst meth="repeat">
+      <a:schemeClr val="accent1">
+        <a:tint val="60000"/>
+      </a:schemeClr>
+    </dgm:linClrLst>
+    <dgm:effectClrLst/>
+    <dgm:txLinClrLst/>
+    <dgm:txFillClrLst meth="repeat">
+      <a:schemeClr val="lt1"/>
+    </dgm:txFillClrLst>
+    <dgm:txEffectClrLst/>
+  </dgm:styleLbl>
+  <dgm:styleLbl name="parChTrans2D2">
+    <dgm:fillClrLst meth="repeat">
+      <a:schemeClr val="accent1"/>
+    </dgm:fillClrLst>
+    <dgm:linClrLst meth="repeat">
+      <a:schemeClr val="accent1"/>
+    </dgm:linClrLst>
+    <dgm:effectClrLst/>
+    <dgm:txLinClrLst/>
+    <dgm:txFillClrLst meth="repeat">
+      <a:schemeClr val="lt1"/>
+    </dgm:txFillClrLst>
+    <dgm:txEffectClrLst/>
+  </dgm:styleLbl>
+  <dgm:styleLbl name="parChTrans2D3">
+    <dgm:fillClrLst meth="repeat">
+      <a:schemeClr val="accent1"/>
+    </dgm:fillClrLst>
+    <dgm:linClrLst meth="repeat">
+      <a:schemeClr val="accent1"/>
+    </dgm:linClrLst>
+    <dgm:effectClrLst/>
+    <dgm:txLinClrLst/>
+    <dgm:txFillClrLst meth="repeat">
+      <a:schemeClr val="lt1"/>
+    </dgm:txFillClrLst>
+    <dgm:txEffectClrLst/>
+  </dgm:styleLbl>
+  <dgm:styleLbl name="parChTrans2D4">
+    <dgm:fillClrLst meth="repeat">
+      <a:schemeClr val="accent1"/>
+    </dgm:fillClrLst>
+    <dgm:linClrLst meth="repeat">
+      <a:schemeClr val="accent1"/>
+    </dgm:linClrLst>
+    <dgm:effectClrLst/>
+    <dgm:txLinClrLst/>
+    <dgm:txFillClrLst meth="repeat">
+      <a:schemeClr val="lt1"/>
+    </dgm:txFillClrLst>
+    <dgm:txEffectClrLst/>
+  </dgm:styleLbl>
+  <dgm:styleLbl name="parChTrans1D1">
+    <dgm:fillClrLst meth="repeat">
+      <a:schemeClr val="accent1"/>
+    </dgm:fillClrLst>
+    <dgm:linClrLst meth="repeat">
+      <a:schemeClr val="accent1">
+        <a:shade val="60000"/>
+      </a:schemeClr>
+    </dgm:linClrLst>
+    <dgm:effectClrLst/>
+    <dgm:txLinClrLst/>
+    <dgm:txFillClrLst meth="repeat">
+      <a:schemeClr val="tx1"/>
+    </dgm:txFillClrLst>
+    <dgm:txEffectClrLst/>
+  </dgm:styleLbl>
+  <dgm:styleLbl name="parChTrans1D2">
+    <dgm:fillClrLst meth="repeat">
+      <a:schemeClr val="accent1"/>
+    </dgm:fillClrLst>
+    <dgm:linClrLst meth="repeat">
+      <a:schemeClr val="accent1">
+        <a:shade val="60000"/>
+      </a:schemeClr>
+    </dgm:linClrLst>
+    <dgm:effectClrLst/>
+    <dgm:txLinClrLst/>
+    <dgm:txFillClrLst meth="repeat">
+      <a:schemeClr val="tx1"/>
+    </dgm:txFillClrLst>
+    <dgm:txEffectClrLst/>
+  </dgm:styleLbl>
+  <dgm:styleLbl name="parChTrans1D3">
+    <dgm:fillClrLst meth="repeat">
+      <a:schemeClr val="accent1"/>
+    </dgm:fillClrLst>
+    <dgm:linClrLst meth="repeat">
+      <a:schemeClr val="accent1">
+        <a:shade val="80000"/>
+      </a:schemeClr>
+    </dgm:linClrLst>
+    <dgm:effectClrLst/>
+    <dgm:txLinClrLst/>
+    <dgm:txFillClrLst meth="repeat">
+      <a:schemeClr val="tx1"/>
+    </dgm:txFillClrLst>
+    <dgm:txEffectClrLst/>
+  </dgm:styleLbl>
+  <dgm:styleLbl name="parChTrans1D4">
+    <dgm:fillClrLst meth="repeat">
+      <a:schemeClr val="accent1"/>
+    </dgm:fillClrLst>
+    <dgm:linClrLst meth="repeat">
+      <a:schemeClr val="accent1">
+        <a:shade val="80000"/>
+      </a:schemeClr>
+    </dgm:linClrLst>
+    <dgm:effectClrLst/>
+    <dgm:txLinClrLst/>
+    <dgm:txFillClrLst meth="repeat">
+      <a:schemeClr val="tx1"/>
+    </dgm:txFillClrLst>
+    <dgm:txEffectClrLst/>
+  </dgm:styleLbl>
+  <dgm:styleLbl name="fgAcc1">
+    <dgm:fillClrLst meth="repeat">
+      <a:schemeClr val="lt1">
+        <a:alpha val="90000"/>
+      </a:schemeClr>
+    </dgm:fillClrLst>
+    <dgm:linClrLst meth="repeat">
+      <a:schemeClr val="accent1"/>
+    </dgm:linClrLst>
+    <dgm:effectClrLst/>
+    <dgm:txLinClrLst/>
+    <dgm:txFillClrLst meth="repeat">
+      <a:schemeClr val="dk1"/>
+    </dgm:txFillClrLst>
+    <dgm:txEffectClrLst/>
+  </dgm:styleLbl>
+  <dgm:styleLbl name="conFgAcc1">
+    <dgm:fillClrLst meth="repeat">
+      <a:schemeClr val="lt1">
+        <a:alpha val="90000"/>
+      </a:schemeClr>
+    </dgm:fillClrLst>
+    <dgm:linClrLst meth="repeat">
+      <a:schemeClr val="accent1"/>
+    </dgm:linClrLst>
+    <dgm:effectClrLst/>
+    <dgm:txLinClrLst/>
+    <dgm:txFillClrLst meth="repeat">
+      <a:schemeClr val="dk1"/>
+    </dgm:txFillClrLst>
+    <dgm:txEffectClrLst/>
+  </dgm:styleLbl>
+  <dgm:styleLbl name="alignAcc1">
+    <dgm:fillClrLst meth="repeat">
+      <a:schemeClr val="lt1">
+        <a:alpha val="90000"/>
+      </a:schemeClr>
+    </dgm:fillClrLst>
+    <dgm:linClrLst meth="repeat">
+      <a:schemeClr val="accent1"/>
+    </dgm:linClrLst>
+    <dgm:effectClrLst/>
+    <dgm:txLinClrLst/>
+    <dgm:txFillClrLst meth="repeat">
+      <a:schemeClr val="dk1"/>
+    </dgm:txFillClrLst>
+    <dgm:txEffectClrLst/>
+  </dgm:styleLbl>
+  <dgm:styleLbl name="trAlignAcc1">
+    <dgm:fillClrLst meth="repeat">
+      <a:schemeClr val="lt1">
+        <a:alpha val="40000"/>
+      </a:schemeClr>
+    </dgm:fillClrLst>
+    <dgm:linClrLst meth="repeat">
+      <a:schemeClr val="accent1"/>
+    </dgm:linClrLst>
+    <dgm:effectClrLst/>
+    <dgm:txLinClrLst/>
+    <dgm:txFillClrLst meth="repeat">
+      <a:schemeClr val="dk1"/>
+    </dgm:txFillClrLst>
+    <dgm:txEffectClrLst/>
+  </dgm:styleLbl>
+  <dgm:styleLbl name="bgAcc1">
+    <dgm:fillClrLst meth="repeat">
+      <a:schemeClr val="lt1">
+        <a:alpha val="90000"/>
+      </a:schemeClr>
+    </dgm:fillClrLst>
+    <dgm:linClrLst meth="repeat">
+      <a:schemeClr val="accent1"/>
+    </dgm:linClrLst>
+    <dgm:effectClrLst/>
+    <dgm:txLinClrLst/>
+    <dgm:txFillClrLst meth="repeat">
+      <a:schemeClr val="dk1"/>
+    </dgm:txFillClrLst>
+    <dgm:txEffectClrLst/>
+  </dgm:styleLbl>
+  <dgm:styleLbl name="solidFgAcc1">
+    <dgm:fillClrLst meth="repeat">
+      <a:schemeClr val="lt1"/>
+    </dgm:fillClrLst>
+    <dgm:linClrLst meth="repeat">
+      <a:schemeClr val="accent1"/>
+    </dgm:linClrLst>
+    <dgm:effectClrLst/>
+    <dgm:txLinClrLst/>
+    <dgm:txFillClrLst meth="repeat">
+      <a:schemeClr val="dk1"/>
+    </dgm:txFillClrLst>
+    <dgm:txEffectClrLst/>
+  </dgm:styleLbl>
+  <dgm:styleLbl name="solidAlignAcc1">
+    <dgm:fillClrLst meth="repeat">
+      <a:schemeClr val="lt1"/>
+    </dgm:fillClrLst>
+    <dgm:linClrLst meth="repeat">
+      <a:schemeClr val="accent1"/>
+    </dgm:linClrLst>
+    <dgm:effectClrLst/>
+    <dgm:txLinClrLst/>
+    <dgm:txFillClrLst meth="repeat">
+      <a:schemeClr val="dk1"/>
+    </dgm:txFillClrLst>
+    <dgm:txEffectClrLst/>
+  </dgm:styleLbl>
+  <dgm:styleLbl name="solidBgAcc1">
+    <dgm:fillClrLst meth="repeat">
+      <a:schemeClr val="lt1"/>
+    </dgm:fillClrLst>
+    <dgm:linClrLst meth="repeat">
+      <a:schemeClr val="accent1"/>
+    </dgm:linClrLst>
+    <dgm:effectClrLst/>
+    <dgm:txLinClrLst/>
+    <dgm:txFillClrLst meth="repeat">
+      <a:schemeClr val="dk1"/>
+    </dgm:txFillClrLst>
+    <dgm:txEffectClrLst/>
+  </dgm:styleLbl>
+  <dgm:styleLbl name="fgAccFollowNode1">
+    <dgm:fillClrLst meth="repeat">
+      <a:schemeClr val="accent1">
+        <a:alpha val="90000"/>
+        <a:tint val="40000"/>
+      </a:schemeClr>
+    </dgm:fillClrLst>
+    <dgm:linClrLst meth="repeat">
+      <a:schemeClr val="accent1">
+        <a:alpha val="90000"/>
+        <a:tint val="40000"/>
+      </a:schemeClr>
+    </dgm:linClrLst>
+    <dgm:effectClrLst/>
+    <dgm:txLinClrLst/>
+    <dgm:txFillClrLst meth="repeat">
+      <a:schemeClr val="dk1"/>
+    </dgm:txFillClrLst>
+    <dgm:txEffectClrLst/>
+  </dgm:styleLbl>
+  <dgm:styleLbl name="alignAccFollowNode1">
+    <dgm:fillClrLst meth="repeat">
+      <a:schemeClr val="accent1">
+        <a:alpha val="90000"/>
+        <a:tint val="40000"/>
+      </a:schemeClr>
+    </dgm:fillClrLst>
+    <dgm:linClrLst meth="repeat">
+      <a:schemeClr val="accent1">
+        <a:alpha val="90000"/>
+        <a:tint val="40000"/>
+      </a:schemeClr>
+    </dgm:linClrLst>
+    <dgm:effectClrLst/>
+    <dgm:txLinClrLst/>
+    <dgm:txFillClrLst meth="repeat">
+      <a:schemeClr val="dk1"/>
+    </dgm:txFillClrLst>
+    <dgm:txEffectClrLst/>
+  </dgm:styleLbl>
+  <dgm:styleLbl name="bgAccFollowNode1">
+    <dgm:fillClrLst meth="repeat">
+      <a:schemeClr val="accent1">
+        <a:alpha val="90000"/>
+        <a:tint val="40000"/>
+      </a:schemeClr>
+    </dgm:fillClrLst>
+    <dgm:linClrLst meth="repeat">
+      <a:schemeClr val="accent1">
+        <a:alpha val="90000"/>
+        <a:tint val="40000"/>
+      </a:schemeClr>
+    </dgm:linClrLst>
+    <dgm:effectClrLst/>
+    <dgm:txLinClrLst/>
+    <dgm:txFillClrLst meth="repeat">
+      <a:schemeClr val="dk1"/>
+    </dgm:txFillClrLst>
+    <dgm:txEffectClrLst/>
+  </dgm:styleLbl>
+  <dgm:styleLbl name="fgAcc0">
+    <dgm:fillClrLst meth="repeat">
+      <a:schemeClr val="lt1">
+        <a:alpha val="90000"/>
+      </a:schemeClr>
+    </dgm:fillClrLst>
+    <dgm:linClrLst meth="repeat">
+      <a:schemeClr val="accent1"/>
+    </dgm:linClrLst>
+    <dgm:effectClrLst/>
+    <dgm:txLinClrLst/>
+    <dgm:txFillClrLst meth="repeat">
+      <a:schemeClr val="dk1"/>
+    </dgm:txFillClrLst>
+    <dgm:txEffectClrLst/>
+  </dgm:styleLbl>
+  <dgm:styleLbl name="fgAcc2">
+    <dgm:fillClrLst meth="repeat">
+      <a:schemeClr val="lt1">
+        <a:alpha val="90000"/>
+      </a:schemeClr>
+    </dgm:fillClrLst>
+    <dgm:linClrLst meth="repeat">
+      <a:schemeClr val="accent1"/>
+    </dgm:linClrLst>
+    <dgm:effectClrLst/>
+    <dgm:txLinClrLst/>
+    <dgm:txFillClrLst meth="repeat">
+      <a:schemeClr val="dk1"/>
+    </dgm:txFillClrLst>
+    <dgm:txEffectClrLst/>
+  </dgm:styleLbl>
+  <dgm:styleLbl name="fgAcc3">
+    <dgm:fillClrLst meth="repeat">
+      <a:schemeClr val="lt1">
+        <a:alpha val="90000"/>
+      </a:schemeClr>
+    </dgm:fillClrLst>
+    <dgm:linClrLst meth="repeat">
+      <a:schemeClr val="accent1"/>
+    </dgm:linClrLst>
+    <dgm:effectClrLst/>
+    <dgm:txLinClrLst/>
+    <dgm:txFillClrLst meth="repeat">
+      <a:schemeClr val="dk1"/>
+    </dgm:txFillClrLst>
+    <dgm:txEffectClrLst/>
+  </dgm:styleLbl>
+  <dgm:styleLbl name="fgAcc4">
+    <dgm:fillClrLst meth="repeat">
+      <a:schemeClr val="lt1">
+        <a:alpha val="90000"/>
+      </a:schemeClr>
+    </dgm:fillClrLst>
+    <dgm:linClrLst meth="repeat">
+      <a:schemeClr val="accent1"/>
+    </dgm:linClrLst>
+    <dgm:effectClrLst/>
+    <dgm:txLinClrLst/>
+    <dgm:txFillClrLst meth="repeat">
+      <a:schemeClr val="dk1"/>
+    </dgm:txFillClrLst>
+    <dgm:txEffectClrLst/>
+  </dgm:styleLbl>
+  <dgm:styleLbl name="bgShp">
+    <dgm:fillClrLst meth="repeat">
+      <a:schemeClr val="accent1">
+        <a:tint val="40000"/>
+      </a:schemeClr>
+    </dgm:fillClrLst>
+    <dgm:linClrLst meth="repeat">
+      <a:schemeClr val="accent1"/>
+    </dgm:linClrLst>
+    <dgm:effectClrLst/>
+    <dgm:txLinClrLst/>
+    <dgm:txFillClrLst meth="repeat">
+      <a:schemeClr val="dk1"/>
+    </dgm:txFillClrLst>
+    <dgm:txEffectClrLst/>
+  </dgm:styleLbl>
+  <dgm:styleLbl name="dkBgShp">
+    <dgm:fillClrLst meth="repeat">
+      <a:schemeClr val="accent1">
+        <a:shade val="80000"/>
+      </a:schemeClr>
+    </dgm:fillClrLst>
+    <dgm:linClrLst meth="repeat">
+      <a:schemeClr val="accent1"/>
+    </dgm:linClrLst>
+    <dgm:effectClrLst/>
+    <dgm:txLinClrLst/>
+    <dgm:txFillClrLst meth="repeat">
+      <a:schemeClr val="lt1"/>
+    </dgm:txFillClrLst>
+    <dgm:txEffectClrLst/>
+  </dgm:styleLbl>
+  <dgm:styleLbl name="trBgShp">
+    <dgm:fillClrLst meth="repeat">
+      <a:schemeClr val="accent1">
+        <a:tint val="50000"/>
+        <a:alpha val="40000"/>
+      </a:schemeClr>
+    </dgm:fillClrLst>
+    <dgm:linClrLst meth="repeat">
+      <a:schemeClr val="accent1"/>
+    </dgm:linClrLst>
+    <dgm:effectClrLst/>
+    <dgm:txLinClrLst/>
+    <dgm:txFillClrLst meth="repeat">
+      <a:schemeClr val="lt1"/>
+    </dgm:txFillClrLst>
+    <dgm:txEffectClrLst/>
+  </dgm:styleLbl>
+  <dgm:styleLbl name="fgShp">
+    <dgm:fillClrLst meth="repeat">
+      <a:schemeClr val="accent1">
+        <a:tint val="60000"/>
+      </a:schemeClr>
+    </dgm:fillClrLst>
+    <dgm:linClrLst meth="repeat">
+      <a:schemeClr val="lt1"/>
+    </dgm:linClrLst>
+    <dgm:effectClrLst/>
+    <dgm:txLinClrLst/>
+    <dgm:txFillClrLst meth="repeat">
+      <a:schemeClr val="dk1"/>
+    </dgm:txFillClrLst>
+    <dgm:txEffectClrLst/>
+  </dgm:styleLbl>
+  <dgm:styleLbl name="revTx">
+    <dgm:fillClrLst meth="repeat">
+      <a:schemeClr val="lt1">
+        <a:alpha val="0"/>
+      </a:schemeClr>
+    </dgm:fillClrLst>
+    <dgm:linClrLst meth="repeat">
+      <a:schemeClr val="dk1">
+        <a:alpha val="0"/>
+      </a:schemeClr>
+    </dgm:linClrLst>
+    <dgm:effectClrLst/>
+    <dgm:txLinClrLst/>
+    <dgm:txFillClrLst meth="repeat">
+      <a:schemeClr val="tx1"/>
+    </dgm:txFillClrLst>
+    <dgm:txEffectClrLst/>
+  </dgm:styleLbl>
+</dgm:colorsDef>
+</file>
+
+<file path=ppt/diagrams/data1.xml><?xml version="1.0" encoding="utf-8"?>
+<dgm:dataModel xmlns:dgm="http://schemas.openxmlformats.org/drawingml/2006/diagram" xmlns:a="http://schemas.openxmlformats.org/drawingml/2006/main">
+  <dgm:ptLst>
+    <dgm:pt modelId="{059E928A-36D3-4268-8F53-A1D8BA05EC05}" type="doc">
+      <dgm:prSet loTypeId="urn:microsoft.com/office/officeart/2005/8/layout/process1" loCatId="process" qsTypeId="urn:microsoft.com/office/officeart/2005/8/quickstyle/simple1" qsCatId="simple" csTypeId="urn:microsoft.com/office/officeart/2005/8/colors/accent1_2" csCatId="accent1" phldr="1"/>
+      <dgm:spPr/>
+    </dgm:pt>
+    <dgm:pt modelId="{95E42BD7-B8D5-46C1-94E6-D19FF96F3209}">
+      <dgm:prSet phldrT="[Text]"/>
+      <dgm:spPr/>
+      <dgm:t>
+        <a:bodyPr/>
+        <a:lstStyle/>
+        <a:p>
+          <a:r>
+            <a:rPr lang="en-US" dirty="0"/>
+            <a:t>Segment by business function</a:t>
+          </a:r>
+        </a:p>
+      </dgm:t>
+    </dgm:pt>
+    <dgm:pt modelId="{79F78DA4-0A3B-42F4-A976-0D0A6DD1238B}" type="parTrans" cxnId="{AA63AF2C-54FB-4412-B357-CE8F06FB7BEF}">
+      <dgm:prSet/>
+      <dgm:spPr/>
+      <dgm:t>
+        <a:bodyPr/>
+        <a:lstStyle/>
+        <a:p>
+          <a:endParaRPr lang="en-US"/>
+        </a:p>
+      </dgm:t>
+    </dgm:pt>
+    <dgm:pt modelId="{3DDB93D0-C4C7-42A7-89B6-EE52C41A1EB4}" type="sibTrans" cxnId="{AA63AF2C-54FB-4412-B357-CE8F06FB7BEF}">
+      <dgm:prSet/>
+      <dgm:spPr/>
+      <dgm:t>
+        <a:bodyPr/>
+        <a:lstStyle/>
+        <a:p>
+          <a:endParaRPr lang="en-US"/>
+        </a:p>
+      </dgm:t>
+    </dgm:pt>
+    <dgm:pt modelId="{5D2DF772-EF22-4F6A-B0EE-60E42FB142C0}">
+      <dgm:prSet phldrT="[Text]"/>
+      <dgm:spPr/>
+      <dgm:t>
+        <a:bodyPr/>
+        <a:lstStyle/>
+        <a:p>
+          <a:r>
+            <a:rPr lang="en-US" dirty="0"/>
+            <a:t>Is board grain or not</a:t>
+          </a:r>
+        </a:p>
+      </dgm:t>
+    </dgm:pt>
+    <dgm:pt modelId="{8D2CABFB-6030-496D-93F4-08FBD0E2CCFA}" type="parTrans" cxnId="{F9F7239B-BE50-49F4-B6C6-FACC7535CBF4}">
+      <dgm:prSet/>
+      <dgm:spPr/>
+      <dgm:t>
+        <a:bodyPr/>
+        <a:lstStyle/>
+        <a:p>
+          <a:endParaRPr lang="en-US"/>
+        </a:p>
+      </dgm:t>
+    </dgm:pt>
+    <dgm:pt modelId="{BDCC7DFF-9318-41DE-9D75-0E314DFC0C3C}" type="sibTrans" cxnId="{F9F7239B-BE50-49F4-B6C6-FACC7535CBF4}">
+      <dgm:prSet/>
+      <dgm:spPr/>
+      <dgm:t>
+        <a:bodyPr/>
+        <a:lstStyle/>
+        <a:p>
+          <a:endParaRPr lang="en-US"/>
+        </a:p>
+      </dgm:t>
+    </dgm:pt>
+    <dgm:pt modelId="{D290A9D2-A839-4D31-9C86-D8A3A000E97F}">
+      <dgm:prSet phldrT="[Text]"/>
+      <dgm:spPr/>
+      <dgm:t>
+        <a:bodyPr/>
+        <a:lstStyle/>
+        <a:p>
+          <a:r>
+            <a:rPr lang="en-US" dirty="0"/>
+            <a:t>Individual grain type</a:t>
+          </a:r>
+        </a:p>
+      </dgm:t>
+    </dgm:pt>
+    <dgm:pt modelId="{A846ED0F-43EB-4173-8EE8-75C7CBE230E0}" type="parTrans" cxnId="{BC704DD4-E57E-4781-BBD7-9A07FFE4BD60}">
+      <dgm:prSet/>
+      <dgm:spPr/>
+      <dgm:t>
+        <a:bodyPr/>
+        <a:lstStyle/>
+        <a:p>
+          <a:endParaRPr lang="en-US"/>
+        </a:p>
+      </dgm:t>
+    </dgm:pt>
+    <dgm:pt modelId="{30014F81-9190-423A-AB5B-2F0A9416C02D}" type="sibTrans" cxnId="{BC704DD4-E57E-4781-BBD7-9A07FFE4BD60}">
+      <dgm:prSet/>
+      <dgm:spPr/>
+      <dgm:t>
+        <a:bodyPr/>
+        <a:lstStyle/>
+        <a:p>
+          <a:endParaRPr lang="en-US"/>
+        </a:p>
+      </dgm:t>
+    </dgm:pt>
+    <dgm:pt modelId="{6E160AD5-AA70-4EBB-9F0F-12B43ADDF1A9}" type="pres">
+      <dgm:prSet presAssocID="{059E928A-36D3-4268-8F53-A1D8BA05EC05}" presName="Name0" presStyleCnt="0">
+        <dgm:presLayoutVars>
+          <dgm:dir/>
+          <dgm:resizeHandles val="exact"/>
+        </dgm:presLayoutVars>
+      </dgm:prSet>
+      <dgm:spPr/>
+    </dgm:pt>
+    <dgm:pt modelId="{9229205D-84DF-4C25-85F5-D0D9AEDA3621}" type="pres">
+      <dgm:prSet presAssocID="{95E42BD7-B8D5-46C1-94E6-D19FF96F3209}" presName="node" presStyleLbl="node1" presStyleIdx="0" presStyleCnt="3">
+        <dgm:presLayoutVars>
+          <dgm:bulletEnabled val="1"/>
+        </dgm:presLayoutVars>
+      </dgm:prSet>
+      <dgm:spPr/>
+    </dgm:pt>
+    <dgm:pt modelId="{C1B8FF4B-06D9-4D6F-8D40-6C9D5E8F14CA}" type="pres">
+      <dgm:prSet presAssocID="{3DDB93D0-C4C7-42A7-89B6-EE52C41A1EB4}" presName="sibTrans" presStyleLbl="sibTrans2D1" presStyleIdx="0" presStyleCnt="2"/>
+      <dgm:spPr/>
+    </dgm:pt>
+    <dgm:pt modelId="{42AF1E6A-D465-4BE2-BBF8-BC8D693A508B}" type="pres">
+      <dgm:prSet presAssocID="{3DDB93D0-C4C7-42A7-89B6-EE52C41A1EB4}" presName="connectorText" presStyleLbl="sibTrans2D1" presStyleIdx="0" presStyleCnt="2"/>
+      <dgm:spPr/>
+    </dgm:pt>
+    <dgm:pt modelId="{7F3B0FDA-7692-47F7-A496-12DE51C31C13}" type="pres">
+      <dgm:prSet presAssocID="{5D2DF772-EF22-4F6A-B0EE-60E42FB142C0}" presName="node" presStyleLbl="node1" presStyleIdx="1" presStyleCnt="3">
+        <dgm:presLayoutVars>
+          <dgm:bulletEnabled val="1"/>
+        </dgm:presLayoutVars>
+      </dgm:prSet>
+      <dgm:spPr/>
+    </dgm:pt>
+    <dgm:pt modelId="{F39190A0-40E5-458B-9913-EFBF5DDBBA12}" type="pres">
+      <dgm:prSet presAssocID="{BDCC7DFF-9318-41DE-9D75-0E314DFC0C3C}" presName="sibTrans" presStyleLbl="sibTrans2D1" presStyleIdx="1" presStyleCnt="2"/>
+      <dgm:spPr/>
+    </dgm:pt>
+    <dgm:pt modelId="{75BD8963-7938-4826-BF1F-73492B03E7C3}" type="pres">
+      <dgm:prSet presAssocID="{BDCC7DFF-9318-41DE-9D75-0E314DFC0C3C}" presName="connectorText" presStyleLbl="sibTrans2D1" presStyleIdx="1" presStyleCnt="2"/>
+      <dgm:spPr/>
+    </dgm:pt>
+    <dgm:pt modelId="{B928CF67-558C-4C12-BDDF-4D684923A744}" type="pres">
+      <dgm:prSet presAssocID="{D290A9D2-A839-4D31-9C86-D8A3A000E97F}" presName="node" presStyleLbl="node1" presStyleIdx="2" presStyleCnt="3">
+        <dgm:presLayoutVars>
+          <dgm:bulletEnabled val="1"/>
+        </dgm:presLayoutVars>
+      </dgm:prSet>
+      <dgm:spPr/>
+    </dgm:pt>
+  </dgm:ptLst>
+  <dgm:cxnLst>
+    <dgm:cxn modelId="{AA63AF2C-54FB-4412-B357-CE8F06FB7BEF}" srcId="{059E928A-36D3-4268-8F53-A1D8BA05EC05}" destId="{95E42BD7-B8D5-46C1-94E6-D19FF96F3209}" srcOrd="0" destOrd="0" parTransId="{79F78DA4-0A3B-42F4-A976-0D0A6DD1238B}" sibTransId="{3DDB93D0-C4C7-42A7-89B6-EE52C41A1EB4}"/>
+    <dgm:cxn modelId="{824FC43C-A95A-48DF-AA3A-6C677EC82D96}" type="presOf" srcId="{BDCC7DFF-9318-41DE-9D75-0E314DFC0C3C}" destId="{F39190A0-40E5-458B-9913-EFBF5DDBBA12}" srcOrd="0" destOrd="0" presId="urn:microsoft.com/office/officeart/2005/8/layout/process1"/>
+    <dgm:cxn modelId="{17FC7171-0DE9-40A2-8926-804FFA2EA639}" type="presOf" srcId="{3DDB93D0-C4C7-42A7-89B6-EE52C41A1EB4}" destId="{C1B8FF4B-06D9-4D6F-8D40-6C9D5E8F14CA}" srcOrd="0" destOrd="0" presId="urn:microsoft.com/office/officeart/2005/8/layout/process1"/>
+    <dgm:cxn modelId="{157C167B-2D15-402D-BEAD-1235C7F1546E}" type="presOf" srcId="{D290A9D2-A839-4D31-9C86-D8A3A000E97F}" destId="{B928CF67-558C-4C12-BDDF-4D684923A744}" srcOrd="0" destOrd="0" presId="urn:microsoft.com/office/officeart/2005/8/layout/process1"/>
+    <dgm:cxn modelId="{9C9CF17B-DCCD-40CE-9A27-6E1F6768A55A}" type="presOf" srcId="{059E928A-36D3-4268-8F53-A1D8BA05EC05}" destId="{6E160AD5-AA70-4EBB-9F0F-12B43ADDF1A9}" srcOrd="0" destOrd="0" presId="urn:microsoft.com/office/officeart/2005/8/layout/process1"/>
+    <dgm:cxn modelId="{F9F7239B-BE50-49F4-B6C6-FACC7535CBF4}" srcId="{059E928A-36D3-4268-8F53-A1D8BA05EC05}" destId="{5D2DF772-EF22-4F6A-B0EE-60E42FB142C0}" srcOrd="1" destOrd="0" parTransId="{8D2CABFB-6030-496D-93F4-08FBD0E2CCFA}" sibTransId="{BDCC7DFF-9318-41DE-9D75-0E314DFC0C3C}"/>
+    <dgm:cxn modelId="{6F12929F-734D-4C85-96E5-87E459A18181}" type="presOf" srcId="{BDCC7DFF-9318-41DE-9D75-0E314DFC0C3C}" destId="{75BD8963-7938-4826-BF1F-73492B03E7C3}" srcOrd="1" destOrd="0" presId="urn:microsoft.com/office/officeart/2005/8/layout/process1"/>
+    <dgm:cxn modelId="{1E8DE4AC-ADD4-41DC-A2E3-1C2D63FE673E}" type="presOf" srcId="{95E42BD7-B8D5-46C1-94E6-D19FF96F3209}" destId="{9229205D-84DF-4C25-85F5-D0D9AEDA3621}" srcOrd="0" destOrd="0" presId="urn:microsoft.com/office/officeart/2005/8/layout/process1"/>
+    <dgm:cxn modelId="{456E7DC3-134D-4B21-AD1B-33351B9E993A}" type="presOf" srcId="{3DDB93D0-C4C7-42A7-89B6-EE52C41A1EB4}" destId="{42AF1E6A-D465-4BE2-BBF8-BC8D693A508B}" srcOrd="1" destOrd="0" presId="urn:microsoft.com/office/officeart/2005/8/layout/process1"/>
+    <dgm:cxn modelId="{BC704DD4-E57E-4781-BBD7-9A07FFE4BD60}" srcId="{059E928A-36D3-4268-8F53-A1D8BA05EC05}" destId="{D290A9D2-A839-4D31-9C86-D8A3A000E97F}" srcOrd="2" destOrd="0" parTransId="{A846ED0F-43EB-4173-8EE8-75C7CBE230E0}" sibTransId="{30014F81-9190-423A-AB5B-2F0A9416C02D}"/>
+    <dgm:cxn modelId="{21399EF4-8FA4-4CD2-966B-28030D49332E}" type="presOf" srcId="{5D2DF772-EF22-4F6A-B0EE-60E42FB142C0}" destId="{7F3B0FDA-7692-47F7-A496-12DE51C31C13}" srcOrd="0" destOrd="0" presId="urn:microsoft.com/office/officeart/2005/8/layout/process1"/>
+    <dgm:cxn modelId="{EDD10E92-F80D-40BD-83BC-5A5146140F59}" type="presParOf" srcId="{6E160AD5-AA70-4EBB-9F0F-12B43ADDF1A9}" destId="{9229205D-84DF-4C25-85F5-D0D9AEDA3621}" srcOrd="0" destOrd="0" presId="urn:microsoft.com/office/officeart/2005/8/layout/process1"/>
+    <dgm:cxn modelId="{28AC1443-A5FA-4CDC-9033-71F61A4B000D}" type="presParOf" srcId="{6E160AD5-AA70-4EBB-9F0F-12B43ADDF1A9}" destId="{C1B8FF4B-06D9-4D6F-8D40-6C9D5E8F14CA}" srcOrd="1" destOrd="0" presId="urn:microsoft.com/office/officeart/2005/8/layout/process1"/>
+    <dgm:cxn modelId="{6541A618-3759-410F-8D85-959447D82E34}" type="presParOf" srcId="{C1B8FF4B-06D9-4D6F-8D40-6C9D5E8F14CA}" destId="{42AF1E6A-D465-4BE2-BBF8-BC8D693A508B}" srcOrd="0" destOrd="0" presId="urn:microsoft.com/office/officeart/2005/8/layout/process1"/>
+    <dgm:cxn modelId="{3D835C77-F4DA-4047-A574-0DAE3860045E}" type="presParOf" srcId="{6E160AD5-AA70-4EBB-9F0F-12B43ADDF1A9}" destId="{7F3B0FDA-7692-47F7-A496-12DE51C31C13}" srcOrd="2" destOrd="0" presId="urn:microsoft.com/office/officeart/2005/8/layout/process1"/>
+    <dgm:cxn modelId="{935A7B25-B0B7-4015-935B-F0C05C4ED2EB}" type="presParOf" srcId="{6E160AD5-AA70-4EBB-9F0F-12B43ADDF1A9}" destId="{F39190A0-40E5-458B-9913-EFBF5DDBBA12}" srcOrd="3" destOrd="0" presId="urn:microsoft.com/office/officeart/2005/8/layout/process1"/>
+    <dgm:cxn modelId="{5725FD0B-737F-49B6-BA76-3327EFB60681}" type="presParOf" srcId="{F39190A0-40E5-458B-9913-EFBF5DDBBA12}" destId="{75BD8963-7938-4826-BF1F-73492B03E7C3}" srcOrd="0" destOrd="0" presId="urn:microsoft.com/office/officeart/2005/8/layout/process1"/>
+    <dgm:cxn modelId="{4C17ABA7-7DC5-4190-92DF-EA56F30C3BB0}" type="presParOf" srcId="{6E160AD5-AA70-4EBB-9F0F-12B43ADDF1A9}" destId="{B928CF67-558C-4C12-BDDF-4D684923A744}" srcOrd="4" destOrd="0" presId="urn:microsoft.com/office/officeart/2005/8/layout/process1"/>
+  </dgm:cxnLst>
+  <dgm:bg/>
+  <dgm:whole/>
+  <dgm:extLst>
+    <a:ext uri="http://schemas.microsoft.com/office/drawing/2008/diagram">
+      <dsp:dataModelExt xmlns:dsp="http://schemas.microsoft.com/office/drawing/2008/diagram" relId="rId6" minVer="http://schemas.openxmlformats.org/drawingml/2006/diagram"/>
+    </a:ext>
+  </dgm:extLst>
+</dgm:dataModel>
+</file>
+
+<file path=ppt/diagrams/drawing1.xml><?xml version="1.0" encoding="utf-8"?>
+<dsp:drawing xmlns:dgm="http://schemas.openxmlformats.org/drawingml/2006/diagram" xmlns:dsp="http://schemas.microsoft.com/office/drawing/2008/diagram" xmlns:a="http://schemas.openxmlformats.org/drawingml/2006/main">
+  <dsp:spTree>
+    <dsp:nvGrpSpPr>
+      <dsp:cNvPr id="0" name=""/>
+      <dsp:cNvGrpSpPr/>
+    </dsp:nvGrpSpPr>
+    <dsp:grpSpPr/>
+    <dsp:sp modelId="{9229205D-84DF-4C25-85F5-D0D9AEDA3621}">
+      <dsp:nvSpPr>
+        <dsp:cNvPr id="0" name=""/>
+        <dsp:cNvSpPr/>
+      </dsp:nvSpPr>
+      <dsp:spPr>
+        <a:xfrm>
+          <a:off x="5357" y="268882"/>
+          <a:ext cx="1601390" cy="960834"/>
+        </a:xfrm>
+        <a:prstGeom prst="roundRect">
+          <a:avLst>
+            <a:gd name="adj" fmla="val 10000"/>
+          </a:avLst>
+        </a:prstGeom>
+        <a:solidFill>
+          <a:schemeClr val="accent1">
+            <a:hueOff val="0"/>
+            <a:satOff val="0"/>
+            <a:lumOff val="0"/>
+            <a:alphaOff val="0"/>
+          </a:schemeClr>
+        </a:solidFill>
+        <a:ln w="25400" cap="flat" cmpd="sng" algn="ctr">
+          <a:solidFill>
+            <a:schemeClr val="lt1">
+              <a:hueOff val="0"/>
+              <a:satOff val="0"/>
+              <a:lumOff val="0"/>
+              <a:alphaOff val="0"/>
+            </a:schemeClr>
+          </a:solidFill>
+          <a:prstDash val="solid"/>
+        </a:ln>
+        <a:effectLst/>
+      </dsp:spPr>
+      <dsp:style>
+        <a:lnRef idx="2">
+          <a:scrgbClr r="0" g="0" b="0"/>
+        </a:lnRef>
+        <a:fillRef idx="1">
+          <a:scrgbClr r="0" g="0" b="0"/>
+        </a:fillRef>
+        <a:effectRef idx="0">
+          <a:scrgbClr r="0" g="0" b="0"/>
+        </a:effectRef>
+        <a:fontRef idx="minor">
+          <a:schemeClr val="lt1"/>
+        </a:fontRef>
+      </dsp:style>
+      <dsp:txBody>
+        <a:bodyPr spcFirstLastPara="0" vert="horz" wrap="square" lIns="72390" tIns="72390" rIns="72390" bIns="72390" numCol="1" spcCol="1270" anchor="ctr" anchorCtr="0">
+          <a:noAutofit/>
+        </a:bodyPr>
+        <a:lstStyle/>
+        <a:p>
+          <a:pPr marL="0" lvl="0" indent="0" algn="ctr" defTabSz="844550">
+            <a:lnSpc>
+              <a:spcPct val="90000"/>
+            </a:lnSpc>
+            <a:spcBef>
+              <a:spcPct val="0"/>
+            </a:spcBef>
+            <a:spcAft>
+              <a:spcPct val="35000"/>
+            </a:spcAft>
+            <a:buNone/>
+          </a:pPr>
+          <a:r>
+            <a:rPr lang="en-US" sz="1900" kern="1200" dirty="0"/>
+            <a:t>Segment by business function</a:t>
+          </a:r>
+        </a:p>
+      </dsp:txBody>
+      <dsp:txXfrm>
+        <a:off x="33499" y="297024"/>
+        <a:ext cx="1545106" cy="904550"/>
+      </dsp:txXfrm>
+    </dsp:sp>
+    <dsp:sp modelId="{C1B8FF4B-06D9-4D6F-8D40-6C9D5E8F14CA}">
+      <dsp:nvSpPr>
+        <dsp:cNvPr id="0" name=""/>
+        <dsp:cNvSpPr/>
+      </dsp:nvSpPr>
+      <dsp:spPr>
+        <a:xfrm>
+          <a:off x="1766887" y="550727"/>
+          <a:ext cx="339494" cy="397144"/>
+        </a:xfrm>
+        <a:prstGeom prst="rightArrow">
+          <a:avLst>
+            <a:gd name="adj1" fmla="val 60000"/>
+            <a:gd name="adj2" fmla="val 50000"/>
+          </a:avLst>
+        </a:prstGeom>
+        <a:solidFill>
+          <a:schemeClr val="accent1">
+            <a:tint val="60000"/>
+            <a:hueOff val="0"/>
+            <a:satOff val="0"/>
+            <a:lumOff val="0"/>
+            <a:alphaOff val="0"/>
+          </a:schemeClr>
+        </a:solidFill>
+        <a:ln>
+          <a:noFill/>
+        </a:ln>
+        <a:effectLst/>
+      </dsp:spPr>
+      <dsp:style>
+        <a:lnRef idx="0">
+          <a:scrgbClr r="0" g="0" b="0"/>
+        </a:lnRef>
+        <a:fillRef idx="1">
+          <a:scrgbClr r="0" g="0" b="0"/>
+        </a:fillRef>
+        <a:effectRef idx="0">
+          <a:scrgbClr r="0" g="0" b="0"/>
+        </a:effectRef>
+        <a:fontRef idx="minor">
+          <a:schemeClr val="lt1"/>
+        </a:fontRef>
+      </dsp:style>
+      <dsp:txBody>
+        <a:bodyPr spcFirstLastPara="0" vert="horz" wrap="square" lIns="0" tIns="0" rIns="0" bIns="0" numCol="1" spcCol="1270" anchor="ctr" anchorCtr="0">
+          <a:noAutofit/>
+        </a:bodyPr>
+        <a:lstStyle/>
+        <a:p>
+          <a:pPr marL="0" lvl="0" indent="0" algn="ctr" defTabSz="711200">
+            <a:lnSpc>
+              <a:spcPct val="90000"/>
+            </a:lnSpc>
+            <a:spcBef>
+              <a:spcPct val="0"/>
+            </a:spcBef>
+            <a:spcAft>
+              <a:spcPct val="35000"/>
+            </a:spcAft>
+            <a:buNone/>
+          </a:pPr>
+          <a:endParaRPr lang="en-US" sz="1600" kern="1200"/>
+        </a:p>
+      </dsp:txBody>
+      <dsp:txXfrm>
+        <a:off x="1766887" y="630156"/>
+        <a:ext cx="237646" cy="238286"/>
+      </dsp:txXfrm>
+    </dsp:sp>
+    <dsp:sp modelId="{7F3B0FDA-7692-47F7-A496-12DE51C31C13}">
+      <dsp:nvSpPr>
+        <dsp:cNvPr id="0" name=""/>
+        <dsp:cNvSpPr/>
+      </dsp:nvSpPr>
+      <dsp:spPr>
+        <a:xfrm>
+          <a:off x="2247304" y="268882"/>
+          <a:ext cx="1601390" cy="960834"/>
+        </a:xfrm>
+        <a:prstGeom prst="roundRect">
+          <a:avLst>
+            <a:gd name="adj" fmla="val 10000"/>
+          </a:avLst>
+        </a:prstGeom>
+        <a:solidFill>
+          <a:schemeClr val="accent1">
+            <a:hueOff val="0"/>
+            <a:satOff val="0"/>
+            <a:lumOff val="0"/>
+            <a:alphaOff val="0"/>
+          </a:schemeClr>
+        </a:solidFill>
+        <a:ln w="25400" cap="flat" cmpd="sng" algn="ctr">
+          <a:solidFill>
+            <a:schemeClr val="lt1">
+              <a:hueOff val="0"/>
+              <a:satOff val="0"/>
+              <a:lumOff val="0"/>
+              <a:alphaOff val="0"/>
+            </a:schemeClr>
+          </a:solidFill>
+          <a:prstDash val="solid"/>
+        </a:ln>
+        <a:effectLst/>
+      </dsp:spPr>
+      <dsp:style>
+        <a:lnRef idx="2">
+          <a:scrgbClr r="0" g="0" b="0"/>
+        </a:lnRef>
+        <a:fillRef idx="1">
+          <a:scrgbClr r="0" g="0" b="0"/>
+        </a:fillRef>
+        <a:effectRef idx="0">
+          <a:scrgbClr r="0" g="0" b="0"/>
+        </a:effectRef>
+        <a:fontRef idx="minor">
+          <a:schemeClr val="lt1"/>
+        </a:fontRef>
+      </dsp:style>
+      <dsp:txBody>
+        <a:bodyPr spcFirstLastPara="0" vert="horz" wrap="square" lIns="72390" tIns="72390" rIns="72390" bIns="72390" numCol="1" spcCol="1270" anchor="ctr" anchorCtr="0">
+          <a:noAutofit/>
+        </a:bodyPr>
+        <a:lstStyle/>
+        <a:p>
+          <a:pPr marL="0" lvl="0" indent="0" algn="ctr" defTabSz="844550">
+            <a:lnSpc>
+              <a:spcPct val="90000"/>
+            </a:lnSpc>
+            <a:spcBef>
+              <a:spcPct val="0"/>
+            </a:spcBef>
+            <a:spcAft>
+              <a:spcPct val="35000"/>
+            </a:spcAft>
+            <a:buNone/>
+          </a:pPr>
+          <a:r>
+            <a:rPr lang="en-US" sz="1900" kern="1200" dirty="0"/>
+            <a:t>Is board grain or not</a:t>
+          </a:r>
+        </a:p>
+      </dsp:txBody>
+      <dsp:txXfrm>
+        <a:off x="2275446" y="297024"/>
+        <a:ext cx="1545106" cy="904550"/>
+      </dsp:txXfrm>
+    </dsp:sp>
+    <dsp:sp modelId="{F39190A0-40E5-458B-9913-EFBF5DDBBA12}">
+      <dsp:nvSpPr>
+        <dsp:cNvPr id="0" name=""/>
+        <dsp:cNvSpPr/>
+      </dsp:nvSpPr>
+      <dsp:spPr>
+        <a:xfrm>
+          <a:off x="4008834" y="550727"/>
+          <a:ext cx="339494" cy="397144"/>
+        </a:xfrm>
+        <a:prstGeom prst="rightArrow">
+          <a:avLst>
+            <a:gd name="adj1" fmla="val 60000"/>
+            <a:gd name="adj2" fmla="val 50000"/>
+          </a:avLst>
+        </a:prstGeom>
+        <a:solidFill>
+          <a:schemeClr val="accent1">
+            <a:tint val="60000"/>
+            <a:hueOff val="0"/>
+            <a:satOff val="0"/>
+            <a:lumOff val="0"/>
+            <a:alphaOff val="0"/>
+          </a:schemeClr>
+        </a:solidFill>
+        <a:ln>
+          <a:noFill/>
+        </a:ln>
+        <a:effectLst/>
+      </dsp:spPr>
+      <dsp:style>
+        <a:lnRef idx="0">
+          <a:scrgbClr r="0" g="0" b="0"/>
+        </a:lnRef>
+        <a:fillRef idx="1">
+          <a:scrgbClr r="0" g="0" b="0"/>
+        </a:fillRef>
+        <a:effectRef idx="0">
+          <a:scrgbClr r="0" g="0" b="0"/>
+        </a:effectRef>
+        <a:fontRef idx="minor">
+          <a:schemeClr val="lt1"/>
+        </a:fontRef>
+      </dsp:style>
+      <dsp:txBody>
+        <a:bodyPr spcFirstLastPara="0" vert="horz" wrap="square" lIns="0" tIns="0" rIns="0" bIns="0" numCol="1" spcCol="1270" anchor="ctr" anchorCtr="0">
+          <a:noAutofit/>
+        </a:bodyPr>
+        <a:lstStyle/>
+        <a:p>
+          <a:pPr marL="0" lvl="0" indent="0" algn="ctr" defTabSz="711200">
+            <a:lnSpc>
+              <a:spcPct val="90000"/>
+            </a:lnSpc>
+            <a:spcBef>
+              <a:spcPct val="0"/>
+            </a:spcBef>
+            <a:spcAft>
+              <a:spcPct val="35000"/>
+            </a:spcAft>
+            <a:buNone/>
+          </a:pPr>
+          <a:endParaRPr lang="en-US" sz="1600" kern="1200"/>
+        </a:p>
+      </dsp:txBody>
+      <dsp:txXfrm>
+        <a:off x="4008834" y="630156"/>
+        <a:ext cx="237646" cy="238286"/>
+      </dsp:txXfrm>
+    </dsp:sp>
+    <dsp:sp modelId="{B928CF67-558C-4C12-BDDF-4D684923A744}">
+      <dsp:nvSpPr>
+        <dsp:cNvPr id="0" name=""/>
+        <dsp:cNvSpPr/>
+      </dsp:nvSpPr>
+      <dsp:spPr>
+        <a:xfrm>
+          <a:off x="4489251" y="268882"/>
+          <a:ext cx="1601390" cy="960834"/>
+        </a:xfrm>
+        <a:prstGeom prst="roundRect">
+          <a:avLst>
+            <a:gd name="adj" fmla="val 10000"/>
+          </a:avLst>
+        </a:prstGeom>
+        <a:solidFill>
+          <a:schemeClr val="accent1">
+            <a:hueOff val="0"/>
+            <a:satOff val="0"/>
+            <a:lumOff val="0"/>
+            <a:alphaOff val="0"/>
+          </a:schemeClr>
+        </a:solidFill>
+        <a:ln w="25400" cap="flat" cmpd="sng" algn="ctr">
+          <a:solidFill>
+            <a:schemeClr val="lt1">
+              <a:hueOff val="0"/>
+              <a:satOff val="0"/>
+              <a:lumOff val="0"/>
+              <a:alphaOff val="0"/>
+            </a:schemeClr>
+          </a:solidFill>
+          <a:prstDash val="solid"/>
+        </a:ln>
+        <a:effectLst/>
+      </dsp:spPr>
+      <dsp:style>
+        <a:lnRef idx="2">
+          <a:scrgbClr r="0" g="0" b="0"/>
+        </a:lnRef>
+        <a:fillRef idx="1">
+          <a:scrgbClr r="0" g="0" b="0"/>
+        </a:fillRef>
+        <a:effectRef idx="0">
+          <a:scrgbClr r="0" g="0" b="0"/>
+        </a:effectRef>
+        <a:fontRef idx="minor">
+          <a:schemeClr val="lt1"/>
+        </a:fontRef>
+      </dsp:style>
+      <dsp:txBody>
+        <a:bodyPr spcFirstLastPara="0" vert="horz" wrap="square" lIns="72390" tIns="72390" rIns="72390" bIns="72390" numCol="1" spcCol="1270" anchor="ctr" anchorCtr="0">
+          <a:noAutofit/>
+        </a:bodyPr>
+        <a:lstStyle/>
+        <a:p>
+          <a:pPr marL="0" lvl="0" indent="0" algn="ctr" defTabSz="844550">
+            <a:lnSpc>
+              <a:spcPct val="90000"/>
+            </a:lnSpc>
+            <a:spcBef>
+              <a:spcPct val="0"/>
+            </a:spcBef>
+            <a:spcAft>
+              <a:spcPct val="35000"/>
+            </a:spcAft>
+            <a:buNone/>
+          </a:pPr>
+          <a:r>
+            <a:rPr lang="en-US" sz="1900" kern="1200" dirty="0"/>
+            <a:t>Individual grain type</a:t>
+          </a:r>
+        </a:p>
+      </dsp:txBody>
+      <dsp:txXfrm>
+        <a:off x="4517393" y="297024"/>
+        <a:ext cx="1545106" cy="904550"/>
+      </dsp:txXfrm>
+    </dsp:sp>
+  </dsp:spTree>
+</dsp:drawing>
+</file>
+
+<file path=ppt/diagrams/layout1.xml><?xml version="1.0" encoding="utf-8"?>
+<dgm:layoutDef xmlns:dgm="http://schemas.openxmlformats.org/drawingml/2006/diagram" xmlns:a="http://schemas.openxmlformats.org/drawingml/2006/main" uniqueId="urn:microsoft.com/office/officeart/2005/8/layout/process1">
+  <dgm:title val=""/>
+  <dgm:desc val=""/>
+  <dgm:catLst>
+    <dgm:cat type="process" pri="1000"/>
+    <dgm:cat type="convert" pri="15000"/>
+  </dgm:catLst>
+  <dgm:sampData useDef="1">
+    <dgm:dataModel>
+      <dgm:ptLst/>
+      <dgm:bg/>
+      <dgm:whole/>
+    </dgm:dataModel>
+  </dgm:sampData>
+  <dgm:styleData>
+    <dgm:dataModel>
+      <dgm:ptLst>
+        <dgm:pt modelId="0" type="doc"/>
+        <dgm:pt modelId="1"/>
+        <dgm:pt modelId="2"/>
+      </dgm:ptLst>
+      <dgm:cxnLst>
+        <dgm:cxn modelId="3" srcId="0" destId="1" srcOrd="0" destOrd="0"/>
+        <dgm:cxn modelId="4" srcId="0" destId="2" srcOrd="1" destOrd="0"/>
+      </dgm:cxnLst>
+      <dgm:bg/>
+      <dgm:whole/>
+    </dgm:dataModel>
+  </dgm:styleData>
+  <dgm:clrData>
+    <dgm:dataModel>
+      <dgm:ptLst>
+        <dgm:pt modelId="0" type="doc"/>
+        <dgm:pt modelId="1"/>
+        <dgm:pt modelId="2"/>
+        <dgm:pt modelId="3"/>
+        <dgm:pt modelId="4"/>
+      </dgm:ptLst>
+      <dgm:cxnLst>
+        <dgm:cxn modelId="5" srcId="0" destId="1" srcOrd="0" destOrd="0"/>
+        <dgm:cxn modelId="6" srcId="0" destId="2" srcOrd="1" destOrd="0"/>
+        <dgm:cxn modelId="7" srcId="0" destId="3" srcOrd="2" destOrd="0"/>
+        <dgm:cxn modelId="8" srcId="0" destId="4" srcOrd="3" destOrd="0"/>
+      </dgm:cxnLst>
+      <dgm:bg/>
+      <dgm:whole/>
+    </dgm:dataModel>
+  </dgm:clrData>
+  <dgm:layoutNode name="Name0">
+    <dgm:varLst>
+      <dgm:dir/>
+      <dgm:resizeHandles val="exact"/>
+    </dgm:varLst>
+    <dgm:choose name="Name1">
+      <dgm:if name="Name2" func="var" arg="dir" op="equ" val="norm">
+        <dgm:alg type="lin"/>
+      </dgm:if>
+      <dgm:else name="Name3">
+        <dgm:alg type="lin">
+          <dgm:param type="linDir" val="fromR"/>
+        </dgm:alg>
+      </dgm:else>
+    </dgm:choose>
+    <dgm:shape xmlns:r="http://schemas.openxmlformats.org/officeDocument/2006/relationships" r:blip="">
+      <dgm:adjLst/>
+    </dgm:shape>
+    <dgm:presOf/>
+    <dgm:constrLst>
+      <dgm:constr type="w" for="ch" ptType="node" refType="w"/>
+      <dgm:constr type="h" for="ch" ptType="node" op="equ"/>
+      <dgm:constr type="primFontSz" for="ch" ptType="node" op="equ" val="65"/>
+      <dgm:constr type="w" for="ch" ptType="sibTrans" refType="w" refFor="ch" refPtType="node" op="equ" fact="0.4"/>
+      <dgm:constr type="h" for="ch" ptType="sibTrans" op="equ"/>
+      <dgm:constr type="primFontSz" for="des" forName="connectorText" op="equ" val="55"/>
+      <dgm:constr type="primFontSz" for="des" forName="connectorText" refType="primFontSz" refFor="ch" refPtType="node" op="lte" fact="0.8"/>
+    </dgm:constrLst>
+    <dgm:ruleLst/>
+    <dgm:forEach name="nodesForEach" axis="ch" ptType="node">
+      <dgm:layoutNode name="node">
+        <dgm:varLst>
+          <dgm:bulletEnabled val="1"/>
+        </dgm:varLst>
+        <dgm:alg type="tx"/>
+        <dgm:shape xmlns:r="http://schemas.openxmlformats.org/officeDocument/2006/relationships" type="roundRect" r:blip="">
+          <dgm:adjLst>
+            <dgm:adj idx="1" val="0.1"/>
+          </dgm:adjLst>
+        </dgm:shape>
+        <dgm:presOf axis="desOrSelf" ptType="node"/>
+        <dgm:constrLst>
+          <dgm:constr type="h" refType="w" fact="0.6"/>
+          <dgm:constr type="tMarg" refType="primFontSz" fact="0.3"/>
+          <dgm:constr type="bMarg" refType="primFontSz" fact="0.3"/>
+          <dgm:constr type="lMarg" refType="primFontSz" fact="0.3"/>
+          <dgm:constr type="rMarg" refType="primFontSz" fact="0.3"/>
+        </dgm:constrLst>
+        <dgm:ruleLst>
+          <dgm:rule type="primFontSz" val="18" fact="NaN" max="NaN"/>
+          <dgm:rule type="h" val="NaN" fact="1.5" max="NaN"/>
+          <dgm:rule type="primFontSz" val="5" fact="NaN" max="NaN"/>
+          <dgm:rule type="h" val="INF" fact="NaN" max="NaN"/>
+        </dgm:ruleLst>
+      </dgm:layoutNode>
+      <dgm:forEach name="sibTransForEach" axis="followSib" ptType="sibTrans" cnt="1">
+        <dgm:layoutNode name="sibTrans">
+          <dgm:alg type="conn">
+            <dgm:param type="begPts" val="auto"/>
+            <dgm:param type="endPts" val="auto"/>
+          </dgm:alg>
+          <dgm:shape xmlns:r="http://schemas.openxmlformats.org/officeDocument/2006/relationships" type="conn" r:blip="">
+            <dgm:adjLst/>
+          </dgm:shape>
+          <dgm:presOf axis="self"/>
+          <dgm:constrLst>
+            <dgm:constr type="h" refType="w" fact="0.62"/>
+            <dgm:constr type="connDist"/>
+            <dgm:constr type="begPad" refType="connDist" fact="0.25"/>
+            <dgm:constr type="endPad" refType="connDist" fact="0.22"/>
+          </dgm:constrLst>
+          <dgm:ruleLst/>
+          <dgm:layoutNode name="connectorText">
+            <dgm:alg type="tx">
+              <dgm:param type="autoTxRot" val="grav"/>
+            </dgm:alg>
+            <dgm:shape xmlns:r="http://schemas.openxmlformats.org/officeDocument/2006/relationships" type="conn" r:blip="" hideGeom="1">
+              <dgm:adjLst/>
+            </dgm:shape>
+            <dgm:presOf axis="self"/>
+            <dgm:constrLst>
+              <dgm:constr type="lMarg"/>
+              <dgm:constr type="rMarg"/>
+              <dgm:constr type="tMarg"/>
+              <dgm:constr type="bMarg"/>
+            </dgm:constrLst>
+            <dgm:ruleLst>
+              <dgm:rule type="primFontSz" val="5" fact="NaN" max="NaN"/>
+            </dgm:ruleLst>
+          </dgm:layoutNode>
+        </dgm:layoutNode>
+      </dgm:forEach>
+    </dgm:forEach>
+  </dgm:layoutNode>
+</dgm:layoutDef>
+</file>
+
+<file path=ppt/diagrams/quickStyle1.xml><?xml version="1.0" encoding="utf-8"?>
+<dgm:styleDef xmlns:dgm="http://schemas.openxmlformats.org/drawingml/2006/diagram" xmlns:a="http://schemas.openxmlformats.org/drawingml/2006/main" uniqueId="urn:microsoft.com/office/officeart/2005/8/quickstyle/simple1">
+  <dgm:title val=""/>
+  <dgm:desc val=""/>
+  <dgm:catLst>
+    <dgm:cat type="simple" pri="10100"/>
+  </dgm:catLst>
+  <dgm:scene3d>
+    <a:camera prst="orthographicFront"/>
+    <a:lightRig rig="threePt" dir="t"/>
+  </dgm:scene3d>
+  <dgm:styleLbl name="node0">
+    <dgm:scene3d>
+      <a:camera prst="orthographicFront"/>
+      <a:lightRig rig="threePt" dir="t"/>
+    </dgm:scene3d>
+    <dgm:sp3d/>
+    <dgm:txPr/>
+    <dgm:style>
+      <a:lnRef idx="2">
+        <a:scrgbClr r="0" g="0" b="0"/>
+      </a:lnRef>
+      <a:fillRef idx="1">
+        <a:scrgbClr r="0" g="0" b="0"/>
+      </a:fillRef>
+      <a:effectRef idx="0">
+        <a:scrgbClr r="0" g="0" b="0"/>
+      </a:effectRef>
+      <a:fontRef idx="minor">
+        <a:schemeClr val="lt1"/>
+      </a:fontRef>
+    </dgm:style>
+  </dgm:styleLbl>
+  <dgm:styleLbl name="lnNode1">
+    <dgm:scene3d>
+      <a:camera prst="orthographicFront"/>
+      <a:lightRig rig="threePt" dir="t"/>
+    </dgm:scene3d>
+    <dgm:sp3d/>
+    <dgm:txPr/>
+    <dgm:style>
+      <a:lnRef idx="2">
+        <a:scrgbClr r="0" g="0" b="0"/>
+      </a:lnRef>
+      <a:fillRef idx="1">
+        <a:scrgbClr r="0" g="0" b="0"/>
+      </a:fillRef>
+      <a:effectRef idx="0">
+        <a:scrgbClr r="0" g="0" b="0"/>
+      </a:effectRef>
+      <a:fontRef idx="minor">
+        <a:schemeClr val="lt1"/>
+      </a:fontRef>
+    </dgm:style>
+  </dgm:styleLbl>
+  <dgm:styleLbl name="vennNode1">
+    <dgm:scene3d>
+      <a:camera prst="orthographicFront"/>
+      <a:lightRig rig="threePt" dir="t"/>
+    </dgm:scene3d>
+    <dgm:sp3d/>
+    <dgm:txPr/>
+    <dgm:style>
+      <a:lnRef idx="2">
+        <a:scrgbClr r="0" g="0" b="0"/>
+      </a:lnRef>
+      <a:fillRef idx="1">
+        <a:scrgbClr r="0" g="0" b="0"/>
+      </a:fillRef>
+      <a:effectRef idx="0">
+        <a:scrgbClr r="0" g="0" b="0"/>
+      </a:effectRef>
+      <a:fontRef idx="minor">
+        <a:schemeClr val="tx1"/>
+      </a:fontRef>
+    </dgm:style>
+  </dgm:styleLbl>
+  <dgm:styleLbl name="alignNode1">
+    <dgm:scene3d>
+      <a:camera prst="orthographicFront"/>
+      <a:lightRig rig="threePt" dir="t"/>
+    </dgm:scene3d>
+    <dgm:sp3d/>
+    <dgm:txPr/>
+    <dgm:style>
+      <a:lnRef idx="2">
+        <a:scrgbClr r="0" g="0" b="0"/>
+      </a:lnRef>
+      <a:fillRef idx="1">
+        <a:scrgbClr r="0" g="0" b="0"/>
+      </a:fillRef>
+      <a:effectRef idx="0">
+        <a:scrgbClr r="0" g="0" b="0"/>
+      </a:effectRef>
+      <a:fontRef idx="minor">
+        <a:schemeClr val="lt1"/>
+      </a:fontRef>
+    </dgm:style>
+  </dgm:styleLbl>
+  <dgm:styleLbl name="node1">
+    <dgm:scene3d>
+      <a:camera prst="orthographicFront"/>
+      <a:lightRig rig="threePt" dir="t"/>
+    </dgm:scene3d>
+    <dgm:sp3d/>
+    <dgm:txPr/>
+    <dgm:style>
+      <a:lnRef idx="2">
+        <a:scrgbClr r="0" g="0" b="0"/>
+      </a:lnRef>
+      <a:fillRef idx="1">
+        <a:scrgbClr r="0" g="0" b="0"/>
+      </a:fillRef>
+      <a:effectRef idx="0">
+        <a:scrgbClr r="0" g="0" b="0"/>
+      </a:effectRef>
+      <a:fontRef idx="minor">
+        <a:schemeClr val="lt1"/>
+      </a:fontRef>
+    </dgm:style>
+  </dgm:styleLbl>
+  <dgm:styleLbl name="node2">
+    <dgm:scene3d>
+      <a:camera prst="orthographicFront"/>
+      <a:lightRig rig="threePt" dir="t"/>
+    </dgm:scene3d>
+    <dgm:sp3d/>
+    <dgm:txPr/>
+    <dgm:style>
+      <a:lnRef idx="2">
+        <a:scrgbClr r="0" g="0" b="0"/>
+      </a:lnRef>
+      <a:fillRef idx="1">
+        <a:scrgbClr r="0" g="0" b="0"/>
+      </a:fillRef>
+      <a:effectRef idx="0">
+        <a:scrgbClr r="0" g="0" b="0"/>
+      </a:effectRef>
+      <a:fontRef idx="minor">
+        <a:schemeClr val="lt1"/>
+      </a:fontRef>
+    </dgm:style>
+  </dgm:styleLbl>
+  <dgm:styleLbl name="node3">
+    <dgm:scene3d>
+      <a:camera prst="orthographicFront"/>
+      <a:lightRig rig="threePt" dir="t"/>
+    </dgm:scene3d>
+    <dgm:sp3d/>
+    <dgm:txPr/>
+    <dgm:style>
+      <a:lnRef idx="2">
+        <a:scrgbClr r="0" g="0" b="0"/>
+      </a:lnRef>
+      <a:fillRef idx="1">
+        <a:scrgbClr r="0" g="0" b="0"/>
+      </a:fillRef>
+      <a:effectRef idx="0">
+        <a:scrgbClr r="0" g="0" b="0"/>
+      </a:effectRef>
+      <a:fontRef idx="minor">
+        <a:schemeClr val="lt1"/>
+      </a:fontRef>
+    </dgm:style>
+  </dgm:styleLbl>
+  <dgm:styleLbl name="node4">
+    <dgm:scene3d>
+      <a:camera prst="orthographicFront"/>
+      <a:lightRig rig="threePt" dir="t"/>
+    </dgm:scene3d>
+    <dgm:sp3d/>
+    <dgm:txPr/>
+    <dgm:style>
+      <a:lnRef idx="2">
+        <a:scrgbClr r="0" g="0" b="0"/>
+      </a:lnRef>
+      <a:fillRef idx="1">
+        <a:scrgbClr r="0" g="0" b="0"/>
+      </a:fillRef>
+      <a:effectRef idx="0">
+        <a:scrgbClr r="0" g="0" b="0"/>
+      </a:effectRef>
+      <a:fontRef idx="minor">
+        <a:schemeClr val="lt1"/>
+      </a:fontRef>
+    </dgm:style>
+  </dgm:styleLbl>
+  <dgm:styleLbl name="fgImgPlace1">
+    <dgm:scene3d>
+      <a:camera prst="orthographicFront"/>
+      <a:lightRig rig="threePt" dir="t"/>
+    </dgm:scene3d>
+    <dgm:sp3d/>
+    <dgm:txPr/>
+    <dgm:style>
+      <a:lnRef idx="2">
+        <a:scrgbClr r="0" g="0" b="0"/>
+      </a:lnRef>
+      <a:fillRef idx="1">
+        <a:scrgbClr r="0" g="0" b="0"/>
+      </a:fillRef>
+      <a:effectRef idx="0">
+        <a:scrgbClr r="0" g="0" b="0"/>
+      </a:effectRef>
+      <a:fontRef idx="minor"/>
+    </dgm:style>
+  </dgm:styleLbl>
+  <dgm:styleLbl name="alignImgPlace1">
+    <dgm:scene3d>
+      <a:camera prst="orthographicFront"/>
+      <a:lightRig rig="threePt" dir="t"/>
+    </dgm:scene3d>
+    <dgm:sp3d/>
+    <dgm:txPr/>
+    <dgm:style>
+      <a:lnRef idx="2">
+        <a:scrgbClr r="0" g="0" b="0"/>
+      </a:lnRef>
+      <a:fillRef idx="1">
+        <a:scrgbClr r="0" g="0" b="0"/>
+      </a:fillRef>
+      <a:effectRef idx="0">
+        <a:scrgbClr r="0" g="0" b="0"/>
+      </a:effectRef>
+      <a:fontRef idx="minor"/>
+    </dgm:style>
+  </dgm:styleLbl>
+  <dgm:styleLbl name="bgImgPlace1">
+    <dgm:scene3d>
+      <a:camera prst="orthographicFront"/>
+      <a:lightRig rig="threePt" dir="t"/>
+    </dgm:scene3d>
+    <dgm:sp3d/>
+    <dgm:txPr/>
+    <dgm:style>
+      <a:lnRef idx="2">
+        <a:scrgbClr r="0" g="0" b="0"/>
+      </a:lnRef>
+      <a:fillRef idx="1">
+        <a:scrgbClr r="0" g="0" b="0"/>
+      </a:fillRef>
+      <a:effectRef idx="0">
+        <a:scrgbClr r="0" g="0" b="0"/>
+      </a:effectRef>
+      <a:fontRef idx="minor"/>
+    </dgm:style>
+  </dgm:styleLbl>
+  <dgm:styleLbl name="sibTrans2D1">
+    <dgm:scene3d>
+      <a:camera prst="orthographicFront"/>
+      <a:lightRig rig="threePt" dir="t"/>
+    </dgm:scene3d>
+    <dgm:sp3d/>
+    <dgm:txPr/>
+    <dgm:style>
+      <a:lnRef idx="0">
+        <a:scrgbClr r="0" g="0" b="0"/>
+      </a:lnRef>
+      <a:fillRef idx="1">
+        <a:scrgbClr r="0" g="0" b="0"/>
+      </a:fillRef>
+      <a:effectRef idx="0">
+        <a:scrgbClr r="0" g="0" b="0"/>
+      </a:effectRef>
+      <a:fontRef idx="minor">
+        <a:schemeClr val="lt1"/>
+      </a:fontRef>
+    </dgm:style>
+  </dgm:styleLbl>
+  <dgm:styleLbl name="fgSibTrans2D1">
+    <dgm:scene3d>
+      <a:camera prst="orthographicFront"/>
+      <a:lightRig rig="threePt" dir="t"/>
+    </dgm:scene3d>
+    <dgm:sp3d/>
+    <dgm:txPr/>
+    <dgm:style>
+      <a:lnRef idx="0">
+        <a:scrgbClr r="0" g="0" b="0"/>
+      </a:lnRef>
+      <a:fillRef idx="1">
+        <a:scrgbClr r="0" g="0" b="0"/>
+      </a:fillRef>
+      <a:effectRef idx="0">
+        <a:scrgbClr r="0" g="0" b="0"/>
+      </a:effectRef>
+      <a:fontRef idx="minor">
+        <a:schemeClr val="lt1"/>
+      </a:fontRef>
+    </dgm:style>
+  </dgm:styleLbl>
+  <dgm:styleLbl name="bgSibTrans2D1">
+    <dgm:scene3d>
+      <a:camera prst="orthographicFront"/>
+      <a:lightRig rig="threePt" dir="t"/>
+    </dgm:scene3d>
+    <dgm:sp3d/>
+    <dgm:txPr/>
+    <dgm:style>
+      <a:lnRef idx="0">
+        <a:scrgbClr r="0" g="0" b="0"/>
+      </a:lnRef>
+      <a:fillRef idx="1">
+        <a:scrgbClr r="0" g="0" b="0"/>
+      </a:fillRef>
+      <a:effectRef idx="0">
+        <a:scrgbClr r="0" g="0" b="0"/>
+      </a:effectRef>
+      <a:fontRef idx="minor">
+        <a:schemeClr val="lt1"/>
+      </a:fontRef>
+    </dgm:style>
+  </dgm:styleLbl>
+  <dgm:styleLbl name="sibTrans1D1">
+    <dgm:scene3d>
+      <a:camera prst="orthographicFront"/>
+      <a:lightRig rig="threePt" dir="t"/>
+    </dgm:scene3d>
+    <dgm:sp3d/>
+    <dgm:txPr/>
+    <dgm:style>
+      <a:lnRef idx="1">
+        <a:scrgbClr r="0" g="0" b="0"/>
+      </a:lnRef>
+      <a:fillRef idx="0">
+        <a:scrgbClr r="0" g="0" b="0"/>
+      </a:fillRef>
+      <a:effectRef idx="0">
+        <a:scrgbClr r="0" g="0" b="0"/>
+      </a:effectRef>
+      <a:fontRef idx="minor"/>
+    </dgm:style>
+  </dgm:styleLbl>
+  <dgm:styleLbl name="callout">
+    <dgm:scene3d>
+      <a:camera prst="orthographicFront"/>
+      <a:lightRig rig="threePt" dir="t"/>
+    </dgm:scene3d>
+    <dgm:sp3d/>
+    <dgm:txPr/>
+    <dgm:style>
+      <a:lnRef idx="2">
+        <a:scrgbClr r="0" g="0" b="0"/>
+      </a:lnRef>
+      <a:fillRef idx="1">
+        <a:scrgbClr r="0" g="0" b="0"/>
+      </a:fillRef>
+      <a:effectRef idx="0">
+        <a:scrgbClr r="0" g="0" b="0"/>
+      </a:effectRef>
+      <a:fontRef idx="minor"/>
+    </dgm:style>
+  </dgm:styleLbl>
+  <dgm:styleLbl name="asst0">
+    <dgm:scene3d>
+      <a:camera prst="orthographicFront"/>
+      <a:lightRig rig="threePt" dir="t"/>
+    </dgm:scene3d>
+    <dgm:sp3d/>
+    <dgm:txPr/>
+    <dgm:style>
+      <a:lnRef idx="2">
+        <a:scrgbClr r="0" g="0" b="0"/>
+      </a:lnRef>
+      <a:fillRef idx="1">
+        <a:scrgbClr r="0" g="0" b="0"/>
+      </a:fillRef>
+      <a:effectRef idx="0">
+        <a:scrgbClr r="0" g="0" b="0"/>
+      </a:effectRef>
+      <a:fontRef idx="minor">
+        <a:schemeClr val="lt1"/>
+      </a:fontRef>
+    </dgm:style>
+  </dgm:styleLbl>
+  <dgm:styleLbl name="asst1">
+    <dgm:scene3d>
+      <a:camera prst="orthographicFront"/>
+      <a:lightRig rig="threePt" dir="t"/>
+    </dgm:scene3d>
+    <dgm:sp3d/>
+    <dgm:txPr/>
+    <dgm:style>
+      <a:lnRef idx="2">
+        <a:scrgbClr r="0" g="0" b="0"/>
+      </a:lnRef>
+      <a:fillRef idx="1">
+        <a:scrgbClr r="0" g="0" b="0"/>
+      </a:fillRef>
+      <a:effectRef idx="0">
+        <a:scrgbClr r="0" g="0" b="0"/>
+      </a:effectRef>
+      <a:fontRef idx="minor">
+        <a:schemeClr val="lt1"/>
+      </a:fontRef>
+    </dgm:style>
+  </dgm:styleLbl>
+  <dgm:styleLbl name="asst2">
+    <dgm:scene3d>
+      <a:camera prst="orthographicFront"/>
+      <a:lightRig rig="threePt" dir="t"/>
+    </dgm:scene3d>
+    <dgm:sp3d/>
+    <dgm:txPr/>
+    <dgm:style>
+      <a:lnRef idx="2">
+        <a:scrgbClr r="0" g="0" b="0"/>
+      </a:lnRef>
+      <a:fillRef idx="1">
+        <a:scrgbClr r="0" g="0" b="0"/>
+      </a:fillRef>
+      <a:effectRef idx="0">
+        <a:scrgbClr r="0" g="0" b="0"/>
+      </a:effectRef>
+      <a:fontRef idx="minor">
+        <a:schemeClr val="lt1"/>
+      </a:fontRef>
+    </dgm:style>
+  </dgm:styleLbl>
+  <dgm:styleLbl name="asst3">
+    <dgm:scene3d>
+      <a:camera prst="orthographicFront"/>
+      <a:lightRig rig="threePt" dir="t"/>
+    </dgm:scene3d>
+    <dgm:sp3d/>
+    <dgm:txPr/>
+    <dgm:style>
+      <a:lnRef idx="2">
+        <a:scrgbClr r="0" g="0" b="0"/>
+      </a:lnRef>
+      <a:fillRef idx="1">
+        <a:scrgbClr r="0" g="0" b="0"/>
+      </a:fillRef>
+      <a:effectRef idx="0">
+        <a:scrgbClr r="0" g="0" b="0"/>
+      </a:effectRef>
+      <a:fontRef idx="minor">
+        <a:schemeClr val="lt1"/>
+      </a:fontRef>
+    </dgm:style>
+  </dgm:styleLbl>
+  <dgm:styleLbl name="asst4">
+    <dgm:scene3d>
+      <a:camera prst="orthographicFront"/>
+      <a:lightRig rig="threePt" dir="t"/>
+    </dgm:scene3d>
+    <dgm:sp3d/>
+    <dgm:txPr/>
+    <dgm:style>
+      <a:lnRef idx="2">
+        <a:scrgbClr r="0" g="0" b="0"/>
+      </a:lnRef>
+      <a:fillRef idx="1">
+        <a:scrgbClr r="0" g="0" b="0"/>
+      </a:fillRef>
+      <a:effectRef idx="0">
+        <a:scrgbClr r="0" g="0" b="0"/>
+      </a:effectRef>
+      <a:fontRef idx="minor">
+        <a:schemeClr val="lt1"/>
+      </a:fontRef>
+    </dgm:style>
+  </dgm:styleLbl>
+  <dgm:styleLbl name="parChTrans2D1">
+    <dgm:scene3d>
+      <a:camera prst="orthographicFront"/>
+      <a:lightRig rig="threePt" dir="t"/>
+    </dgm:scene3d>
+    <dgm:sp3d/>
+    <dgm:txPr/>
+    <dgm:style>
+      <a:lnRef idx="2">
+        <a:scrgbClr r="0" g="0" b="0"/>
+      </a:lnRef>
+      <a:fillRef idx="1">
+        <a:scrgbClr r="0" g="0" b="0"/>
+      </a:fillRef>
+      <a:effectRef idx="0">
+        <a:scrgbClr r="0" g="0" b="0"/>
+      </a:effectRef>
+      <a:fontRef idx="minor">
+        <a:schemeClr val="lt1"/>
+      </a:fontRef>
+    </dgm:style>
+  </dgm:styleLbl>
+  <dgm:styleLbl name="parChTrans2D2">
+    <dgm:scene3d>
+      <a:camera prst="orthographicFront"/>
+      <a:lightRig rig="threePt" dir="t"/>
+    </dgm:scene3d>
+    <dgm:sp3d/>
+    <dgm:txPr/>
+    <dgm:style>
+      <a:lnRef idx="2">
+        <a:scrgbClr r="0" g="0" b="0"/>
+      </a:lnRef>
+      <a:fillRef idx="1">
+        <a:scrgbClr r="0" g="0" b="0"/>
+      </a:fillRef>
+      <a:effectRef idx="0">
+        <a:scrgbClr r="0" g="0" b="0"/>
+      </a:effectRef>
+      <a:fontRef idx="minor">
+        <a:schemeClr val="lt1"/>
+      </a:fontRef>
+    </dgm:style>
+  </dgm:styleLbl>
+  <dgm:styleLbl name="parChTrans2D3">
+    <dgm:scene3d>
+      <a:camera prst="orthographicFront"/>
+      <a:lightRig rig="threePt" dir="t"/>
+    </dgm:scene3d>
+    <dgm:sp3d/>
+    <dgm:txPr/>
+    <dgm:style>
+      <a:lnRef idx="2">
+        <a:scrgbClr r="0" g="0" b="0"/>
+      </a:lnRef>
+      <a:fillRef idx="1">
+        <a:scrgbClr r="0" g="0" b="0"/>
+      </a:fillRef>
+      <a:effectRef idx="0">
+        <a:scrgbClr r="0" g="0" b="0"/>
+      </a:effectRef>
+      <a:fontRef idx="minor">
+        <a:schemeClr val="lt1"/>
+      </a:fontRef>
+    </dgm:style>
+  </dgm:styleLbl>
+  <dgm:styleLbl name="parChTrans2D4">
+    <dgm:scene3d>
+      <a:camera prst="orthographicFront"/>
+      <a:lightRig rig="threePt" dir="t"/>
+    </dgm:scene3d>
+    <dgm:sp3d/>
+    <dgm:txPr/>
+    <dgm:style>
+      <a:lnRef idx="2">
+        <a:scrgbClr r="0" g="0" b="0"/>
+      </a:lnRef>
+      <a:fillRef idx="1">
+        <a:scrgbClr r="0" g="0" b="0"/>
+      </a:fillRef>
+      <a:effectRef idx="0">
+        <a:scrgbClr r="0" g="0" b="0"/>
+      </a:effectRef>
+      <a:fontRef idx="minor">
+        <a:schemeClr val="lt1"/>
+      </a:fontRef>
+    </dgm:style>
+  </dgm:styleLbl>
+  <dgm:styleLbl name="parChTrans1D1">
+    <dgm:scene3d>
+      <a:camera prst="orthographicFront"/>
+      <a:lightRig rig="threePt" dir="t"/>
+    </dgm:scene3d>
+    <dgm:sp3d/>
+    <dgm:txPr/>
+    <dgm:style>
+      <a:lnRef idx="2">
+        <a:scrgbClr r="0" g="0" b="0"/>
+      </a:lnRef>
+      <a:fillRef idx="0">
+        <a:scrgbClr r="0" g="0" b="0"/>
+      </a:fillRef>
+      <a:effectRef idx="0">
+        <a:scrgbClr r="0" g="0" b="0"/>
+      </a:effectRef>
+      <a:fontRef idx="minor"/>
+    </dgm:style>
+  </dgm:styleLbl>
+  <dgm:styleLbl name="parChTrans1D2">
+    <dgm:scene3d>
+      <a:camera prst="orthographicFront"/>
+      <a:lightRig rig="threePt" dir="t"/>
+    </dgm:scene3d>
+    <dgm:sp3d/>
+    <dgm:txPr/>
+    <dgm:style>
+      <a:lnRef idx="2">
+        <a:scrgbClr r="0" g="0" b="0"/>
+      </a:lnRef>
+      <a:fillRef idx="0">
+        <a:scrgbClr r="0" g="0" b="0"/>
+      </a:fillRef>
+      <a:effectRef idx="0">
+        <a:scrgbClr r="0" g="0" b="0"/>
+      </a:effectRef>
+      <a:fontRef idx="minor"/>
+    </dgm:style>
+  </dgm:styleLbl>
+  <dgm:styleLbl name="parChTrans1D3">
+    <dgm:scene3d>
+      <a:camera prst="orthographicFront"/>
+      <a:lightRig rig="threePt" dir="t"/>
+    </dgm:scene3d>
+    <dgm:sp3d/>
+    <dgm:txPr/>
+    <dgm:style>
+      <a:lnRef idx="2">
+        <a:scrgbClr r="0" g="0" b="0"/>
+      </a:lnRef>
+      <a:fillRef idx="0">
+        <a:scrgbClr r="0" g="0" b="0"/>
+      </a:fillRef>
+      <a:effectRef idx="0">
+        <a:scrgbClr r="0" g="0" b="0"/>
+      </a:effectRef>
+      <a:fontRef idx="minor"/>
+    </dgm:style>
+  </dgm:styleLbl>
+  <dgm:styleLbl name="parChTrans1D4">
+    <dgm:scene3d>
+      <a:camera prst="orthographicFront"/>
+      <a:lightRig rig="threePt" dir="t"/>
+    </dgm:scene3d>
+    <dgm:sp3d/>
+    <dgm:txPr/>
+    <dgm:style>
+      <a:lnRef idx="2">
+        <a:scrgbClr r="0" g="0" b="0"/>
+      </a:lnRef>
+      <a:fillRef idx="0">
+        <a:scrgbClr r="0" g="0" b="0"/>
+      </a:fillRef>
+      <a:effectRef idx="0">
+        <a:scrgbClr r="0" g="0" b="0"/>
+      </a:effectRef>
+      <a:fontRef idx="minor"/>
+    </dgm:style>
+  </dgm:styleLbl>
+  <dgm:styleLbl name="fgAcc1">
+    <dgm:scene3d>
+      <a:camera prst="orthographicFront"/>
+      <a:lightRig rig="threePt" dir="t"/>
+    </dgm:scene3d>
+    <dgm:sp3d/>
+    <dgm:txPr/>
+    <dgm:style>
+      <a:lnRef idx="2">
+        <a:scrgbClr r="0" g="0" b="0"/>
+      </a:lnRef>
+      <a:fillRef idx="1">
+        <a:scrgbClr r="0" g="0" b="0"/>
+      </a:fillRef>
+      <a:effectRef idx="0">
+        <a:scrgbClr r="0" g="0" b="0"/>
+      </a:effectRef>
+      <a:fontRef idx="minor"/>
+    </dgm:style>
+  </dgm:styleLbl>
+  <dgm:styleLbl name="conFgAcc1">
+    <dgm:scene3d>
+      <a:camera prst="orthographicFront"/>
+      <a:lightRig rig="threePt" dir="t"/>
+    </dgm:scene3d>
+    <dgm:sp3d/>
+    <dgm:txPr/>
+    <dgm:style>
+      <a:lnRef idx="2">
+        <a:scrgbClr r="0" g="0" b="0"/>
+      </a:lnRef>
+      <a:fillRef idx="1">
+        <a:scrgbClr r="0" g="0" b="0"/>
+      </a:fillRef>
+      <a:effectRef idx="0">
+        <a:scrgbClr r="0" g="0" b="0"/>
+      </a:effectRef>
+      <a:fontRef idx="minor"/>
+    </dgm:style>
+  </dgm:styleLbl>
+  <dgm:styleLbl name="alignAcc1">
+    <dgm:scene3d>
+      <a:camera prst="orthographicFront"/>
+      <a:lightRig rig="threePt" dir="t"/>
+    </dgm:scene3d>
+    <dgm:sp3d/>
+    <dgm:txPr/>
+    <dgm:style>
+      <a:lnRef idx="2">
+        <a:scrgbClr r="0" g="0" b="0"/>
+      </a:lnRef>
+      <a:fillRef idx="1">
+        <a:scrgbClr r="0" g="0" b="0"/>
+      </a:fillRef>
+      <a:effectRef idx="0">
+        <a:scrgbClr r="0" g="0" b="0"/>
+      </a:effectRef>
+      <a:fontRef idx="minor"/>
+    </dgm:style>
+  </dgm:styleLbl>
+  <dgm:styleLbl name="trAlignAcc1">
+    <dgm:scene3d>
+      <a:camera prst="orthographicFront"/>
+      <a:lightRig rig="threePt" dir="t"/>
+    </dgm:scene3d>
+    <dgm:sp3d/>
+    <dgm:txPr/>
+    <dgm:style>
+      <a:lnRef idx="1">
+        <a:scrgbClr r="0" g="0" b="0"/>
+      </a:lnRef>
+      <a:fillRef idx="1">
+        <a:scrgbClr r="0" g="0" b="0"/>
+      </a:fillRef>
+      <a:effectRef idx="0">
+        <a:scrgbClr r="0" g="0" b="0"/>
+      </a:effectRef>
+      <a:fontRef idx="minor"/>
+    </dgm:style>
+  </dgm:styleLbl>
+  <dgm:styleLbl name="bgAcc1">
+    <dgm:scene3d>
+      <a:camera prst="orthographicFront"/>
+      <a:lightRig rig="threePt" dir="t"/>
+    </dgm:scene3d>
+    <dgm:sp3d/>
+    <dgm:txPr/>
+    <dgm:style>
+      <a:lnRef idx="2">
+        <a:scrgbClr r="0" g="0" b="0"/>
+      </a:lnRef>
+      <a:fillRef idx="1">
+        <a:scrgbClr r="0" g="0" b="0"/>
+      </a:fillRef>
+      <a:effectRef idx="0">
+        <a:scrgbClr r="0" g="0" b="0"/>
+      </a:effectRef>
+      <a:fontRef idx="minor"/>
+    </dgm:style>
+  </dgm:styleLbl>
+  <dgm:styleLbl name="solidFgAcc1">
+    <dgm:scene3d>
+      <a:camera prst="orthographicFront"/>
+      <a:lightRig rig="threePt" dir="t"/>
+    </dgm:scene3d>
+    <dgm:sp3d/>
+    <dgm:txPr/>
+    <dgm:style>
+      <a:lnRef idx="2">
+        <a:scrgbClr r="0" g="0" b="0"/>
+      </a:lnRef>
+      <a:fillRef idx="1">
+        <a:scrgbClr r="0" g="0" b="0"/>
+      </a:fillRef>
+      <a:effectRef idx="0">
+        <a:scrgbClr r="0" g="0" b="0"/>
+      </a:effectRef>
+      <a:fontRef idx="minor"/>
+    </dgm:style>
+  </dgm:styleLbl>
+  <dgm:styleLbl name="solidAlignAcc1">
+    <dgm:scene3d>
+      <a:camera prst="orthographicFront"/>
+      <a:lightRig rig="threePt" dir="t"/>
+    </dgm:scene3d>
+    <dgm:sp3d/>
+    <dgm:txPr/>
+    <dgm:style>
+      <a:lnRef idx="2">
+        <a:scrgbClr r="0" g="0" b="0"/>
+      </a:lnRef>
+      <a:fillRef idx="1">
+        <a:scrgbClr r="0" g="0" b="0"/>
+      </a:fillRef>
+      <a:effectRef idx="0">
+        <a:scrgbClr r="0" g="0" b="0"/>
+      </a:effectRef>
+      <a:fontRef idx="minor"/>
+    </dgm:style>
+  </dgm:styleLbl>
+  <dgm:styleLbl name="solidBgAcc1">
+    <dgm:scene3d>
+      <a:camera prst="orthographicFront"/>
+      <a:lightRig rig="threePt" dir="t"/>
+    </dgm:scene3d>
+    <dgm:sp3d/>
+    <dgm:txPr/>
+    <dgm:style>
+      <a:lnRef idx="2">
+        <a:scrgbClr r="0" g="0" b="0"/>
+      </a:lnRef>
+      <a:fillRef idx="1">
+        <a:scrgbClr r="0" g="0" b="0"/>
+      </a:fillRef>
+      <a:effectRef idx="0">
+        <a:scrgbClr r="0" g="0" b="0"/>
+      </a:effectRef>
+      <a:fontRef idx="minor"/>
+    </dgm:style>
+  </dgm:styleLbl>
+  <dgm:styleLbl name="fgAccFollowNode1">
+    <dgm:scene3d>
+      <a:camera prst="orthographicFront"/>
+      <a:lightRig rig="threePt" dir="t"/>
+    </dgm:scene3d>
+    <dgm:sp3d/>
+    <dgm:txPr/>
+    <dgm:style>
+      <a:lnRef idx="2">
+        <a:scrgbClr r="0" g="0" b="0"/>
+      </a:lnRef>
+      <a:fillRef idx="1">
+        <a:scrgbClr r="0" g="0" b="0"/>
+      </a:fillRef>
+      <a:effectRef idx="0">
+        <a:scrgbClr r="0" g="0" b="0"/>
+      </a:effectRef>
+      <a:fontRef idx="minor"/>
+    </dgm:style>
+  </dgm:styleLbl>
+  <dgm:styleLbl name="alignAccFollowNode1">
+    <dgm:scene3d>
+      <a:camera prst="orthographicFront"/>
+      <a:lightRig rig="threePt" dir="t"/>
+    </dgm:scene3d>
+    <dgm:sp3d/>
+    <dgm:txPr/>
+    <dgm:style>
+      <a:lnRef idx="2">
+        <a:scrgbClr r="0" g="0" b="0"/>
+      </a:lnRef>
+      <a:fillRef idx="1">
+        <a:scrgbClr r="0" g="0" b="0"/>
+      </a:fillRef>
+      <a:effectRef idx="0">
+        <a:scrgbClr r="0" g="0" b="0"/>
+      </a:effectRef>
+      <a:fontRef idx="minor"/>
+    </dgm:style>
+  </dgm:styleLbl>
+  <dgm:styleLbl name="bgAccFollowNode1">
+    <dgm:scene3d>
+      <a:camera prst="orthographicFront"/>
+      <a:lightRig rig="threePt" dir="t"/>
+    </dgm:scene3d>
+    <dgm:sp3d/>
+    <dgm:txPr/>
+    <dgm:style>
+      <a:lnRef idx="2">
+        <a:scrgbClr r="0" g="0" b="0"/>
+      </a:lnRef>
+      <a:fillRef idx="1">
+        <a:scrgbClr r="0" g="0" b="0"/>
+      </a:fillRef>
+      <a:effectRef idx="0">
+        <a:scrgbClr r="0" g="0" b="0"/>
+      </a:effectRef>
+      <a:fontRef idx="minor"/>
+    </dgm:style>
+  </dgm:styleLbl>
+  <dgm:styleLbl name="fgAcc0">
+    <dgm:scene3d>
+      <a:camera prst="orthographicFront"/>
+      <a:lightRig rig="threePt" dir="t"/>
+    </dgm:scene3d>
+    <dgm:sp3d/>
+    <dgm:txPr/>
+    <dgm:style>
+      <a:lnRef idx="2">
+        <a:scrgbClr r="0" g="0" b="0"/>
+      </a:lnRef>
+      <a:fillRef idx="1">
+        <a:scrgbClr r="0" g="0" b="0"/>
+      </a:fillRef>
+      <a:effectRef idx="0">
+        <a:scrgbClr r="0" g="0" b="0"/>
+      </a:effectRef>
+      <a:fontRef idx="minor"/>
+    </dgm:style>
+  </dgm:styleLbl>
+  <dgm:styleLbl name="fgAcc2">
+    <dgm:scene3d>
+      <a:camera prst="orthographicFront"/>
+      <a:lightRig rig="threePt" dir="t"/>
+    </dgm:scene3d>
+    <dgm:sp3d/>
+    <dgm:txPr/>
+    <dgm:style>
+      <a:lnRef idx="2">
+        <a:scrgbClr r="0" g="0" b="0"/>
+      </a:lnRef>
+      <a:fillRef idx="1">
+        <a:scrgbClr r="0" g="0" b="0"/>
+      </a:fillRef>
+      <a:effectRef idx="0">
+        <a:scrgbClr r="0" g="0" b="0"/>
+      </a:effectRef>
+      <a:fontRef idx="minor"/>
+    </dgm:style>
+  </dgm:styleLbl>
+  <dgm:styleLbl name="fgAcc3">
+    <dgm:scene3d>
+      <a:camera prst="orthographicFront"/>
+      <a:lightRig rig="threePt" dir="t"/>
+    </dgm:scene3d>
+    <dgm:sp3d/>
+    <dgm:txPr/>
+    <dgm:style>
+      <a:lnRef idx="2">
+        <a:scrgbClr r="0" g="0" b="0"/>
+      </a:lnRef>
+      <a:fillRef idx="1">
+        <a:scrgbClr r="0" g="0" b="0"/>
+      </a:fillRef>
+      <a:effectRef idx="0">
+        <a:scrgbClr r="0" g="0" b="0"/>
+      </a:effectRef>
+      <a:fontRef idx="minor"/>
+    </dgm:style>
+  </dgm:styleLbl>
+  <dgm:styleLbl name="fgAcc4">
+    <dgm:scene3d>
+      <a:camera prst="orthographicFront"/>
+      <a:lightRig rig="threePt" dir="t"/>
+    </dgm:scene3d>
+    <dgm:sp3d/>
+    <dgm:txPr/>
+    <dgm:style>
+      <a:lnRef idx="2">
+        <a:scrgbClr r="0" g="0" b="0"/>
+      </a:lnRef>
+      <a:fillRef idx="1">
+        <a:scrgbClr r="0" g="0" b="0"/>
+      </a:fillRef>
+      <a:effectRef idx="0">
+        <a:scrgbClr r="0" g="0" b="0"/>
+      </a:effectRef>
+      <a:fontRef idx="minor"/>
+    </dgm:style>
+  </dgm:styleLbl>
+  <dgm:styleLbl name="bgShp">
+    <dgm:scene3d>
+      <a:camera prst="orthographicFront"/>
+      <a:lightRig rig="threePt" dir="t"/>
+    </dgm:scene3d>
+    <dgm:sp3d/>
+    <dgm:txPr/>
+    <dgm:style>
+      <a:lnRef idx="0">
+        <a:scrgbClr r="0" g="0" b="0"/>
+      </a:lnRef>
+      <a:fillRef idx="1">
+        <a:scrgbClr r="0" g="0" b="0"/>
+      </a:fillRef>
+      <a:effectRef idx="0">
+        <a:scrgbClr r="0" g="0" b="0"/>
+      </a:effectRef>
+      <a:fontRef idx="minor"/>
+    </dgm:style>
+  </dgm:styleLbl>
+  <dgm:styleLbl name="dkBgShp">
+    <dgm:scene3d>
+      <a:camera prst="orthographicFront"/>
+      <a:lightRig rig="threePt" dir="t"/>
+    </dgm:scene3d>
+    <dgm:sp3d/>
+    <dgm:txPr/>
+    <dgm:style>
+      <a:lnRef idx="0">
+        <a:scrgbClr r="0" g="0" b="0"/>
+      </a:lnRef>
+      <a:fillRef idx="1">
+        <a:scrgbClr r="0" g="0" b="0"/>
+      </a:fillRef>
+      <a:effectRef idx="0">
+        <a:scrgbClr r="0" g="0" b="0"/>
+      </a:effectRef>
+      <a:fontRef idx="minor"/>
+    </dgm:style>
+  </dgm:styleLbl>
+  <dgm:styleLbl name="trBgShp">
+    <dgm:scene3d>
+      <a:camera prst="orthographicFront"/>
+      <a:lightRig rig="threePt" dir="t"/>
+    </dgm:scene3d>
+    <dgm:sp3d/>
+    <dgm:txPr/>
+    <dgm:style>
+      <a:lnRef idx="0">
+        <a:scrgbClr r="0" g="0" b="0"/>
+      </a:lnRef>
+      <a:fillRef idx="1">
+        <a:scrgbClr r="0" g="0" b="0"/>
+      </a:fillRef>
+      <a:effectRef idx="0">
+        <a:scrgbClr r="0" g="0" b="0"/>
+      </a:effectRef>
+      <a:fontRef idx="minor"/>
+    </dgm:style>
+  </dgm:styleLbl>
+  <dgm:styleLbl name="fgShp">
+    <dgm:scene3d>
+      <a:camera prst="orthographicFront"/>
+      <a:lightRig rig="threePt" dir="t"/>
+    </dgm:scene3d>
+    <dgm:sp3d/>
+    <dgm:txPr/>
+    <dgm:style>
+      <a:lnRef idx="2">
+        <a:scrgbClr r="0" g="0" b="0"/>
+      </a:lnRef>
+      <a:fillRef idx="1">
+        <a:scrgbClr r="0" g="0" b="0"/>
+      </a:fillRef>
+      <a:effectRef idx="0">
+        <a:scrgbClr r="0" g="0" b="0"/>
+      </a:effectRef>
+      <a:fontRef idx="minor"/>
+    </dgm:style>
+  </dgm:styleLbl>
+  <dgm:styleLbl name="revTx">
+    <dgm:scene3d>
+      <a:camera prst="orthographicFront"/>
+      <a:lightRig rig="threePt" dir="t"/>
+    </dgm:scene3d>
+    <dgm:sp3d/>
+    <dgm:txPr/>
+    <dgm:style>
+      <a:lnRef idx="0">
+        <a:scrgbClr r="0" g="0" b="0"/>
+      </a:lnRef>
+      <a:fillRef idx="0">
+        <a:scrgbClr r="0" g="0" b="0"/>
+      </a:fillRef>
+      <a:effectRef idx="0">
+        <a:scrgbClr r="0" g="0" b="0"/>
+      </a:effectRef>
+      <a:fontRef idx="minor"/>
+    </dgm:style>
+  </dgm:styleLbl>
+</dgm:styleDef>
+</file>
+
 <file path=ppt/handoutMasters/handoutMaster1.xml><?xml version="1.0" encoding="utf-8"?>
 <p:handoutMaster xmlns:a="http://schemas.openxmlformats.org/drawingml/2006/main" xmlns:r="http://schemas.openxmlformats.org/officeDocument/2006/relationships" xmlns:p="http://schemas.openxmlformats.org/presentationml/2006/main">
   <p:cSld>
@@ -314,7 +2834,7 @@
           <a:p>
             <a:fld id="{88AB61AC-CC22-4681-8B5F-EC0F6B6D8E33}" type="datetimeFigureOut">
               <a:rPr lang="en-US" smtClean="0"/>
-              <a:t>1/20/2019</a:t>
+              <a:t>2/2/2019</a:t>
             </a:fld>
             <a:endParaRPr lang="en-US"/>
           </a:p>
@@ -449,7 +2969,7 @@
             <a:fld id="{3F4E04E3-46F8-42D5-8D43-86D3EA9130A8}" type="datetimeFigureOut">
               <a:rPr lang="en-US" smtClean="0"/>
               <a:pPr/>
-              <a:t>1/20/2019</a:t>
+              <a:t>2/2/2019</a:t>
             </a:fld>
             <a:endParaRPr lang="en-US" dirty="0"/>
           </a:p>
@@ -929,11 +3449,6 @@
           </a:lstStyle>
           <a:p>
             <a:pPr marL="0" lvl="8"/>
-            <a:fld id="{0FBC919A-F23B-4505-9A4D-D2674812420E}" type="datetime4">
-              <a:rPr lang="en-US" smtClean="0"/>
-              <a:pPr marL="0" lvl="8"/>
-              <a:t>January 20, 2019</a:t>
-            </a:fld>
             <a:endParaRPr lang="en-US" dirty="0"/>
           </a:p>
         </p:txBody>
@@ -1258,7 +3773,7 @@
           <a:p>
             <a:r>
               <a:rPr lang="en-US"/>
-              <a:t>Pitney Bowes | PPT presentation template | November 24, 2014</a:t>
+              <a:t>Team The Good Karma - PRMIA 2019</a:t>
             </a:r>
             <a:endParaRPr lang="en-US" dirty="0"/>
           </a:p>
@@ -1543,7 +4058,7 @@
           <a:p>
             <a:r>
               <a:rPr lang="en-US"/>
-              <a:t>Pitney Bowes | PPT presentation template | November 24, 2014</a:t>
+              <a:t>Team The Good Karma - PRMIA 2019</a:t>
             </a:r>
             <a:endParaRPr lang="en-US" dirty="0"/>
           </a:p>
@@ -1793,7 +4308,7 @@
           <a:p>
             <a:r>
               <a:rPr lang="en-US"/>
-              <a:t>Pitney Bowes | PPT presentation template | November 24, 2014</a:t>
+              <a:t>Team The Good Karma - PRMIA 2019</a:t>
             </a:r>
             <a:endParaRPr lang="en-US" dirty="0"/>
           </a:p>
@@ -2043,7 +4558,7 @@
           <a:p>
             <a:r>
               <a:rPr lang="en-US"/>
-              <a:t>Pitney Bowes | PPT presentation template | November 24, 2014</a:t>
+              <a:t>Team The Good Karma - PRMIA 2019</a:t>
             </a:r>
             <a:endParaRPr lang="en-US" dirty="0"/>
           </a:p>
@@ -2293,7 +4808,7 @@
           <a:p>
             <a:r>
               <a:rPr lang="en-US"/>
-              <a:t>Pitney Bowes | PPT presentation template | November 24, 2014</a:t>
+              <a:t>Team The Good Karma - PRMIA 2019</a:t>
             </a:r>
             <a:endParaRPr lang="en-US" dirty="0"/>
           </a:p>
@@ -2469,7 +4984,7 @@
           <a:p>
             <a:r>
               <a:rPr lang="en-US"/>
-              <a:t>Pitney Bowes | PPT presentation template | November 24, 2014</a:t>
+              <a:t>Team The Good Karma - PRMIA 2019</a:t>
             </a:r>
             <a:endParaRPr lang="en-US" dirty="0"/>
           </a:p>
@@ -2585,7 +5100,7 @@
           <a:p>
             <a:r>
               <a:rPr lang="en-US"/>
-              <a:t>Pitney Bowes | PPT presentation template | November 24, 2014</a:t>
+              <a:t>Team The Good Karma - PRMIA 2019</a:t>
             </a:r>
             <a:endParaRPr lang="en-US" dirty="0"/>
           </a:p>
@@ -2705,7 +5220,7 @@
           <a:p>
             <a:r>
               <a:rPr lang="en-US"/>
-              <a:t>Pitney Bowes | PPT presentation template | November 24, 2014</a:t>
+              <a:t>Team The Good Karma - PRMIA 2019</a:t>
             </a:r>
             <a:endParaRPr lang="en-US" dirty="0"/>
           </a:p>
@@ -2893,7 +5408,7 @@
           <a:p>
             <a:r>
               <a:rPr lang="en-US"/>
-              <a:t>Pitney Bowes | PPT presentation template | November 24, 2014</a:t>
+              <a:t>Team The Good Karma - PRMIA 2019</a:t>
             </a:r>
             <a:endParaRPr lang="en-US" dirty="0"/>
           </a:p>
@@ -3137,7 +5652,7 @@
           <a:p>
             <a:r>
               <a:rPr lang="en-US"/>
-              <a:t>Pitney Bowes | PPT presentation template | November 24, 2014</a:t>
+              <a:t>Team The Good Karma - PRMIA 2019</a:t>
             </a:r>
             <a:endParaRPr lang="en-US" dirty="0"/>
           </a:p>
@@ -3409,11 +5924,6 @@
           </a:lstStyle>
           <a:p>
             <a:pPr marL="0" lvl="8"/>
-            <a:fld id="{3BC5535D-FB91-4569-815A-747212E2D367}" type="datetime4">
-              <a:rPr lang="en-US" smtClean="0"/>
-              <a:pPr marL="0" lvl="8"/>
-              <a:t>January 20, 2019</a:t>
-            </a:fld>
             <a:endParaRPr lang="en-US" dirty="0"/>
           </a:p>
         </p:txBody>
@@ -3697,7 +6207,7 @@
           <a:p>
             <a:r>
               <a:rPr lang="en-US"/>
-              <a:t>Pitney Bowes | PPT presentation template | November 24, 2014</a:t>
+              <a:t>Team The Good Karma - PRMIA 2019</a:t>
             </a:r>
             <a:endParaRPr lang="en-US" dirty="0"/>
           </a:p>
@@ -3941,7 +6451,7 @@
           <a:p>
             <a:r>
               <a:rPr lang="en-US"/>
-              <a:t>Pitney Bowes | PPT presentation template | November 24, 2014</a:t>
+              <a:t>Team The Good Karma - PRMIA 2019</a:t>
             </a:r>
             <a:endParaRPr lang="en-US" dirty="0"/>
           </a:p>
@@ -4103,9 +6613,10 @@
           </a:lstStyle>
           <a:p>
             <a:r>
-              <a:rPr lang="en-US" dirty="0"/>
-              <a:t>Pitney Bowes | PPT presentation template | November 24, 2014</a:t>
-            </a:r>
+              <a:rPr lang="en-US"/>
+              <a:t>Team The Good Karma - PRMIA 2019</a:t>
+            </a:r>
+            <a:endParaRPr lang="en-US" dirty="0"/>
           </a:p>
         </p:txBody>
       </p:sp>
@@ -4320,7 +6831,7 @@
           <a:p>
             <a:r>
               <a:rPr lang="en-US"/>
-              <a:t>Pitney Bowes | PPT presentation template | November 24, 2014</a:t>
+              <a:t>Team The Good Karma - PRMIA 2019</a:t>
             </a:r>
             <a:endParaRPr lang="en-US" dirty="0"/>
           </a:p>
@@ -4536,7 +7047,7 @@
           <a:p>
             <a:r>
               <a:rPr lang="en-US"/>
-              <a:t>Pitney Bowes | PPT presentation template | November 24, 2014</a:t>
+              <a:t>Team The Good Karma - PRMIA 2019</a:t>
             </a:r>
             <a:endParaRPr lang="en-US" dirty="0"/>
           </a:p>
@@ -4752,7 +7263,7 @@
           <a:p>
             <a:r>
               <a:rPr lang="en-US"/>
-              <a:t>Pitney Bowes | PPT presentation template | November 24, 2014</a:t>
+              <a:t>Team The Good Karma - PRMIA 2019</a:t>
             </a:r>
             <a:endParaRPr lang="en-US" dirty="0"/>
           </a:p>
@@ -5191,7 +7702,7 @@
           <a:p>
             <a:r>
               <a:rPr lang="en-US"/>
-              <a:t>Pitney Bowes | PPT presentation template | November 24, 2014</a:t>
+              <a:t>Team The Good Karma - PRMIA 2019</a:t>
             </a:r>
             <a:endParaRPr lang="en-US" dirty="0"/>
           </a:p>
@@ -5806,7 +8317,7 @@
           <a:p>
             <a:r>
               <a:rPr lang="en-US"/>
-              <a:t>Pitney Bowes | PPT presentation template | November 24, 2014</a:t>
+              <a:t>Team The Good Karma - PRMIA 2019</a:t>
             </a:r>
             <a:endParaRPr lang="en-US" dirty="0"/>
           </a:p>
@@ -6209,7 +8720,7 @@
           <a:p>
             <a:r>
               <a:rPr lang="en-US"/>
-              <a:t>Pitney Bowes | PPT presentation template | November 24, 2014</a:t>
+              <a:t>Team The Good Karma - PRMIA 2019</a:t>
             </a:r>
             <a:endParaRPr lang="en-US" dirty="0"/>
           </a:p>
@@ -7055,9 +9566,10 @@
           </a:lstStyle>
           <a:p>
             <a:r>
-              <a:rPr lang="en-US" dirty="0"/>
-              <a:t>Pitney Bowes | PPT presentation template | November 24, 2014</a:t>
-            </a:r>
+              <a:rPr lang="en-US"/>
+              <a:t>Team The Good Karma - PRMIA 2019</a:t>
+            </a:r>
+            <a:endParaRPr lang="en-US" dirty="0"/>
           </a:p>
         </p:txBody>
       </p:sp>
@@ -7704,11 +10216,6 @@
           </a:lstStyle>
           <a:p>
             <a:pPr marL="0" lvl="8" algn="l"/>
-            <a:fld id="{3BC5535D-FB91-4569-815A-747212E2D367}" type="datetime4">
-              <a:rPr lang="en-US" smtClean="0"/>
-              <a:pPr marL="0" lvl="8" algn="l"/>
-              <a:t>January 20, 2019</a:t>
-            </a:fld>
             <a:endParaRPr lang="en-US" dirty="0"/>
           </a:p>
         </p:txBody>
@@ -7940,7 +10447,7 @@
           <a:p>
             <a:r>
               <a:rPr lang="en-US"/>
-              <a:t>Pitney Bowes | PPT presentation template | November 24, 2014</a:t>
+              <a:t>Team The Good Karma - PRMIA 2019</a:t>
             </a:r>
             <a:endParaRPr lang="en-US" dirty="0"/>
           </a:p>
@@ -9063,7 +11570,7 @@
           <a:p>
             <a:r>
               <a:rPr lang="en-US"/>
-              <a:t>Pitney Bowes | PPT presentation template | November 24, 2014</a:t>
+              <a:t>Team The Good Karma - PRMIA 2019</a:t>
             </a:r>
             <a:endParaRPr lang="en-US" dirty="0"/>
           </a:p>
@@ -9892,9 +12399,10 @@
           </a:lstStyle>
           <a:p>
             <a:r>
-              <a:rPr lang="en-US" dirty="0"/>
-              <a:t>Pitney Bowes | PPT presentation template | November 24, 2014</a:t>
-            </a:r>
+              <a:rPr lang="en-US"/>
+              <a:t>Team The Good Karma - PRMIA 2019</a:t>
+            </a:r>
+            <a:endParaRPr lang="en-US" dirty="0"/>
           </a:p>
         </p:txBody>
       </p:sp>
@@ -10541,7 +13049,7 @@
           <a:p>
             <a:r>
               <a:rPr lang="en-US"/>
-              <a:t>Pitney Bowes | PPT presentation template | November 24, 2014</a:t>
+              <a:t>Team The Good Karma - PRMIA 2019</a:t>
             </a:r>
             <a:endParaRPr lang="en-US" dirty="0"/>
           </a:p>
@@ -11911,7 +14419,7 @@
           <a:p>
             <a:r>
               <a:rPr lang="en-US"/>
-              <a:t>Pitney Bowes | PPT presentation template | November 24, 2014</a:t>
+              <a:t>Team The Good Karma - PRMIA 2019</a:t>
             </a:r>
             <a:endParaRPr lang="en-US" dirty="0"/>
           </a:p>
@@ -12932,7 +15440,7 @@
           <a:p>
             <a:r>
               <a:rPr lang="en-US"/>
-              <a:t>Pitney Bowes | PPT presentation template | November 24, 2014</a:t>
+              <a:t>Team The Good Karma - PRMIA 2019</a:t>
             </a:r>
             <a:endParaRPr lang="en-US" dirty="0"/>
           </a:p>
@@ -14683,9 +17191,10 @@
           </a:lstStyle>
           <a:p>
             <a:r>
-              <a:rPr lang="en-US" dirty="0"/>
-              <a:t>Pitney Bowes | PPT presentation template | November 24, 2014</a:t>
-            </a:r>
+              <a:rPr lang="en-US"/>
+              <a:t>Team The Good Karma - PRMIA 2019</a:t>
+            </a:r>
+            <a:endParaRPr lang="en-US" dirty="0"/>
           </a:p>
         </p:txBody>
       </p:sp>
@@ -15433,7 +17942,7 @@
           <a:p>
             <a:r>
               <a:rPr lang="en-US"/>
-              <a:t>Pitney Bowes | PPT presentation template | November 24, 2014</a:t>
+              <a:t>Team The Good Karma - PRMIA 2019</a:t>
             </a:r>
             <a:endParaRPr lang="en-US" dirty="0"/>
           </a:p>
@@ -17042,7 +19551,7 @@
           <a:p>
             <a:r>
               <a:rPr lang="en-US"/>
-              <a:t>Pitney Bowes | PPT presentation template | November 24, 2014</a:t>
+              <a:t>Team The Good Karma - PRMIA 2019</a:t>
             </a:r>
             <a:endParaRPr lang="en-US" dirty="0"/>
           </a:p>
@@ -19276,7 +21785,7 @@
           <a:p>
             <a:r>
               <a:rPr lang="en-US"/>
-              <a:t>Pitney Bowes | PPT presentation template | November 24, 2014</a:t>
+              <a:t>Team The Good Karma - PRMIA 2019</a:t>
             </a:r>
             <a:endParaRPr lang="en-US" dirty="0"/>
           </a:p>
@@ -19379,7 +21888,7 @@
           <a:p>
             <a:r>
               <a:rPr lang="en-US"/>
-              <a:t>Pitney Bowes | PPT presentation template | November 24, 2014</a:t>
+              <a:t>Team The Good Karma - PRMIA 2019</a:t>
             </a:r>
             <a:endParaRPr lang="en-US" dirty="0"/>
           </a:p>
@@ -19622,7 +22131,7 @@
           <a:p>
             <a:r>
               <a:rPr lang="en-US"/>
-              <a:t>Pitney Bowes | PPT presentation template | November 24, 2014</a:t>
+              <a:t>Team The Good Karma - PRMIA 2019</a:t>
             </a:r>
             <a:endParaRPr lang="en-US" dirty="0"/>
           </a:p>
@@ -19934,7 +22443,7 @@
           <a:p>
             <a:r>
               <a:rPr lang="en-US"/>
-              <a:t>Pitney Bowes | PPT presentation template | November 24, 2014</a:t>
+              <a:t>Team The Good Karma - PRMIA 2019</a:t>
             </a:r>
             <a:endParaRPr lang="en-US" dirty="0"/>
           </a:p>
@@ -20080,9 +22589,10 @@
           </a:lstStyle>
           <a:p>
             <a:r>
-              <a:rPr lang="en-US" dirty="0"/>
-              <a:t>Pitney Bowes | PPT presentation template | November 24, 2014</a:t>
-            </a:r>
+              <a:rPr lang="en-US"/>
+              <a:t>Team The Good Karma - PRMIA 2019</a:t>
+            </a:r>
+            <a:endParaRPr lang="en-US" dirty="0"/>
           </a:p>
         </p:txBody>
       </p:sp>
@@ -20183,7 +22693,7 @@
           <a:p>
             <a:r>
               <a:rPr lang="en-US"/>
-              <a:t>Pitney Bowes | PPT presentation template | November 24, 2014</a:t>
+              <a:t>Team The Good Karma - PRMIA 2019</a:t>
             </a:r>
             <a:endParaRPr lang="en-US" dirty="0"/>
           </a:p>
@@ -20576,9 +23086,10 @@
           </a:lstStyle>
           <a:p>
             <a:r>
-              <a:rPr lang="en-US" dirty="0"/>
-              <a:t>Pitney Bowes | PPT presentation template | November 24, 2014</a:t>
-            </a:r>
+              <a:rPr lang="en-US"/>
+              <a:t>Team The Good Karma - PRMIA 2019</a:t>
+            </a:r>
+            <a:endParaRPr lang="en-US" dirty="0"/>
           </a:p>
         </p:txBody>
       </p:sp>
@@ -21666,7 +24177,7 @@
           <a:p>
             <a:r>
               <a:rPr lang="en-US"/>
-              <a:t>Pitney Bowes | PPT presentation template | November 24, 2014</a:t>
+              <a:t>Team The Good Karma - PRMIA 2019</a:t>
             </a:r>
             <a:endParaRPr lang="en-US" dirty="0"/>
           </a:p>
@@ -23086,7 +25597,7 @@
           <a:p>
             <a:r>
               <a:rPr lang="en-US"/>
-              <a:t>Pitney Bowes | PPT presentation template | November 24, 2014</a:t>
+              <a:t>Team The Good Karma - PRMIA 2019</a:t>
             </a:r>
             <a:endParaRPr lang="en-US" dirty="0"/>
           </a:p>
@@ -23397,7 +25908,7 @@
           <a:p>
             <a:r>
               <a:rPr lang="en-US"/>
-              <a:t>Pitney Bowes | PPT presentation template | November 24, 2014</a:t>
+              <a:t>Team The Good Karma - PRMIA 2019</a:t>
             </a:r>
             <a:endParaRPr lang="en-US" dirty="0"/>
           </a:p>
@@ -23728,7 +26239,7 @@
           <a:p>
             <a:r>
               <a:rPr lang="en-US"/>
-              <a:t>Pitney Bowes | PPT presentation template | November 24, 2014</a:t>
+              <a:t>Team The Good Karma - PRMIA 2019</a:t>
             </a:r>
             <a:endParaRPr lang="en-US" dirty="0"/>
           </a:p>
@@ -24392,7 +26903,7 @@
           <a:p>
             <a:r>
               <a:rPr lang="en-US"/>
-              <a:t>Pitney Bowes | PPT presentation template | November 24, 2014</a:t>
+              <a:t>Team The Good Karma - PRMIA 2019</a:t>
             </a:r>
             <a:endParaRPr lang="en-US" dirty="0"/>
           </a:p>
@@ -24716,7 +27227,7 @@
           <a:p>
             <a:r>
               <a:rPr lang="en-US"/>
-              <a:t>Pitney Bowes | PPT presentation template | November 24, 2014</a:t>
+              <a:t>Team The Good Karma - PRMIA 2019</a:t>
             </a:r>
             <a:endParaRPr lang="en-US" dirty="0"/>
           </a:p>
@@ -25000,9 +27511,10 @@
           </a:lstStyle>
           <a:p>
             <a:r>
-              <a:rPr lang="en-US" dirty="0"/>
-              <a:t>Pitney Bowes | PPT presentation template | November 24, 2014</a:t>
-            </a:r>
+              <a:rPr lang="en-US"/>
+              <a:t>Team The Good Karma - PRMIA 2019</a:t>
+            </a:r>
+            <a:endParaRPr lang="en-US" dirty="0"/>
           </a:p>
         </p:txBody>
       </p:sp>
@@ -25285,7 +27797,7 @@
           <a:p>
             <a:r>
               <a:rPr lang="en-US"/>
-              <a:t>Pitney Bowes | PPT presentation template | November 24, 2014</a:t>
+              <a:t>Team The Good Karma - PRMIA 2019</a:t>
             </a:r>
             <a:endParaRPr lang="en-US" dirty="0"/>
           </a:p>
@@ -25570,7 +28082,7 @@
           <a:p>
             <a:r>
               <a:rPr lang="en-US"/>
-              <a:t>Pitney Bowes | PPT presentation template | November 24, 2014</a:t>
+              <a:t>Team The Good Karma - PRMIA 2019</a:t>
             </a:r>
             <a:endParaRPr lang="en-US" dirty="0"/>
           </a:p>
@@ -25905,7 +28417,7 @@
           <a:p>
             <a:r>
               <a:rPr lang="en-US"/>
-              <a:t>Pitney Bowes | PPT presentation template | November 24, 2014</a:t>
+              <a:t>Team The Good Karma - PRMIA 2019</a:t>
             </a:r>
             <a:endParaRPr lang="en-US" dirty="0"/>
           </a:p>
@@ -26087,7 +28599,7 @@
     <p:sldLayoutId id="2147483692" r:id="rId47"/>
     <p:sldLayoutId id="2147483718" r:id="rId48"/>
   </p:sldLayoutIdLst>
-  <p:hf hdr="0"/>
+  <p:hf hdr="0" dt="0"/>
   <p:txStyles>
     <p:titleStyle>
       <a:lvl1pPr algn="l" defTabSz="914400" rtl="0" eaLnBrk="1" latinLnBrk="0" hangingPunct="1">
@@ -26445,37 +28957,6 @@
       </p:sp>
       <p:sp>
         <p:nvSpPr>
-          <p:cNvPr id="3" name="Date Placeholder 2">
-            <a:extLst>
-              <a:ext uri="{FF2B5EF4-FFF2-40B4-BE49-F238E27FC236}">
-                <a16:creationId xmlns:a16="http://schemas.microsoft.com/office/drawing/2014/main" id="{43E9E13C-97DA-49F5-A5A6-52DE1CBAEDFA}"/>
-              </a:ext>
-            </a:extLst>
-          </p:cNvPr>
-          <p:cNvSpPr>
-            <a:spLocks noGrp="1"/>
-          </p:cNvSpPr>
-          <p:nvPr>
-            <p:ph type="dt" sz="half" idx="10"/>
-          </p:nvPr>
-        </p:nvSpPr>
-        <p:spPr/>
-        <p:txBody>
-          <a:bodyPr/>
-          <a:lstStyle/>
-          <a:p>
-            <a:pPr marL="0" lvl="8"/>
-            <a:fld id="{3BC5535D-FB91-4569-815A-747212E2D367}" type="datetime4">
-              <a:rPr lang="en-US" smtClean="0"/>
-              <a:pPr marL="0" lvl="8"/>
-              <a:t>January 20, 2019</a:t>
-            </a:fld>
-            <a:endParaRPr lang="en-US" dirty="0"/>
-          </a:p>
-        </p:txBody>
-      </p:sp>
-      <p:sp>
-        <p:nvSpPr>
           <p:cNvPr id="4" name="Subtitle 3">
             <a:extLst>
               <a:ext uri="{FF2B5EF4-FFF2-40B4-BE49-F238E27FC236}">
@@ -26506,6 +28987,1940 @@
     <p:extLst>
       <p:ext uri="{BB962C8B-B14F-4D97-AF65-F5344CB8AC3E}">
         <p14:creationId xmlns:p14="http://schemas.microsoft.com/office/powerpoint/2010/main" val="993702626"/>
+      </p:ext>
+    </p:extLst>
+  </p:cSld>
+  <p:clrMapOvr>
+    <a:masterClrMapping/>
+  </p:clrMapOvr>
+</p:sld>
+</file>
+
+<file path=ppt/slides/slide10.xml><?xml version="1.0" encoding="utf-8"?>
+<p:sld xmlns:a="http://schemas.openxmlformats.org/drawingml/2006/main" xmlns:r="http://schemas.openxmlformats.org/officeDocument/2006/relationships" xmlns:p="http://schemas.openxmlformats.org/presentationml/2006/main">
+  <p:cSld>
+    <p:spTree>
+      <p:nvGrpSpPr>
+        <p:cNvPr id="1" name=""/>
+        <p:cNvGrpSpPr/>
+        <p:nvPr/>
+      </p:nvGrpSpPr>
+      <p:grpSpPr>
+        <a:xfrm>
+          <a:off x="0" y="0"/>
+          <a:ext cx="0" cy="0"/>
+          <a:chOff x="0" y="0"/>
+          <a:chExt cx="0" cy="0"/>
+        </a:xfrm>
+      </p:grpSpPr>
+      <p:sp>
+        <p:nvSpPr>
+          <p:cNvPr id="3" name="Footer Placeholder 2">
+            <a:extLst>
+              <a:ext uri="{FF2B5EF4-FFF2-40B4-BE49-F238E27FC236}">
+                <a16:creationId xmlns:a16="http://schemas.microsoft.com/office/drawing/2014/main" id="{9D58CD84-1DDB-4C56-BD16-A3D1E8B9A42B}"/>
+              </a:ext>
+            </a:extLst>
+          </p:cNvPr>
+          <p:cNvSpPr>
+            <a:spLocks noGrp="1"/>
+          </p:cNvSpPr>
+          <p:nvPr>
+            <p:ph type="ftr" sz="quarter" idx="11"/>
+          </p:nvPr>
+        </p:nvSpPr>
+        <p:spPr/>
+        <p:txBody>
+          <a:bodyPr/>
+          <a:lstStyle/>
+          <a:p>
+            <a:r>
+              <a:rPr lang="en-US"/>
+              <a:t>Team The Good Karma - PRMIA 2019</a:t>
+            </a:r>
+            <a:endParaRPr lang="en-US" dirty="0"/>
+          </a:p>
+        </p:txBody>
+      </p:sp>
+      <p:sp>
+        <p:nvSpPr>
+          <p:cNvPr id="4" name="Slide Number Placeholder 3">
+            <a:extLst>
+              <a:ext uri="{FF2B5EF4-FFF2-40B4-BE49-F238E27FC236}">
+                <a16:creationId xmlns:a16="http://schemas.microsoft.com/office/drawing/2014/main" id="{4D725AD7-D809-4BFF-8213-0978B3CFD019}"/>
+              </a:ext>
+            </a:extLst>
+          </p:cNvPr>
+          <p:cNvSpPr>
+            <a:spLocks noGrp="1"/>
+          </p:cNvSpPr>
+          <p:nvPr>
+            <p:ph type="sldNum" sz="quarter" idx="12"/>
+          </p:nvPr>
+        </p:nvSpPr>
+        <p:spPr/>
+        <p:txBody>
+          <a:bodyPr/>
+          <a:lstStyle/>
+          <a:p>
+            <a:fld id="{D626626A-31BC-42D5-8B98-F47D2A66E9E4}" type="slidenum">
+              <a:rPr lang="en-US" smtClean="0"/>
+              <a:pPr/>
+              <a:t>10</a:t>
+            </a:fld>
+            <a:endParaRPr lang="en-US" dirty="0"/>
+          </a:p>
+        </p:txBody>
+      </p:sp>
+      <p:sp>
+        <p:nvSpPr>
+          <p:cNvPr id="7" name="Title 1">
+            <a:extLst>
+              <a:ext uri="{FF2B5EF4-FFF2-40B4-BE49-F238E27FC236}">
+                <a16:creationId xmlns:a16="http://schemas.microsoft.com/office/drawing/2014/main" id="{B87DCEC0-5E5C-43E4-9A43-3945C6DCDEAB}"/>
+              </a:ext>
+            </a:extLst>
+          </p:cNvPr>
+          <p:cNvSpPr>
+            <a:spLocks noGrp="1"/>
+          </p:cNvSpPr>
+          <p:nvPr>
+            <p:ph type="title"/>
+          </p:nvPr>
+        </p:nvSpPr>
+        <p:spPr>
+          <a:xfrm>
+            <a:off x="304800" y="266700"/>
+            <a:ext cx="6345936" cy="247650"/>
+          </a:xfrm>
+        </p:spPr>
+        <p:txBody>
+          <a:bodyPr/>
+          <a:lstStyle/>
+          <a:p>
+            <a:r>
+              <a:rPr lang="en-US" b="1" dirty="0"/>
+              <a:t>What is 94% variability of earnings explanation.</a:t>
+            </a:r>
+          </a:p>
+        </p:txBody>
+      </p:sp>
+      <p:sp>
+        <p:nvSpPr>
+          <p:cNvPr id="8" name="TextBox 7">
+            <a:extLst>
+              <a:ext uri="{FF2B5EF4-FFF2-40B4-BE49-F238E27FC236}">
+                <a16:creationId xmlns:a16="http://schemas.microsoft.com/office/drawing/2014/main" id="{3A10EF9A-A4F0-4A95-8498-F9A838DD949B}"/>
+              </a:ext>
+            </a:extLst>
+          </p:cNvPr>
+          <p:cNvSpPr txBox="1"/>
+          <p:nvPr/>
+        </p:nvSpPr>
+        <p:spPr>
+          <a:xfrm>
+            <a:off x="381000" y="742950"/>
+            <a:ext cx="8305800" cy="2231380"/>
+          </a:xfrm>
+          <a:prstGeom prst="rect">
+            <a:avLst/>
+          </a:prstGeom>
+          <a:noFill/>
+        </p:spPr>
+        <p:txBody>
+          <a:bodyPr wrap="square" rtlCol="0">
+            <a:spAutoFit/>
+          </a:bodyPr>
+          <a:lstStyle/>
+          <a:p>
+            <a:pPr marL="285750" indent="-285750">
+              <a:buFont typeface="Arial" panose="020B0604020202020204" pitchFamily="34" charset="0"/>
+              <a:buChar char="•"/>
+            </a:pPr>
+            <a:r>
+              <a:rPr lang="en-US" dirty="0"/>
+              <a:t>Four variables - precipitation in June &amp; July, and average temperatures in February &amp; September, explained 85% variation in crop yields.</a:t>
+            </a:r>
+          </a:p>
+          <a:p>
+            <a:pPr marL="285750" indent="-285750">
+              <a:buFont typeface="Arial" panose="020B0604020202020204" pitchFamily="34" charset="0"/>
+              <a:buChar char="•"/>
+            </a:pPr>
+            <a:r>
+              <a:rPr lang="en-US" dirty="0"/>
+              <a:t>The crop yields, i.e., the yields as a function of the four variables, were then used to model the variation in earnings of UGG’s grain handling.</a:t>
+            </a:r>
+          </a:p>
+          <a:p>
+            <a:pPr marL="285750" indent="-285750">
+              <a:buFont typeface="Arial" panose="020B0604020202020204" pitchFamily="34" charset="0"/>
+              <a:buChar char="•"/>
+            </a:pPr>
+            <a:r>
+              <a:rPr lang="en-US" dirty="0">
+                <a:latin typeface="Arial" panose="020B0604020202020204" pitchFamily="34" charset="0"/>
+                <a:ea typeface="Calibri" panose="020F0502020204030204" pitchFamily="34" charset="0"/>
+              </a:rPr>
+              <a:t>In the model which explains the earnings, crop yields are explaining 94% of the variation in the earnings.</a:t>
+            </a:r>
+            <a:endParaRPr lang="en-US" sz="1550" dirty="0"/>
+          </a:p>
+          <a:p>
+            <a:pPr marL="742950" lvl="1" indent="-285750">
+              <a:buFont typeface="Courier New" panose="02070309020205020404" pitchFamily="49" charset="0"/>
+              <a:buChar char="o"/>
+            </a:pPr>
+            <a:endParaRPr lang="en-US" sz="1550" dirty="0"/>
+          </a:p>
+          <a:p>
+            <a:pPr marL="742950" lvl="1" indent="-285750">
+              <a:buFont typeface="Courier New" panose="02070309020205020404" pitchFamily="49" charset="0"/>
+              <a:buChar char="o"/>
+            </a:pPr>
+            <a:endParaRPr lang="en-US" sz="1550" dirty="0"/>
+          </a:p>
+        </p:txBody>
+      </p:sp>
+      <p:sp>
+        <p:nvSpPr>
+          <p:cNvPr id="9" name="Rectangle 8">
+            <a:extLst>
+              <a:ext uri="{FF2B5EF4-FFF2-40B4-BE49-F238E27FC236}">
+                <a16:creationId xmlns:a16="http://schemas.microsoft.com/office/drawing/2014/main" id="{F0AABAD0-A504-4CA0-966A-9EAB88092745}"/>
+              </a:ext>
+            </a:extLst>
+          </p:cNvPr>
+          <p:cNvSpPr/>
+          <p:nvPr/>
+        </p:nvSpPr>
+        <p:spPr>
+          <a:xfrm>
+            <a:off x="7671547" y="-16809"/>
+            <a:ext cx="1472453" cy="312644"/>
+          </a:xfrm>
+          <a:prstGeom prst="rect">
+            <a:avLst/>
+          </a:prstGeom>
+        </p:spPr>
+        <p:style>
+          <a:lnRef idx="2">
+            <a:schemeClr val="accent1">
+              <a:shade val="50000"/>
+            </a:schemeClr>
+          </a:lnRef>
+          <a:fillRef idx="1">
+            <a:schemeClr val="accent1"/>
+          </a:fillRef>
+          <a:effectRef idx="0">
+            <a:schemeClr val="accent1"/>
+          </a:effectRef>
+          <a:fontRef idx="minor">
+            <a:schemeClr val="lt1"/>
+          </a:fontRef>
+        </p:style>
+        <p:txBody>
+          <a:bodyPr rtlCol="0" anchor="ctr"/>
+          <a:lstStyle/>
+          <a:p>
+            <a:pPr algn="ctr"/>
+            <a:r>
+              <a:rPr lang="en-US" sz="1200" i="1" dirty="0"/>
+              <a:t>Solution 3</a:t>
+            </a:r>
+          </a:p>
+        </p:txBody>
+      </p:sp>
+    </p:spTree>
+    <p:extLst>
+      <p:ext uri="{BB962C8B-B14F-4D97-AF65-F5344CB8AC3E}">
+        <p14:creationId xmlns:p14="http://schemas.microsoft.com/office/powerpoint/2010/main" val="1682537446"/>
+      </p:ext>
+    </p:extLst>
+  </p:cSld>
+  <p:clrMapOvr>
+    <a:masterClrMapping/>
+  </p:clrMapOvr>
+</p:sld>
+</file>
+
+<file path=ppt/slides/slide11.xml><?xml version="1.0" encoding="utf-8"?>
+<p:sld xmlns:a="http://schemas.openxmlformats.org/drawingml/2006/main" xmlns:r="http://schemas.openxmlformats.org/officeDocument/2006/relationships" xmlns:p="http://schemas.openxmlformats.org/presentationml/2006/main">
+  <p:cSld>
+    <p:spTree>
+      <p:nvGrpSpPr>
+        <p:cNvPr id="1" name=""/>
+        <p:cNvGrpSpPr/>
+        <p:nvPr/>
+      </p:nvGrpSpPr>
+      <p:grpSpPr>
+        <a:xfrm>
+          <a:off x="0" y="0"/>
+          <a:ext cx="0" cy="0"/>
+          <a:chOff x="0" y="0"/>
+          <a:chExt cx="0" cy="0"/>
+        </a:xfrm>
+      </p:grpSpPr>
+      <p:sp>
+        <p:nvSpPr>
+          <p:cNvPr id="3" name="Footer Placeholder 2">
+            <a:extLst>
+              <a:ext uri="{FF2B5EF4-FFF2-40B4-BE49-F238E27FC236}">
+                <a16:creationId xmlns:a16="http://schemas.microsoft.com/office/drawing/2014/main" id="{9D58CD84-1DDB-4C56-BD16-A3D1E8B9A42B}"/>
+              </a:ext>
+            </a:extLst>
+          </p:cNvPr>
+          <p:cNvSpPr>
+            <a:spLocks noGrp="1"/>
+          </p:cNvSpPr>
+          <p:nvPr>
+            <p:ph type="ftr" sz="quarter" idx="11"/>
+          </p:nvPr>
+        </p:nvSpPr>
+        <p:spPr/>
+        <p:txBody>
+          <a:bodyPr/>
+          <a:lstStyle/>
+          <a:p>
+            <a:r>
+              <a:rPr lang="en-US"/>
+              <a:t>Team The Good Karma - PRMIA 2019</a:t>
+            </a:r>
+            <a:endParaRPr lang="en-US" dirty="0"/>
+          </a:p>
+        </p:txBody>
+      </p:sp>
+      <p:sp>
+        <p:nvSpPr>
+          <p:cNvPr id="4" name="Slide Number Placeholder 3">
+            <a:extLst>
+              <a:ext uri="{FF2B5EF4-FFF2-40B4-BE49-F238E27FC236}">
+                <a16:creationId xmlns:a16="http://schemas.microsoft.com/office/drawing/2014/main" id="{4D725AD7-D809-4BFF-8213-0978B3CFD019}"/>
+              </a:ext>
+            </a:extLst>
+          </p:cNvPr>
+          <p:cNvSpPr>
+            <a:spLocks noGrp="1"/>
+          </p:cNvSpPr>
+          <p:nvPr>
+            <p:ph type="sldNum" sz="quarter" idx="12"/>
+          </p:nvPr>
+        </p:nvSpPr>
+        <p:spPr/>
+        <p:txBody>
+          <a:bodyPr/>
+          <a:lstStyle/>
+          <a:p>
+            <a:fld id="{D626626A-31BC-42D5-8B98-F47D2A66E9E4}" type="slidenum">
+              <a:rPr lang="en-US" smtClean="0"/>
+              <a:pPr/>
+              <a:t>11</a:t>
+            </a:fld>
+            <a:endParaRPr lang="en-US" dirty="0"/>
+          </a:p>
+        </p:txBody>
+      </p:sp>
+      <p:sp>
+        <p:nvSpPr>
+          <p:cNvPr id="7" name="Title 1">
+            <a:extLst>
+              <a:ext uri="{FF2B5EF4-FFF2-40B4-BE49-F238E27FC236}">
+                <a16:creationId xmlns:a16="http://schemas.microsoft.com/office/drawing/2014/main" id="{B87DCEC0-5E5C-43E4-9A43-3945C6DCDEAB}"/>
+              </a:ext>
+            </a:extLst>
+          </p:cNvPr>
+          <p:cNvSpPr>
+            <a:spLocks noGrp="1"/>
+          </p:cNvSpPr>
+          <p:nvPr>
+            <p:ph type="title"/>
+          </p:nvPr>
+        </p:nvSpPr>
+        <p:spPr>
+          <a:xfrm>
+            <a:off x="304800" y="266700"/>
+            <a:ext cx="6345936" cy="247650"/>
+          </a:xfrm>
+        </p:spPr>
+        <p:txBody>
+          <a:bodyPr/>
+          <a:lstStyle/>
+          <a:p>
+            <a:r>
+              <a:rPr lang="en-US" b="1" dirty="0"/>
+              <a:t>All-wheat yield in Saskatchewan and the July precipitation for 1960 through 1992</a:t>
+            </a:r>
+          </a:p>
+        </p:txBody>
+      </p:sp>
+      <p:sp>
+        <p:nvSpPr>
+          <p:cNvPr id="8" name="TextBox 7">
+            <a:extLst>
+              <a:ext uri="{FF2B5EF4-FFF2-40B4-BE49-F238E27FC236}">
+                <a16:creationId xmlns:a16="http://schemas.microsoft.com/office/drawing/2014/main" id="{3A10EF9A-A4F0-4A95-8498-F9A838DD949B}"/>
+              </a:ext>
+            </a:extLst>
+          </p:cNvPr>
+          <p:cNvSpPr txBox="1"/>
+          <p:nvPr/>
+        </p:nvSpPr>
+        <p:spPr>
+          <a:xfrm>
+            <a:off x="419100" y="3972875"/>
+            <a:ext cx="8305800" cy="846386"/>
+          </a:xfrm>
+          <a:prstGeom prst="rect">
+            <a:avLst/>
+          </a:prstGeom>
+          <a:noFill/>
+        </p:spPr>
+        <p:txBody>
+          <a:bodyPr wrap="square" rtlCol="0">
+            <a:spAutoFit/>
+          </a:bodyPr>
+          <a:lstStyle/>
+          <a:p>
+            <a:pPr marL="285750" indent="-285750">
+              <a:buFont typeface="Arial" panose="020B0604020202020204" pitchFamily="34" charset="0"/>
+              <a:buChar char="•"/>
+            </a:pPr>
+            <a:r>
+              <a:rPr lang="en-US" dirty="0"/>
+              <a:t>The yield depends on the rain according to the regression equation </a:t>
+            </a:r>
+          </a:p>
+          <a:p>
+            <a:r>
+              <a:rPr lang="en-US" dirty="0"/>
+              <a:t>        Yield = 15.5 + 0.0577 * Rain, with an R-squared of 43% </a:t>
+            </a:r>
+          </a:p>
+          <a:p>
+            <a:pPr algn="r"/>
+            <a:r>
+              <a:rPr lang="en-US" sz="1300" dirty="0"/>
+              <a:t>*Refer exhibit 7</a:t>
+            </a:r>
+          </a:p>
+        </p:txBody>
+      </p:sp>
+      <p:sp>
+        <p:nvSpPr>
+          <p:cNvPr id="9" name="Rectangle 8">
+            <a:extLst>
+              <a:ext uri="{FF2B5EF4-FFF2-40B4-BE49-F238E27FC236}">
+                <a16:creationId xmlns:a16="http://schemas.microsoft.com/office/drawing/2014/main" id="{F0AABAD0-A504-4CA0-966A-9EAB88092745}"/>
+              </a:ext>
+            </a:extLst>
+          </p:cNvPr>
+          <p:cNvSpPr/>
+          <p:nvPr/>
+        </p:nvSpPr>
+        <p:spPr>
+          <a:xfrm>
+            <a:off x="7671547" y="-16809"/>
+            <a:ext cx="1472453" cy="312644"/>
+          </a:xfrm>
+          <a:prstGeom prst="rect">
+            <a:avLst/>
+          </a:prstGeom>
+        </p:spPr>
+        <p:style>
+          <a:lnRef idx="2">
+            <a:schemeClr val="accent1">
+              <a:shade val="50000"/>
+            </a:schemeClr>
+          </a:lnRef>
+          <a:fillRef idx="1">
+            <a:schemeClr val="accent1"/>
+          </a:fillRef>
+          <a:effectRef idx="0">
+            <a:schemeClr val="accent1"/>
+          </a:effectRef>
+          <a:fontRef idx="minor">
+            <a:schemeClr val="lt1"/>
+          </a:fontRef>
+        </p:style>
+        <p:txBody>
+          <a:bodyPr rtlCol="0" anchor="ctr"/>
+          <a:lstStyle/>
+          <a:p>
+            <a:pPr algn="ctr"/>
+            <a:r>
+              <a:rPr lang="en-US" sz="1200" i="1" dirty="0"/>
+              <a:t>Solution 3</a:t>
+            </a:r>
+          </a:p>
+        </p:txBody>
+      </p:sp>
+      <p:pic>
+        <p:nvPicPr>
+          <p:cNvPr id="2" name="Picture 1">
+            <a:extLst>
+              <a:ext uri="{FF2B5EF4-FFF2-40B4-BE49-F238E27FC236}">
+                <a16:creationId xmlns:a16="http://schemas.microsoft.com/office/drawing/2014/main" id="{A09E1DFA-8438-4FCE-BDCD-378A053A7A09}"/>
+              </a:ext>
+            </a:extLst>
+          </p:cNvPr>
+          <p:cNvPicPr>
+            <a:picLocks noChangeAspect="1"/>
+          </p:cNvPicPr>
+          <p:nvPr/>
+        </p:nvPicPr>
+        <p:blipFill>
+          <a:blip r:embed="rId2"/>
+          <a:stretch>
+            <a:fillRect/>
+          </a:stretch>
+        </p:blipFill>
+        <p:spPr>
+          <a:xfrm>
+            <a:off x="2160207" y="895350"/>
+            <a:ext cx="4823586" cy="2842311"/>
+          </a:xfrm>
+          <a:prstGeom prst="rect">
+            <a:avLst/>
+          </a:prstGeom>
+        </p:spPr>
+      </p:pic>
+    </p:spTree>
+    <p:extLst>
+      <p:ext uri="{BB962C8B-B14F-4D97-AF65-F5344CB8AC3E}">
+        <p14:creationId xmlns:p14="http://schemas.microsoft.com/office/powerpoint/2010/main" val="385577109"/>
+      </p:ext>
+    </p:extLst>
+  </p:cSld>
+  <p:clrMapOvr>
+    <a:masterClrMapping/>
+  </p:clrMapOvr>
+</p:sld>
+</file>
+
+<file path=ppt/slides/slide12.xml><?xml version="1.0" encoding="utf-8"?>
+<p:sld xmlns:a="http://schemas.openxmlformats.org/drawingml/2006/main" xmlns:r="http://schemas.openxmlformats.org/officeDocument/2006/relationships" xmlns:p="http://schemas.openxmlformats.org/presentationml/2006/main">
+  <p:cSld>
+    <p:spTree>
+      <p:nvGrpSpPr>
+        <p:cNvPr id="1" name=""/>
+        <p:cNvGrpSpPr/>
+        <p:nvPr/>
+      </p:nvGrpSpPr>
+      <p:grpSpPr>
+        <a:xfrm>
+          <a:off x="0" y="0"/>
+          <a:ext cx="0" cy="0"/>
+          <a:chOff x="0" y="0"/>
+          <a:chExt cx="0" cy="0"/>
+        </a:xfrm>
+      </p:grpSpPr>
+      <p:sp>
+        <p:nvSpPr>
+          <p:cNvPr id="2" name="Title 1">
+            <a:extLst>
+              <a:ext uri="{FF2B5EF4-FFF2-40B4-BE49-F238E27FC236}">
+                <a16:creationId xmlns:a16="http://schemas.microsoft.com/office/drawing/2014/main" id="{D5239679-983C-411E-BBCD-4AE0F2853B3B}"/>
+              </a:ext>
+            </a:extLst>
+          </p:cNvPr>
+          <p:cNvSpPr>
+            <a:spLocks noGrp="1"/>
+          </p:cNvSpPr>
+          <p:nvPr>
+            <p:ph type="title"/>
+          </p:nvPr>
+        </p:nvSpPr>
+        <p:spPr>
+          <a:xfrm>
+            <a:off x="304800" y="266700"/>
+            <a:ext cx="6345936" cy="247650"/>
+          </a:xfrm>
+        </p:spPr>
+        <p:txBody>
+          <a:bodyPr/>
+          <a:lstStyle/>
+          <a:p>
+            <a:r>
+              <a:rPr lang="en-US" b="1" dirty="0"/>
+              <a:t>Pitfalls to a model that explains earnings.</a:t>
+            </a:r>
+          </a:p>
+        </p:txBody>
+      </p:sp>
+      <p:sp>
+        <p:nvSpPr>
+          <p:cNvPr id="3" name="Rectangle 2">
+            <a:extLst>
+              <a:ext uri="{FF2B5EF4-FFF2-40B4-BE49-F238E27FC236}">
+                <a16:creationId xmlns:a16="http://schemas.microsoft.com/office/drawing/2014/main" id="{88541D4A-71ED-4D44-A95B-5A95F0F3A281}"/>
+              </a:ext>
+            </a:extLst>
+          </p:cNvPr>
+          <p:cNvSpPr/>
+          <p:nvPr/>
+        </p:nvSpPr>
+        <p:spPr>
+          <a:xfrm>
+            <a:off x="7671547" y="-16809"/>
+            <a:ext cx="1472453" cy="312644"/>
+          </a:xfrm>
+          <a:prstGeom prst="rect">
+            <a:avLst/>
+          </a:prstGeom>
+        </p:spPr>
+        <p:style>
+          <a:lnRef idx="2">
+            <a:schemeClr val="accent1">
+              <a:shade val="50000"/>
+            </a:schemeClr>
+          </a:lnRef>
+          <a:fillRef idx="1">
+            <a:schemeClr val="accent1"/>
+          </a:fillRef>
+          <a:effectRef idx="0">
+            <a:schemeClr val="accent1"/>
+          </a:effectRef>
+          <a:fontRef idx="minor">
+            <a:schemeClr val="lt1"/>
+          </a:fontRef>
+        </p:style>
+        <p:txBody>
+          <a:bodyPr rtlCol="0" anchor="ctr"/>
+          <a:lstStyle/>
+          <a:p>
+            <a:pPr algn="ctr"/>
+            <a:r>
+              <a:rPr lang="en-US" sz="1200" i="1" dirty="0"/>
+              <a:t>Solution 3</a:t>
+            </a:r>
+          </a:p>
+        </p:txBody>
+      </p:sp>
+      <p:sp>
+        <p:nvSpPr>
+          <p:cNvPr id="29" name="Slide Number Placeholder 4">
+            <a:extLst>
+              <a:ext uri="{FF2B5EF4-FFF2-40B4-BE49-F238E27FC236}">
+                <a16:creationId xmlns:a16="http://schemas.microsoft.com/office/drawing/2014/main" id="{F50B6B06-CB35-47EB-ABA5-1A6B5DC3C0FC}"/>
+              </a:ext>
+            </a:extLst>
+          </p:cNvPr>
+          <p:cNvSpPr>
+            <a:spLocks noGrp="1"/>
+          </p:cNvSpPr>
+          <p:nvPr>
+            <p:ph type="sldNum" sz="quarter" idx="12"/>
+          </p:nvPr>
+        </p:nvSpPr>
+        <p:spPr>
+          <a:xfrm>
+            <a:off x="7872984" y="4780026"/>
+            <a:ext cx="950976" cy="102870"/>
+          </a:xfrm>
+        </p:spPr>
+        <p:txBody>
+          <a:bodyPr/>
+          <a:lstStyle/>
+          <a:p>
+            <a:fld id="{D626626A-31BC-42D5-8B98-F47D2A66E9E4}" type="slidenum">
+              <a:rPr lang="en-US" smtClean="0"/>
+              <a:pPr/>
+              <a:t>12</a:t>
+            </a:fld>
+            <a:endParaRPr lang="en-US" dirty="0"/>
+          </a:p>
+        </p:txBody>
+      </p:sp>
+      <p:sp>
+        <p:nvSpPr>
+          <p:cNvPr id="5" name="TextBox 4">
+            <a:extLst>
+              <a:ext uri="{FF2B5EF4-FFF2-40B4-BE49-F238E27FC236}">
+                <a16:creationId xmlns:a16="http://schemas.microsoft.com/office/drawing/2014/main" id="{41F3AEBF-82F2-4D6E-9759-7A3D598A1818}"/>
+              </a:ext>
+            </a:extLst>
+          </p:cNvPr>
+          <p:cNvSpPr txBox="1"/>
+          <p:nvPr/>
+        </p:nvSpPr>
+        <p:spPr>
+          <a:xfrm>
+            <a:off x="381000" y="742950"/>
+            <a:ext cx="8382000" cy="3693319"/>
+          </a:xfrm>
+          <a:prstGeom prst="rect">
+            <a:avLst/>
+          </a:prstGeom>
+          <a:noFill/>
+        </p:spPr>
+        <p:txBody>
+          <a:bodyPr wrap="square" rtlCol="0">
+            <a:spAutoFit/>
+          </a:bodyPr>
+          <a:lstStyle/>
+          <a:p>
+            <a:pPr marL="285750" indent="-285750">
+              <a:buFont typeface="Arial" panose="020B0604020202020204" pitchFamily="34" charset="0"/>
+              <a:buChar char="•"/>
+            </a:pPr>
+            <a:r>
+              <a:rPr lang="en-US" dirty="0"/>
+              <a:t>The uncertainty of earnings increases for each year in the forecast</a:t>
+            </a:r>
+          </a:p>
+          <a:p>
+            <a:pPr marL="742950" lvl="1" indent="-285750">
+              <a:buFont typeface="Arial" panose="020B0604020202020204" pitchFamily="34" charset="0"/>
+              <a:buChar char="•"/>
+            </a:pPr>
+            <a:r>
+              <a:rPr lang="en-US" dirty="0"/>
+              <a:t>If we were to project earnings for future years, then for each outer year of earnings projection, we would build in more uncertainty in the model.</a:t>
+            </a:r>
+          </a:p>
+          <a:p>
+            <a:pPr marL="742950" lvl="1" indent="-285750">
+              <a:buFont typeface="Arial" panose="020B0604020202020204" pitchFamily="34" charset="0"/>
+              <a:buChar char="•"/>
+            </a:pPr>
+            <a:r>
+              <a:rPr lang="en-US" dirty="0"/>
+              <a:t>The further the projection, the more uncertain the earnings.</a:t>
+            </a:r>
+          </a:p>
+          <a:p>
+            <a:pPr marL="742950" lvl="1" indent="-285750">
+              <a:buFont typeface="Arial" panose="020B0604020202020204" pitchFamily="34" charset="0"/>
+              <a:buChar char="•"/>
+            </a:pPr>
+            <a:r>
+              <a:rPr lang="en-US" dirty="0"/>
+              <a:t>As per the model, the earnings are based on yields, which are in turn based on precipitation and average temperatures.</a:t>
+            </a:r>
+          </a:p>
+          <a:p>
+            <a:pPr marL="742950" lvl="1" indent="-285750">
+              <a:buFont typeface="Arial" panose="020B0604020202020204" pitchFamily="34" charset="0"/>
+              <a:buChar char="•"/>
+            </a:pPr>
+            <a:r>
+              <a:rPr lang="en-US" dirty="0"/>
+              <a:t>The projection of precipitation and average temperatures for a given year is based on previous years’ values.</a:t>
+            </a:r>
+          </a:p>
+          <a:p>
+            <a:pPr marL="742950" lvl="1" indent="-285750">
+              <a:buFont typeface="Arial" panose="020B0604020202020204" pitchFamily="34" charset="0"/>
+              <a:buChar char="•"/>
+            </a:pPr>
+            <a:r>
+              <a:rPr lang="en-US" dirty="0"/>
+              <a:t>Hence the more futuristic the earnings projection, the less the values are based on available data.</a:t>
+            </a:r>
+          </a:p>
+          <a:p>
+            <a:pPr marL="285750" indent="-285750">
+              <a:buFont typeface="Arial" panose="020B0604020202020204" pitchFamily="34" charset="0"/>
+              <a:buChar char="•"/>
+            </a:pPr>
+            <a:r>
+              <a:rPr lang="en-US" dirty="0"/>
+              <a:t>The sensitivity of growth rate assumption.</a:t>
+            </a:r>
+          </a:p>
+          <a:p>
+            <a:pPr marL="742950" lvl="1" indent="-285750">
+              <a:buFont typeface="Arial" panose="020B0604020202020204" pitchFamily="34" charset="0"/>
+              <a:buChar char="•"/>
+            </a:pPr>
+            <a:r>
+              <a:rPr lang="en-US" dirty="0"/>
+              <a:t>Assuming a single growth rate for all years could also lead to incorrect earnings projections.</a:t>
+            </a:r>
+            <a:endParaRPr lang="en-US" sz="1550" dirty="0"/>
+          </a:p>
+        </p:txBody>
+      </p:sp>
+      <p:sp>
+        <p:nvSpPr>
+          <p:cNvPr id="4" name="Footer Placeholder 3">
+            <a:extLst>
+              <a:ext uri="{FF2B5EF4-FFF2-40B4-BE49-F238E27FC236}">
+                <a16:creationId xmlns:a16="http://schemas.microsoft.com/office/drawing/2014/main" id="{EB423C61-5C25-491F-BAC1-1D0A580C7608}"/>
+              </a:ext>
+            </a:extLst>
+          </p:cNvPr>
+          <p:cNvSpPr>
+            <a:spLocks noGrp="1"/>
+          </p:cNvSpPr>
+          <p:nvPr>
+            <p:ph type="ftr" sz="quarter" idx="11"/>
+          </p:nvPr>
+        </p:nvSpPr>
+        <p:spPr/>
+        <p:txBody>
+          <a:bodyPr/>
+          <a:lstStyle/>
+          <a:p>
+            <a:r>
+              <a:rPr lang="en-US"/>
+              <a:t>Team The Good Karma - PRMIA 2019</a:t>
+            </a:r>
+            <a:endParaRPr lang="en-US" dirty="0"/>
+          </a:p>
+        </p:txBody>
+      </p:sp>
+    </p:spTree>
+    <p:extLst>
+      <p:ext uri="{BB962C8B-B14F-4D97-AF65-F5344CB8AC3E}">
+        <p14:creationId xmlns:p14="http://schemas.microsoft.com/office/powerpoint/2010/main" val="644466975"/>
+      </p:ext>
+    </p:extLst>
+  </p:cSld>
+  <p:clrMapOvr>
+    <a:masterClrMapping/>
+  </p:clrMapOvr>
+</p:sld>
+</file>
+
+<file path=ppt/slides/slide13.xml><?xml version="1.0" encoding="utf-8"?>
+<p:sld xmlns:a="http://schemas.openxmlformats.org/drawingml/2006/main" xmlns:r="http://schemas.openxmlformats.org/officeDocument/2006/relationships" xmlns:p="http://schemas.openxmlformats.org/presentationml/2006/main">
+  <p:cSld>
+    <p:spTree>
+      <p:nvGrpSpPr>
+        <p:cNvPr id="1" name=""/>
+        <p:cNvGrpSpPr/>
+        <p:nvPr/>
+      </p:nvGrpSpPr>
+      <p:grpSpPr>
+        <a:xfrm>
+          <a:off x="0" y="0"/>
+          <a:ext cx="0" cy="0"/>
+          <a:chOff x="0" y="0"/>
+          <a:chExt cx="0" cy="0"/>
+        </a:xfrm>
+      </p:grpSpPr>
+      <p:sp>
+        <p:nvSpPr>
+          <p:cNvPr id="3" name="Footer Placeholder 2">
+            <a:extLst>
+              <a:ext uri="{FF2B5EF4-FFF2-40B4-BE49-F238E27FC236}">
+                <a16:creationId xmlns:a16="http://schemas.microsoft.com/office/drawing/2014/main" id="{810217C2-7982-4FFA-B2B1-6CA598408CCA}"/>
+              </a:ext>
+            </a:extLst>
+          </p:cNvPr>
+          <p:cNvSpPr>
+            <a:spLocks noGrp="1"/>
+          </p:cNvSpPr>
+          <p:nvPr>
+            <p:ph type="ftr" sz="quarter" idx="11"/>
+          </p:nvPr>
+        </p:nvSpPr>
+        <p:spPr/>
+        <p:txBody>
+          <a:bodyPr/>
+          <a:lstStyle/>
+          <a:p>
+            <a:r>
+              <a:rPr lang="en-US"/>
+              <a:t>Team The Good Karma - PRMIA 2019</a:t>
+            </a:r>
+            <a:endParaRPr lang="en-US" dirty="0"/>
+          </a:p>
+        </p:txBody>
+      </p:sp>
+      <p:sp>
+        <p:nvSpPr>
+          <p:cNvPr id="4" name="Slide Number Placeholder 3">
+            <a:extLst>
+              <a:ext uri="{FF2B5EF4-FFF2-40B4-BE49-F238E27FC236}">
+                <a16:creationId xmlns:a16="http://schemas.microsoft.com/office/drawing/2014/main" id="{A7CF5075-E686-4402-8F7E-B86EF3403360}"/>
+              </a:ext>
+            </a:extLst>
+          </p:cNvPr>
+          <p:cNvSpPr>
+            <a:spLocks noGrp="1"/>
+          </p:cNvSpPr>
+          <p:nvPr>
+            <p:ph type="sldNum" sz="quarter" idx="12"/>
+          </p:nvPr>
+        </p:nvSpPr>
+        <p:spPr/>
+        <p:txBody>
+          <a:bodyPr/>
+          <a:lstStyle/>
+          <a:p>
+            <a:fld id="{D626626A-31BC-42D5-8B98-F47D2A66E9E4}" type="slidenum">
+              <a:rPr lang="en-US" smtClean="0"/>
+              <a:pPr/>
+              <a:t>13</a:t>
+            </a:fld>
+            <a:endParaRPr lang="en-US" dirty="0"/>
+          </a:p>
+        </p:txBody>
+      </p:sp>
+      <p:sp>
+        <p:nvSpPr>
+          <p:cNvPr id="5" name="Title 1">
+            <a:extLst>
+              <a:ext uri="{FF2B5EF4-FFF2-40B4-BE49-F238E27FC236}">
+                <a16:creationId xmlns:a16="http://schemas.microsoft.com/office/drawing/2014/main" id="{9745F883-090A-47B5-A1CA-08C2A7F9A9C3}"/>
+              </a:ext>
+            </a:extLst>
+          </p:cNvPr>
+          <p:cNvSpPr>
+            <a:spLocks noGrp="1"/>
+          </p:cNvSpPr>
+          <p:nvPr>
+            <p:ph type="title"/>
+          </p:nvPr>
+        </p:nvSpPr>
+        <p:spPr>
+          <a:xfrm>
+            <a:off x="304800" y="266700"/>
+            <a:ext cx="7162800" cy="247650"/>
+          </a:xfrm>
+        </p:spPr>
+        <p:txBody>
+          <a:bodyPr/>
+          <a:lstStyle/>
+          <a:p>
+            <a:r>
+              <a:rPr lang="en-US" b="1" dirty="0"/>
+              <a:t>How to improve the model to better explain earnings.</a:t>
+            </a:r>
+          </a:p>
+        </p:txBody>
+      </p:sp>
+      <mc:AlternateContent xmlns:mc="http://schemas.openxmlformats.org/markup-compatibility/2006">
+        <mc:Choice xmlns:a14="http://schemas.microsoft.com/office/drawing/2010/main" Requires="a14">
+          <p:sp>
+            <p:nvSpPr>
+              <p:cNvPr id="6" name="TextBox 5">
+                <a:extLst>
+                  <a:ext uri="{FF2B5EF4-FFF2-40B4-BE49-F238E27FC236}">
+                    <a16:creationId xmlns:a16="http://schemas.microsoft.com/office/drawing/2014/main" id="{AFD8CFF9-D96D-4C73-9160-C46F10B26F69}"/>
+                  </a:ext>
+                </a:extLst>
+              </p:cNvPr>
+              <p:cNvSpPr txBox="1"/>
+              <p:nvPr/>
+            </p:nvSpPr>
+            <p:spPr>
+              <a:xfrm>
+                <a:off x="381000" y="742950"/>
+                <a:ext cx="8382000" cy="2123658"/>
+              </a:xfrm>
+              <a:prstGeom prst="rect">
+                <a:avLst/>
+              </a:prstGeom>
+              <a:noFill/>
+            </p:spPr>
+            <p:txBody>
+              <a:bodyPr wrap="square" rtlCol="0">
+                <a:spAutoFit/>
+              </a:bodyPr>
+              <a:lstStyle/>
+              <a:p>
+                <a:pPr marL="285750" indent="-285750">
+                  <a:buFont typeface="Arial" panose="020B0604020202020204" pitchFamily="34" charset="0"/>
+                  <a:buChar char="•"/>
+                </a:pPr>
+                <a:r>
+                  <a:rPr lang="en-US" dirty="0"/>
+                  <a:t>The earnings model can be improved by utilizing the previous earnings themselves.</a:t>
+                </a:r>
+              </a:p>
+              <a:p>
+                <a:pPr marL="742950" lvl="1" indent="-285750">
+                  <a:buFont typeface="Arial" panose="020B0604020202020204" pitchFamily="34" charset="0"/>
+                  <a:buChar char="•"/>
+                </a:pPr>
+                <a:r>
+                  <a:rPr lang="en-US" dirty="0"/>
+                  <a:t>That means the predicted earnings are a function of current earnings. </a:t>
+                </a:r>
+              </a:p>
+              <a:p>
+                <a:pPr marL="742950" lvl="1" indent="-285750">
+                  <a:buFont typeface="Arial" panose="020B0604020202020204" pitchFamily="34" charset="0"/>
+                  <a:buChar char="•"/>
+                </a:pPr>
+                <a:r>
+                  <a:rPr lang="en-US" dirty="0"/>
+                  <a:t>Doing that would bring the model closer to explain the variations in the earnings.</a:t>
+                </a:r>
+              </a:p>
+              <a:p>
+                <a:pPr marL="742950" lvl="1" indent="-285750">
+                  <a:buFont typeface="Arial" panose="020B0604020202020204" pitchFamily="34" charset="0"/>
+                  <a:buChar char="•"/>
+                </a:pPr>
+                <a14:m>
+                  <m:oMath xmlns:m="http://schemas.openxmlformats.org/officeDocument/2006/math">
+                    <m:r>
+                      <a:rPr lang="en-US" b="0" i="1" smtClean="0">
+                        <a:latin typeface="Cambria Math" panose="02040503050406030204" pitchFamily="18" charset="0"/>
+                      </a:rPr>
+                      <m:t>𝐸𝑎𝑟𝑛𝑖𝑛𝑔𝑠</m:t>
+                    </m:r>
+                    <m:r>
+                      <a:rPr lang="en-US" b="0" i="1" baseline="-25000" smtClean="0">
+                        <a:latin typeface="Cambria Math" panose="02040503050406030204" pitchFamily="18" charset="0"/>
+                      </a:rPr>
+                      <m:t>(</m:t>
+                    </m:r>
+                    <m:r>
+                      <a:rPr lang="en-US" b="0" i="1" baseline="-25000" smtClean="0">
+                        <a:latin typeface="Cambria Math" panose="02040503050406030204" pitchFamily="18" charset="0"/>
+                      </a:rPr>
+                      <m:t>𝑡</m:t>
+                    </m:r>
+                    <m:r>
+                      <a:rPr lang="en-US" b="0" i="1" baseline="-25000" smtClean="0">
+                        <a:latin typeface="Cambria Math" panose="02040503050406030204" pitchFamily="18" charset="0"/>
+                      </a:rPr>
+                      <m:t>+1)= </m:t>
+                    </m:r>
+                    <m:r>
+                      <a:rPr lang="el-GR" i="1">
+                        <a:latin typeface="Cambria Math" panose="02040503050406030204" pitchFamily="18" charset="0"/>
+                      </a:rPr>
+                      <m:t>𝛽</m:t>
+                    </m:r>
+                    <m:r>
+                      <a:rPr lang="en-US" b="0" i="1" baseline="-25000" smtClean="0">
+                        <a:latin typeface="Cambria Math" panose="02040503050406030204" pitchFamily="18" charset="0"/>
+                      </a:rPr>
+                      <m:t>0</m:t>
+                    </m:r>
+                  </m:oMath>
+                </a14:m>
+                <a:r>
+                  <a:rPr lang="en-US" b="0" baseline="-25000" dirty="0"/>
+                  <a:t>  </a:t>
+                </a:r>
+                <a:r>
+                  <a:rPr lang="en-US" dirty="0"/>
+                  <a:t>+</a:t>
+                </a:r>
+                <a:r>
+                  <a:rPr lang="en-US" b="0" baseline="-25000" dirty="0"/>
+                  <a:t> </a:t>
+                </a:r>
+                <a14:m>
+                  <m:oMath xmlns:m="http://schemas.openxmlformats.org/officeDocument/2006/math">
+                    <m:r>
+                      <a:rPr lang="el-GR" i="1">
+                        <a:latin typeface="Cambria Math" panose="02040503050406030204" pitchFamily="18" charset="0"/>
+                      </a:rPr>
+                      <m:t>𝛽</m:t>
+                    </m:r>
+                  </m:oMath>
+                </a14:m>
+                <a:r>
+                  <a:rPr lang="en-US" b="0" baseline="-25000" dirty="0"/>
+                  <a:t>1 </a:t>
+                </a:r>
+                <a:r>
+                  <a:rPr lang="en-US" dirty="0"/>
+                  <a:t>*</a:t>
+                </a:r>
+                <a:r>
+                  <a:rPr lang="en-US" b="0" baseline="-25000" dirty="0"/>
+                  <a:t> </a:t>
+                </a:r>
+                <a:r>
+                  <a:rPr lang="en-US" b="0" dirty="0"/>
+                  <a:t>Yield</a:t>
+                </a:r>
+                <a:r>
+                  <a:rPr lang="en-US" b="0" baseline="-25000" dirty="0"/>
+                  <a:t>t </a:t>
+                </a:r>
+                <a:r>
+                  <a:rPr lang="en-US" dirty="0"/>
+                  <a:t>+</a:t>
+                </a:r>
+                <a:r>
+                  <a:rPr lang="en-US" b="0" baseline="-25000" dirty="0"/>
+                  <a:t> </a:t>
+                </a:r>
+                <a14:m>
+                  <m:oMath xmlns:m="http://schemas.openxmlformats.org/officeDocument/2006/math">
+                    <m:r>
+                      <a:rPr lang="el-GR" i="1">
+                        <a:latin typeface="Cambria Math" panose="02040503050406030204" pitchFamily="18" charset="0"/>
+                      </a:rPr>
+                      <m:t>𝛽</m:t>
+                    </m:r>
+                  </m:oMath>
+                </a14:m>
+                <a:r>
+                  <a:rPr lang="en-US" b="0" baseline="-25000" dirty="0"/>
+                  <a:t>2 </a:t>
+                </a:r>
+                <a:r>
+                  <a:rPr lang="en-US" dirty="0"/>
+                  <a:t>*</a:t>
+                </a:r>
+                <a:r>
+                  <a:rPr lang="en-US" b="0" baseline="-25000" dirty="0"/>
+                  <a:t> </a:t>
+                </a:r>
+                <a:r>
+                  <a:rPr lang="en-US" b="0" dirty="0"/>
+                  <a:t>Earnings</a:t>
+                </a:r>
+                <a:r>
+                  <a:rPr lang="en-US" b="0" baseline="-25000" dirty="0"/>
+                  <a:t>(t)</a:t>
+                </a:r>
+              </a:p>
+              <a:p>
+                <a:pPr marL="742950" lvl="1" indent="-285750">
+                  <a:buFont typeface="Arial" panose="020B0604020202020204" pitchFamily="34" charset="0"/>
+                  <a:buChar char="•"/>
+                </a:pPr>
+                <a:endParaRPr lang="en-US" baseline="-25000" dirty="0"/>
+              </a:p>
+              <a:p>
+                <a:pPr marL="742950" lvl="1" indent="-285750">
+                  <a:buFont typeface="Arial" panose="020B0604020202020204" pitchFamily="34" charset="0"/>
+                  <a:buChar char="•"/>
+                </a:pPr>
+                <a:endParaRPr lang="en-US" b="0" baseline="-25000" dirty="0"/>
+              </a:p>
+            </p:txBody>
+          </p:sp>
+        </mc:Choice>
+        <mc:Fallback>
+          <p:sp>
+            <p:nvSpPr>
+              <p:cNvPr id="6" name="TextBox 5">
+                <a:extLst>
+                  <a:ext uri="{FF2B5EF4-FFF2-40B4-BE49-F238E27FC236}">
+                    <a16:creationId xmlns:a16="http://schemas.microsoft.com/office/drawing/2014/main" id="{AFD8CFF9-D96D-4C73-9160-C46F10B26F69}"/>
+                  </a:ext>
+                </a:extLst>
+              </p:cNvPr>
+              <p:cNvSpPr txBox="1">
+                <a:spLocks noRot="1" noChangeAspect="1" noMove="1" noResize="1" noEditPoints="1" noAdjustHandles="1" noChangeArrowheads="1" noChangeShapeType="1" noTextEdit="1"/>
+              </p:cNvSpPr>
+              <p:nvPr/>
+            </p:nvSpPr>
+            <p:spPr>
+              <a:xfrm>
+                <a:off x="381000" y="742950"/>
+                <a:ext cx="8382000" cy="2123658"/>
+              </a:xfrm>
+              <a:prstGeom prst="rect">
+                <a:avLst/>
+              </a:prstGeom>
+              <a:blipFill>
+                <a:blip r:embed="rId2"/>
+                <a:stretch>
+                  <a:fillRect l="-509" t="-1724"/>
+                </a:stretch>
+              </a:blipFill>
+            </p:spPr>
+            <p:txBody>
+              <a:bodyPr/>
+              <a:lstStyle/>
+              <a:p>
+                <a:r>
+                  <a:rPr lang="en-US">
+                    <a:noFill/>
+                  </a:rPr>
+                  <a:t> </a:t>
+                </a:r>
+              </a:p>
+            </p:txBody>
+          </p:sp>
+        </mc:Fallback>
+      </mc:AlternateContent>
+      <p:sp>
+        <p:nvSpPr>
+          <p:cNvPr id="7" name="Rectangle 6">
+            <a:extLst>
+              <a:ext uri="{FF2B5EF4-FFF2-40B4-BE49-F238E27FC236}">
+                <a16:creationId xmlns:a16="http://schemas.microsoft.com/office/drawing/2014/main" id="{86B889DB-3ED3-443C-BA69-2DCCA069D145}"/>
+              </a:ext>
+            </a:extLst>
+          </p:cNvPr>
+          <p:cNvSpPr/>
+          <p:nvPr/>
+        </p:nvSpPr>
+        <p:spPr>
+          <a:xfrm>
+            <a:off x="7671547" y="-16809"/>
+            <a:ext cx="1472453" cy="312644"/>
+          </a:xfrm>
+          <a:prstGeom prst="rect">
+            <a:avLst/>
+          </a:prstGeom>
+        </p:spPr>
+        <p:style>
+          <a:lnRef idx="2">
+            <a:schemeClr val="accent1">
+              <a:shade val="50000"/>
+            </a:schemeClr>
+          </a:lnRef>
+          <a:fillRef idx="1">
+            <a:schemeClr val="accent1"/>
+          </a:fillRef>
+          <a:effectRef idx="0">
+            <a:schemeClr val="accent1"/>
+          </a:effectRef>
+          <a:fontRef idx="minor">
+            <a:schemeClr val="lt1"/>
+          </a:fontRef>
+        </p:style>
+        <p:txBody>
+          <a:bodyPr rtlCol="0" anchor="ctr"/>
+          <a:lstStyle/>
+          <a:p>
+            <a:pPr algn="ctr"/>
+            <a:r>
+              <a:rPr lang="en-US" sz="1200" i="1" dirty="0"/>
+              <a:t>Solution 3</a:t>
+            </a:r>
+          </a:p>
+        </p:txBody>
+      </p:sp>
+    </p:spTree>
+    <p:extLst>
+      <p:ext uri="{BB962C8B-B14F-4D97-AF65-F5344CB8AC3E}">
+        <p14:creationId xmlns:p14="http://schemas.microsoft.com/office/powerpoint/2010/main" val="1645964730"/>
+      </p:ext>
+    </p:extLst>
+  </p:cSld>
+  <p:clrMapOvr>
+    <a:masterClrMapping/>
+  </p:clrMapOvr>
+</p:sld>
+</file>
+
+<file path=ppt/slides/slide14.xml><?xml version="1.0" encoding="utf-8"?>
+<p:sld xmlns:a="http://schemas.openxmlformats.org/drawingml/2006/main" xmlns:r="http://schemas.openxmlformats.org/officeDocument/2006/relationships" xmlns:p="http://schemas.openxmlformats.org/presentationml/2006/main">
+  <p:cSld>
+    <p:spTree>
+      <p:nvGrpSpPr>
+        <p:cNvPr id="1" name=""/>
+        <p:cNvGrpSpPr/>
+        <p:nvPr/>
+      </p:nvGrpSpPr>
+      <p:grpSpPr>
+        <a:xfrm>
+          <a:off x="0" y="0"/>
+          <a:ext cx="0" cy="0"/>
+          <a:chOff x="0" y="0"/>
+          <a:chExt cx="0" cy="0"/>
+        </a:xfrm>
+      </p:grpSpPr>
+      <p:sp>
+        <p:nvSpPr>
+          <p:cNvPr id="3" name="Footer Placeholder 2">
+            <a:extLst>
+              <a:ext uri="{FF2B5EF4-FFF2-40B4-BE49-F238E27FC236}">
+                <a16:creationId xmlns:a16="http://schemas.microsoft.com/office/drawing/2014/main" id="{F3087976-4AF7-4156-A678-F7F448D47702}"/>
+              </a:ext>
+            </a:extLst>
+          </p:cNvPr>
+          <p:cNvSpPr>
+            <a:spLocks noGrp="1"/>
+          </p:cNvSpPr>
+          <p:nvPr>
+            <p:ph type="ftr" sz="quarter" idx="11"/>
+          </p:nvPr>
+        </p:nvSpPr>
+        <p:spPr/>
+        <p:txBody>
+          <a:bodyPr/>
+          <a:lstStyle/>
+          <a:p>
+            <a:r>
+              <a:rPr lang="en-US"/>
+              <a:t>Team The Good Karma - PRMIA 2019</a:t>
+            </a:r>
+            <a:endParaRPr lang="en-US" dirty="0"/>
+          </a:p>
+        </p:txBody>
+      </p:sp>
+      <p:sp>
+        <p:nvSpPr>
+          <p:cNvPr id="4" name="Slide Number Placeholder 3">
+            <a:extLst>
+              <a:ext uri="{FF2B5EF4-FFF2-40B4-BE49-F238E27FC236}">
+                <a16:creationId xmlns:a16="http://schemas.microsoft.com/office/drawing/2014/main" id="{61283807-707A-441E-B034-822EA737CBBD}"/>
+              </a:ext>
+            </a:extLst>
+          </p:cNvPr>
+          <p:cNvSpPr>
+            <a:spLocks noGrp="1"/>
+          </p:cNvSpPr>
+          <p:nvPr>
+            <p:ph type="sldNum" sz="quarter" idx="12"/>
+          </p:nvPr>
+        </p:nvSpPr>
+        <p:spPr/>
+        <p:txBody>
+          <a:bodyPr/>
+          <a:lstStyle/>
+          <a:p>
+            <a:fld id="{D626626A-31BC-42D5-8B98-F47D2A66E9E4}" type="slidenum">
+              <a:rPr lang="en-US" smtClean="0"/>
+              <a:pPr/>
+              <a:t>14</a:t>
+            </a:fld>
+            <a:endParaRPr lang="en-US" dirty="0"/>
+          </a:p>
+        </p:txBody>
+      </p:sp>
+      <p:sp>
+        <p:nvSpPr>
+          <p:cNvPr id="5" name="Title 1">
+            <a:extLst>
+              <a:ext uri="{FF2B5EF4-FFF2-40B4-BE49-F238E27FC236}">
+                <a16:creationId xmlns:a16="http://schemas.microsoft.com/office/drawing/2014/main" id="{E957AB95-DBE2-4902-8106-CC0BEBCF0B87}"/>
+              </a:ext>
+            </a:extLst>
+          </p:cNvPr>
+          <p:cNvSpPr>
+            <a:spLocks noGrp="1"/>
+          </p:cNvSpPr>
+          <p:nvPr>
+            <p:ph type="title"/>
+          </p:nvPr>
+        </p:nvSpPr>
+        <p:spPr>
+          <a:xfrm>
+            <a:off x="304800" y="266700"/>
+            <a:ext cx="7239000" cy="247650"/>
+          </a:xfrm>
+        </p:spPr>
+        <p:txBody>
+          <a:bodyPr/>
+          <a:lstStyle/>
+          <a:p>
+            <a:r>
+              <a:rPr lang="en-US" b="1" dirty="0"/>
+              <a:t>Insurer to provide unlimited protection for a crop.</a:t>
+            </a:r>
+          </a:p>
+        </p:txBody>
+      </p:sp>
+      <p:sp>
+        <p:nvSpPr>
+          <p:cNvPr id="6" name="TextBox 5">
+            <a:extLst>
+              <a:ext uri="{FF2B5EF4-FFF2-40B4-BE49-F238E27FC236}">
+                <a16:creationId xmlns:a16="http://schemas.microsoft.com/office/drawing/2014/main" id="{A28B6C1C-FB06-466B-A00A-04EB25418324}"/>
+              </a:ext>
+            </a:extLst>
+          </p:cNvPr>
+          <p:cNvSpPr txBox="1"/>
+          <p:nvPr/>
+        </p:nvSpPr>
+        <p:spPr>
+          <a:xfrm>
+            <a:off x="381000" y="742950"/>
+            <a:ext cx="8382000" cy="3654847"/>
+          </a:xfrm>
+          <a:prstGeom prst="rect">
+            <a:avLst/>
+          </a:prstGeom>
+          <a:noFill/>
+        </p:spPr>
+        <p:txBody>
+          <a:bodyPr wrap="square" rtlCol="0">
+            <a:spAutoFit/>
+          </a:bodyPr>
+          <a:lstStyle/>
+          <a:p>
+            <a:pPr marL="285750" indent="-285750">
+              <a:buFont typeface="Arial" panose="020B0604020202020204" pitchFamily="34" charset="0"/>
+              <a:buChar char="•"/>
+            </a:pPr>
+            <a:r>
+              <a:rPr lang="en-US" dirty="0"/>
+              <a:t>Crop insurance requires several conditions to be fulfilled, like results of some events outside the control of the insured party, farmers facing a pure risk – a risk not offset by hope of gain &amp; affordable premium for the party seeking coverage.</a:t>
+            </a:r>
+          </a:p>
+          <a:p>
+            <a:pPr marL="285750" indent="-285750">
+              <a:buFont typeface="Arial" panose="020B0604020202020204" pitchFamily="34" charset="0"/>
+              <a:buChar char="•"/>
+            </a:pPr>
+            <a:r>
+              <a:rPr lang="en-US" dirty="0"/>
+              <a:t>To be able to provide unlimited protection, all these conditions would need to be fulfilled to the fullest levels.</a:t>
+            </a:r>
+          </a:p>
+          <a:p>
+            <a:pPr marL="742950" lvl="1" indent="-285750">
+              <a:buFont typeface="Arial" panose="020B0604020202020204" pitchFamily="34" charset="0"/>
+              <a:buChar char="•"/>
+            </a:pPr>
+            <a:r>
+              <a:rPr lang="en-US" dirty="0"/>
+              <a:t>First, all risks must be accounted for, assuming negative results of all events outside control.</a:t>
+            </a:r>
+          </a:p>
+          <a:p>
+            <a:pPr marL="742950" lvl="1" indent="-285750">
+              <a:buFont typeface="Arial" panose="020B0604020202020204" pitchFamily="34" charset="0"/>
+              <a:buChar char="•"/>
+            </a:pPr>
+            <a:r>
+              <a:rPr lang="en-US" dirty="0"/>
+              <a:t>Secondly, the risks to the crop should not be speculative, thus not making profits from those risks.</a:t>
+            </a:r>
+          </a:p>
+          <a:p>
+            <a:pPr marL="742950" lvl="1" indent="-285750">
+              <a:buFont typeface="Arial" panose="020B0604020202020204" pitchFamily="34" charset="0"/>
+              <a:buChar char="•"/>
+            </a:pPr>
+            <a:r>
+              <a:rPr lang="en-US" dirty="0"/>
+              <a:t>Thirdly, the premium should be affordable, which typically happens through government subsidies.</a:t>
+            </a:r>
+            <a:endParaRPr lang="en-US" sz="1550" dirty="0"/>
+          </a:p>
+          <a:p>
+            <a:pPr marL="742950" lvl="1" indent="-285750">
+              <a:buFont typeface="Courier New" panose="02070309020205020404" pitchFamily="49" charset="0"/>
+              <a:buChar char="o"/>
+            </a:pPr>
+            <a:endParaRPr lang="en-US" sz="1550" dirty="0"/>
+          </a:p>
+        </p:txBody>
+      </p:sp>
+      <p:sp>
+        <p:nvSpPr>
+          <p:cNvPr id="7" name="Rectangle 6">
+            <a:extLst>
+              <a:ext uri="{FF2B5EF4-FFF2-40B4-BE49-F238E27FC236}">
+                <a16:creationId xmlns:a16="http://schemas.microsoft.com/office/drawing/2014/main" id="{91B46760-89DF-4F14-9655-642D24E68552}"/>
+              </a:ext>
+            </a:extLst>
+          </p:cNvPr>
+          <p:cNvSpPr/>
+          <p:nvPr/>
+        </p:nvSpPr>
+        <p:spPr>
+          <a:xfrm>
+            <a:off x="7671547" y="-16809"/>
+            <a:ext cx="1472453" cy="312644"/>
+          </a:xfrm>
+          <a:prstGeom prst="rect">
+            <a:avLst/>
+          </a:prstGeom>
+        </p:spPr>
+        <p:style>
+          <a:lnRef idx="2">
+            <a:schemeClr val="accent1">
+              <a:shade val="50000"/>
+            </a:schemeClr>
+          </a:lnRef>
+          <a:fillRef idx="1">
+            <a:schemeClr val="accent1"/>
+          </a:fillRef>
+          <a:effectRef idx="0">
+            <a:schemeClr val="accent1"/>
+          </a:effectRef>
+          <a:fontRef idx="minor">
+            <a:schemeClr val="lt1"/>
+          </a:fontRef>
+        </p:style>
+        <p:txBody>
+          <a:bodyPr rtlCol="0" anchor="ctr"/>
+          <a:lstStyle/>
+          <a:p>
+            <a:pPr algn="ctr"/>
+            <a:r>
+              <a:rPr lang="en-US" sz="1200" i="1" dirty="0"/>
+              <a:t>Solution 3</a:t>
+            </a:r>
+          </a:p>
+        </p:txBody>
+      </p:sp>
+    </p:spTree>
+    <p:extLst>
+      <p:ext uri="{BB962C8B-B14F-4D97-AF65-F5344CB8AC3E}">
+        <p14:creationId xmlns:p14="http://schemas.microsoft.com/office/powerpoint/2010/main" val="2180459967"/>
+      </p:ext>
+    </p:extLst>
+  </p:cSld>
+  <p:clrMapOvr>
+    <a:masterClrMapping/>
+  </p:clrMapOvr>
+</p:sld>
+</file>
+
+<file path=ppt/slides/slide15.xml><?xml version="1.0" encoding="utf-8"?>
+<p:sld xmlns:a="http://schemas.openxmlformats.org/drawingml/2006/main" xmlns:r="http://schemas.openxmlformats.org/officeDocument/2006/relationships" xmlns:p="http://schemas.openxmlformats.org/presentationml/2006/main">
+  <p:cSld>
+    <p:spTree>
+      <p:nvGrpSpPr>
+        <p:cNvPr id="1" name=""/>
+        <p:cNvGrpSpPr/>
+        <p:nvPr/>
+      </p:nvGrpSpPr>
+      <p:grpSpPr>
+        <a:xfrm>
+          <a:off x="0" y="0"/>
+          <a:ext cx="0" cy="0"/>
+          <a:chOff x="0" y="0"/>
+          <a:chExt cx="0" cy="0"/>
+        </a:xfrm>
+      </p:grpSpPr>
+      <p:sp>
+        <p:nvSpPr>
+          <p:cNvPr id="2" name="Title 1">
+            <a:extLst>
+              <a:ext uri="{FF2B5EF4-FFF2-40B4-BE49-F238E27FC236}">
+                <a16:creationId xmlns:a16="http://schemas.microsoft.com/office/drawing/2014/main" id="{B8351018-984B-408A-A6EC-7F810FC4983D}"/>
+              </a:ext>
+            </a:extLst>
+          </p:cNvPr>
+          <p:cNvSpPr>
+            <a:spLocks noGrp="1"/>
+          </p:cNvSpPr>
+          <p:nvPr>
+            <p:ph type="title"/>
+          </p:nvPr>
+        </p:nvSpPr>
+        <p:spPr/>
+        <p:txBody>
+          <a:bodyPr/>
+          <a:lstStyle/>
+          <a:p>
+            <a:r>
+              <a:rPr lang="en-US" sz="5000" dirty="0"/>
+              <a:t>Thank You.</a:t>
+            </a:r>
+            <a:br>
+              <a:rPr lang="en-US" sz="5000" dirty="0"/>
+            </a:br>
+            <a:br>
+              <a:rPr lang="en-US" sz="5000" dirty="0"/>
+            </a:br>
+            <a:br>
+              <a:rPr lang="en-US" sz="5000" dirty="0"/>
+            </a:br>
+            <a:r>
+              <a:rPr lang="en-US" sz="5000" dirty="0"/>
+              <a:t>Questions?</a:t>
+            </a:r>
+          </a:p>
+        </p:txBody>
+      </p:sp>
+      <p:sp>
+        <p:nvSpPr>
+          <p:cNvPr id="3" name="Footer Placeholder 2">
+            <a:extLst>
+              <a:ext uri="{FF2B5EF4-FFF2-40B4-BE49-F238E27FC236}">
+                <a16:creationId xmlns:a16="http://schemas.microsoft.com/office/drawing/2014/main" id="{C625E8D5-A052-443C-9376-B98F3E01B821}"/>
+              </a:ext>
+            </a:extLst>
+          </p:cNvPr>
+          <p:cNvSpPr>
+            <a:spLocks noGrp="1"/>
+          </p:cNvSpPr>
+          <p:nvPr>
+            <p:ph type="ftr" sz="quarter" idx="11"/>
+          </p:nvPr>
+        </p:nvSpPr>
+        <p:spPr/>
+        <p:txBody>
+          <a:bodyPr/>
+          <a:lstStyle/>
+          <a:p>
+            <a:r>
+              <a:rPr lang="en-US"/>
+              <a:t>Team The Good Karma - PRMIA 2019</a:t>
+            </a:r>
+            <a:endParaRPr lang="en-US" dirty="0"/>
+          </a:p>
+        </p:txBody>
+      </p:sp>
+      <p:sp>
+        <p:nvSpPr>
+          <p:cNvPr id="4" name="Slide Number Placeholder 3">
+            <a:extLst>
+              <a:ext uri="{FF2B5EF4-FFF2-40B4-BE49-F238E27FC236}">
+                <a16:creationId xmlns:a16="http://schemas.microsoft.com/office/drawing/2014/main" id="{B7E727DA-968E-4292-BF4A-8114604A1CD8}"/>
+              </a:ext>
+            </a:extLst>
+          </p:cNvPr>
+          <p:cNvSpPr>
+            <a:spLocks noGrp="1"/>
+          </p:cNvSpPr>
+          <p:nvPr>
+            <p:ph type="sldNum" sz="quarter" idx="12"/>
+          </p:nvPr>
+        </p:nvSpPr>
+        <p:spPr/>
+        <p:txBody>
+          <a:bodyPr/>
+          <a:lstStyle/>
+          <a:p>
+            <a:fld id="{D626626A-31BC-42D5-8B98-F47D2A66E9E4}" type="slidenum">
+              <a:rPr lang="en-US" smtClean="0"/>
+              <a:pPr/>
+              <a:t>15</a:t>
+            </a:fld>
+            <a:endParaRPr lang="en-US" dirty="0"/>
+          </a:p>
+        </p:txBody>
+      </p:sp>
+    </p:spTree>
+    <p:extLst>
+      <p:ext uri="{BB962C8B-B14F-4D97-AF65-F5344CB8AC3E}">
+        <p14:creationId xmlns:p14="http://schemas.microsoft.com/office/powerpoint/2010/main" val="383297336"/>
+      </p:ext>
+    </p:extLst>
+  </p:cSld>
+  <p:clrMapOvr>
+    <a:masterClrMapping/>
+  </p:clrMapOvr>
+</p:sld>
+</file>
+
+<file path=ppt/slides/slide16.xml><?xml version="1.0" encoding="utf-8"?>
+<p:sld xmlns:a="http://schemas.openxmlformats.org/drawingml/2006/main" xmlns:r="http://schemas.openxmlformats.org/officeDocument/2006/relationships" xmlns:p="http://schemas.openxmlformats.org/presentationml/2006/main">
+  <p:cSld>
+    <p:spTree>
+      <p:nvGrpSpPr>
+        <p:cNvPr id="1" name=""/>
+        <p:cNvGrpSpPr/>
+        <p:nvPr/>
+      </p:nvGrpSpPr>
+      <p:grpSpPr>
+        <a:xfrm>
+          <a:off x="0" y="0"/>
+          <a:ext cx="0" cy="0"/>
+          <a:chOff x="0" y="0"/>
+          <a:chExt cx="0" cy="0"/>
+        </a:xfrm>
+      </p:grpSpPr>
+      <p:sp>
+        <p:nvSpPr>
+          <p:cNvPr id="2" name="Title 1">
+            <a:extLst>
+              <a:ext uri="{FF2B5EF4-FFF2-40B4-BE49-F238E27FC236}">
+                <a16:creationId xmlns:a16="http://schemas.microsoft.com/office/drawing/2014/main" id="{503DEA42-3262-4E5E-94FA-D81B6F3370D9}"/>
+              </a:ext>
+            </a:extLst>
+          </p:cNvPr>
+          <p:cNvSpPr>
+            <a:spLocks noGrp="1"/>
+          </p:cNvSpPr>
+          <p:nvPr>
+            <p:ph type="title"/>
+          </p:nvPr>
+        </p:nvSpPr>
+        <p:spPr/>
+        <p:txBody>
+          <a:bodyPr/>
+          <a:lstStyle/>
+          <a:p>
+            <a:r>
+              <a:rPr lang="en-US" dirty="0"/>
+              <a:t>Appendix</a:t>
+            </a:r>
+          </a:p>
+        </p:txBody>
+      </p:sp>
+      <p:sp>
+        <p:nvSpPr>
+          <p:cNvPr id="6" name="Slide Number Placeholder 4">
+            <a:extLst>
+              <a:ext uri="{FF2B5EF4-FFF2-40B4-BE49-F238E27FC236}">
+                <a16:creationId xmlns:a16="http://schemas.microsoft.com/office/drawing/2014/main" id="{2B6E984F-51AC-4867-8204-C9A48ABDC631}"/>
+              </a:ext>
+            </a:extLst>
+          </p:cNvPr>
+          <p:cNvSpPr>
+            <a:spLocks noGrp="1"/>
+          </p:cNvSpPr>
+          <p:nvPr>
+            <p:ph type="sldNum" sz="quarter" idx="12"/>
+          </p:nvPr>
+        </p:nvSpPr>
+        <p:spPr>
+          <a:xfrm>
+            <a:off x="7872984" y="4780026"/>
+            <a:ext cx="950976" cy="102870"/>
+          </a:xfrm>
+        </p:spPr>
+        <p:txBody>
+          <a:bodyPr/>
+          <a:lstStyle/>
+          <a:p>
+            <a:fld id="{D626626A-31BC-42D5-8B98-F47D2A66E9E4}" type="slidenum">
+              <a:rPr lang="en-US" smtClean="0"/>
+              <a:pPr/>
+              <a:t>16</a:t>
+            </a:fld>
+            <a:endParaRPr lang="en-US" dirty="0"/>
+          </a:p>
+        </p:txBody>
+      </p:sp>
+      <p:sp>
+        <p:nvSpPr>
+          <p:cNvPr id="3" name="Footer Placeholder 2">
+            <a:extLst>
+              <a:ext uri="{FF2B5EF4-FFF2-40B4-BE49-F238E27FC236}">
+                <a16:creationId xmlns:a16="http://schemas.microsoft.com/office/drawing/2014/main" id="{33310510-E3EC-4997-B467-950EB2220EC9}"/>
+              </a:ext>
+            </a:extLst>
+          </p:cNvPr>
+          <p:cNvSpPr>
+            <a:spLocks noGrp="1"/>
+          </p:cNvSpPr>
+          <p:nvPr>
+            <p:ph type="ftr" sz="quarter" idx="11"/>
+          </p:nvPr>
+        </p:nvSpPr>
+        <p:spPr/>
+        <p:txBody>
+          <a:bodyPr/>
+          <a:lstStyle/>
+          <a:p>
+            <a:r>
+              <a:rPr lang="en-US"/>
+              <a:t>Team The Good Karma - PRMIA 2019</a:t>
+            </a:r>
+            <a:endParaRPr lang="en-US" dirty="0"/>
+          </a:p>
+        </p:txBody>
+      </p:sp>
+    </p:spTree>
+    <p:extLst>
+      <p:ext uri="{BB962C8B-B14F-4D97-AF65-F5344CB8AC3E}">
+        <p14:creationId xmlns:p14="http://schemas.microsoft.com/office/powerpoint/2010/main" val="2343330574"/>
+      </p:ext>
+    </p:extLst>
+  </p:cSld>
+  <p:clrMapOvr>
+    <a:masterClrMapping/>
+  </p:clrMapOvr>
+</p:sld>
+</file>
+
+<file path=ppt/slides/slide17.xml><?xml version="1.0" encoding="utf-8"?>
+<p:sld xmlns:a="http://schemas.openxmlformats.org/drawingml/2006/main" xmlns:r="http://schemas.openxmlformats.org/officeDocument/2006/relationships" xmlns:p="http://schemas.openxmlformats.org/presentationml/2006/main">
+  <p:cSld>
+    <p:spTree>
+      <p:nvGrpSpPr>
+        <p:cNvPr id="1" name=""/>
+        <p:cNvGrpSpPr/>
+        <p:nvPr/>
+      </p:nvGrpSpPr>
+      <p:grpSpPr>
+        <a:xfrm>
+          <a:off x="0" y="0"/>
+          <a:ext cx="0" cy="0"/>
+          <a:chOff x="0" y="0"/>
+          <a:chExt cx="0" cy="0"/>
+        </a:xfrm>
+      </p:grpSpPr>
+      <p:sp>
+        <p:nvSpPr>
+          <p:cNvPr id="2" name="Title 1">
+            <a:extLst>
+              <a:ext uri="{FF2B5EF4-FFF2-40B4-BE49-F238E27FC236}">
+                <a16:creationId xmlns:a16="http://schemas.microsoft.com/office/drawing/2014/main" id="{4C7E715E-BAEC-49FB-A0B8-BFD9B081033C}"/>
+              </a:ext>
+            </a:extLst>
+          </p:cNvPr>
+          <p:cNvSpPr>
+            <a:spLocks noGrp="1"/>
+          </p:cNvSpPr>
+          <p:nvPr>
+            <p:ph type="title"/>
+          </p:nvPr>
+        </p:nvSpPr>
+        <p:spPr/>
+        <p:txBody>
+          <a:bodyPr/>
+          <a:lstStyle/>
+          <a:p>
+            <a:r>
+              <a:rPr lang="en-US" dirty="0"/>
+              <a:t>References</a:t>
+            </a:r>
+          </a:p>
+        </p:txBody>
+      </p:sp>
+      <p:sp>
+        <p:nvSpPr>
+          <p:cNvPr id="4" name="Slide Number Placeholder 3">
+            <a:extLst>
+              <a:ext uri="{FF2B5EF4-FFF2-40B4-BE49-F238E27FC236}">
+                <a16:creationId xmlns:a16="http://schemas.microsoft.com/office/drawing/2014/main" id="{18E6CA86-05F9-438D-A860-057B555D83F0}"/>
+              </a:ext>
+            </a:extLst>
+          </p:cNvPr>
+          <p:cNvSpPr>
+            <a:spLocks noGrp="1"/>
+          </p:cNvSpPr>
+          <p:nvPr>
+            <p:ph type="sldNum" sz="quarter" idx="12"/>
+          </p:nvPr>
+        </p:nvSpPr>
+        <p:spPr/>
+        <p:txBody>
+          <a:bodyPr/>
+          <a:lstStyle/>
+          <a:p>
+            <a:fld id="{D626626A-31BC-42D5-8B98-F47D2A66E9E4}" type="slidenum">
+              <a:rPr lang="en-US" smtClean="0"/>
+              <a:pPr/>
+              <a:t>17</a:t>
+            </a:fld>
+            <a:endParaRPr lang="en-US" dirty="0"/>
+          </a:p>
+        </p:txBody>
+      </p:sp>
+      <p:sp>
+        <p:nvSpPr>
+          <p:cNvPr id="5" name="Content Placeholder 4">
+            <a:extLst>
+              <a:ext uri="{FF2B5EF4-FFF2-40B4-BE49-F238E27FC236}">
+                <a16:creationId xmlns:a16="http://schemas.microsoft.com/office/drawing/2014/main" id="{20FDA6D5-BF1A-478A-A577-42A79A2D08FF}"/>
+              </a:ext>
+            </a:extLst>
+          </p:cNvPr>
+          <p:cNvSpPr>
+            <a:spLocks noGrp="1"/>
+          </p:cNvSpPr>
+          <p:nvPr>
+            <p:ph sz="quarter" idx="13"/>
+          </p:nvPr>
+        </p:nvSpPr>
+        <p:spPr>
+          <a:xfrm>
+            <a:off x="290179" y="808482"/>
+            <a:ext cx="8519160" cy="2601468"/>
+          </a:xfrm>
+        </p:spPr>
+        <p:txBody>
+          <a:bodyPr anchor="ctr"/>
+          <a:lstStyle/>
+          <a:p>
+            <a:pPr marL="285750" indent="-285750">
+              <a:buFont typeface="Arial" panose="020B0604020202020204" pitchFamily="34" charset="0"/>
+              <a:buChar char="•"/>
+            </a:pPr>
+            <a:r>
+              <a:rPr lang="en-US" sz="1600" dirty="0"/>
+              <a:t>Takeover Defenses Work. Is That Such a Bad Thing? Mark Gordon</a:t>
+            </a:r>
+          </a:p>
+          <a:p>
+            <a:pPr marL="285750" indent="-285750">
+              <a:buFont typeface="Arial" panose="020B0604020202020204" pitchFamily="34" charset="0"/>
+              <a:buChar char="•"/>
+            </a:pPr>
+            <a:r>
+              <a:rPr lang="en-US" sz="1600" dirty="0"/>
+              <a:t>Pearce, John &amp; Jr. Robinson, Richard. (2004). Hostile takeover defenses that maximize shareholder wealth. Business Horizons. 47. 15-24. 10.1016/j.bushor.2004.07.004.</a:t>
+            </a:r>
+          </a:p>
+          <a:p>
+            <a:pPr marL="285750" indent="-285750">
+              <a:buFont typeface="Arial" panose="020B0604020202020204" pitchFamily="34" charset="0"/>
+              <a:buChar char="•"/>
+            </a:pPr>
+            <a:r>
+              <a:rPr lang="en-US" sz="1600" dirty="0"/>
+              <a:t>Top 3 Pitfalls of Discounted Cash Flow Analysis (</a:t>
+            </a:r>
+            <a:r>
+              <a:rPr lang="en-US" sz="1600" dirty="0">
+                <a:hlinkClick r:id="rId2"/>
+              </a:rPr>
+              <a:t>www.investopedia.com</a:t>
+            </a:r>
+            <a:r>
+              <a:rPr lang="en-US" sz="1600" dirty="0"/>
+              <a:t>)</a:t>
+            </a:r>
+          </a:p>
+          <a:p>
+            <a:pPr marL="285750" indent="-285750">
+              <a:buFont typeface="Arial" panose="020B0604020202020204" pitchFamily="34" charset="0"/>
+              <a:buChar char="•"/>
+            </a:pPr>
+            <a:r>
+              <a:rPr lang="en-US" sz="1600" dirty="0"/>
+              <a:t>An Improved Earnings Forecasting Model, Richard D.F. Harris &amp; </a:t>
+            </a:r>
+            <a:r>
+              <a:rPr lang="en-US" sz="1600" dirty="0" err="1"/>
+              <a:t>Pengguo</a:t>
+            </a:r>
+            <a:r>
+              <a:rPr lang="en-US" sz="1600" dirty="0"/>
+              <a:t> Wang (April 2013)</a:t>
+            </a:r>
+          </a:p>
+          <a:p>
+            <a:pPr marL="285750" indent="-285750">
+              <a:buFont typeface="Arial" panose="020B0604020202020204" pitchFamily="34" charset="0"/>
+              <a:buChar char="•"/>
+            </a:pPr>
+            <a:r>
+              <a:rPr lang="en-US" sz="1600" dirty="0"/>
+              <a:t>The Strange Economics of Crop Insurance (www.niskanencenter.org/blog/the-strange-economics-of-crop-insurance/)</a:t>
+            </a:r>
+          </a:p>
+          <a:p>
+            <a:pPr marL="285750" indent="-285750">
+              <a:buFont typeface="Arial" panose="020B0604020202020204" pitchFamily="34" charset="0"/>
+              <a:buChar char="•"/>
+            </a:pPr>
+            <a:endParaRPr lang="en-US" sz="1600" dirty="0"/>
+          </a:p>
+        </p:txBody>
+      </p:sp>
+      <p:sp>
+        <p:nvSpPr>
+          <p:cNvPr id="3" name="Footer Placeholder 2">
+            <a:extLst>
+              <a:ext uri="{FF2B5EF4-FFF2-40B4-BE49-F238E27FC236}">
+                <a16:creationId xmlns:a16="http://schemas.microsoft.com/office/drawing/2014/main" id="{9D3CA8ED-601F-4BEA-8CA2-A6C5798B49E5}"/>
+              </a:ext>
+            </a:extLst>
+          </p:cNvPr>
+          <p:cNvSpPr>
+            <a:spLocks noGrp="1"/>
+          </p:cNvSpPr>
+          <p:nvPr>
+            <p:ph type="ftr" sz="quarter" idx="11"/>
+          </p:nvPr>
+        </p:nvSpPr>
+        <p:spPr/>
+        <p:txBody>
+          <a:bodyPr/>
+          <a:lstStyle/>
+          <a:p>
+            <a:r>
+              <a:rPr lang="en-US"/>
+              <a:t>Team The Good Karma - PRMIA 2019</a:t>
+            </a:r>
+            <a:endParaRPr lang="en-US" dirty="0"/>
+          </a:p>
+        </p:txBody>
+      </p:sp>
+    </p:spTree>
+    <p:extLst>
+      <p:ext uri="{BB962C8B-B14F-4D97-AF65-F5344CB8AC3E}">
+        <p14:creationId xmlns:p14="http://schemas.microsoft.com/office/powerpoint/2010/main" val="741611828"/>
       </p:ext>
     </p:extLst>
   </p:cSld>
@@ -27314,6 +31729,35 @@
           </a:p>
         </p:txBody>
       </p:sp>
+      <p:sp>
+        <p:nvSpPr>
+          <p:cNvPr id="3" name="Footer Placeholder 2">
+            <a:extLst>
+              <a:ext uri="{FF2B5EF4-FFF2-40B4-BE49-F238E27FC236}">
+                <a16:creationId xmlns:a16="http://schemas.microsoft.com/office/drawing/2014/main" id="{00DA1B2B-D819-4D20-9389-2ED1FFBD7A38}"/>
+              </a:ext>
+            </a:extLst>
+          </p:cNvPr>
+          <p:cNvSpPr>
+            <a:spLocks noGrp="1"/>
+          </p:cNvSpPr>
+          <p:nvPr>
+            <p:ph type="ftr" sz="quarter" idx="11"/>
+          </p:nvPr>
+        </p:nvSpPr>
+        <p:spPr/>
+        <p:txBody>
+          <a:bodyPr/>
+          <a:lstStyle/>
+          <a:p>
+            <a:r>
+              <a:rPr lang="en-US"/>
+              <a:t>Team The Good Karma - PRMIA 2019</a:t>
+            </a:r>
+            <a:endParaRPr lang="en-US" dirty="0"/>
+          </a:p>
+        </p:txBody>
+      </p:sp>
     </p:spTree>
   </p:cSld>
   <p:clrMapOvr>
@@ -27367,7 +31811,15 @@
           <a:p>
             <a:r>
               <a:rPr lang="en-US" b="1" dirty="0"/>
-              <a:t>Solution to case question 1.</a:t>
+              <a:t>What is a </a:t>
+            </a:r>
+            <a:r>
+              <a:rPr lang="en-US" b="1" i="1" dirty="0"/>
+              <a:t>“poison pill”</a:t>
+            </a:r>
+            <a:r>
+              <a:rPr lang="en-US" b="1" dirty="0"/>
+              <a:t>?</a:t>
             </a:r>
           </a:p>
         </p:txBody>
@@ -27471,7 +31923,7 @@
         <p:spPr>
           <a:xfrm>
             <a:off x="381000" y="742950"/>
-            <a:ext cx="8382000" cy="3108543"/>
+            <a:ext cx="8382000" cy="3139321"/>
           </a:xfrm>
           <a:prstGeom prst="rect">
             <a:avLst/>
@@ -27489,7 +31941,7 @@
               <a:buChar char="•"/>
             </a:pPr>
             <a:r>
-              <a:rPr lang="en-US" sz="1600" dirty="0"/>
+              <a:rPr lang="en-US" dirty="0"/>
               <a:t>Poison pill defense, also known as a shareholder rights plan, is used by the company's board of directors to guard against a hostile takeover.</a:t>
             </a:r>
           </a:p>
@@ -27499,49 +31951,48 @@
               <a:buChar char="•"/>
             </a:pPr>
             <a:r>
-              <a:rPr lang="en-US" sz="1600" dirty="0"/>
-              <a:t>We argue that it is good from the shareholders perspective.</a:t>
+              <a:rPr lang="en-US" dirty="0"/>
+              <a:t>Situation – </a:t>
             </a:r>
           </a:p>
           <a:p>
             <a:pPr marL="742950" lvl="1" indent="-285750">
-              <a:buFont typeface="Courier New" panose="02070309020205020404" pitchFamily="49" charset="0"/>
-              <a:buChar char="o"/>
-            </a:pPr>
-            <a:r>
-              <a:rPr lang="en-US" sz="1600" dirty="0"/>
-              <a:t>Since the board has the power to activate the poison pill, this avoids the bidder from negotiating with other shareholder and getting into an alliance or make malicious attempt to gain control over shares.</a:t>
-            </a:r>
-          </a:p>
-          <a:p>
-            <a:pPr marL="742950" lvl="1" indent="-285750">
-              <a:buFont typeface="Courier New" panose="02070309020205020404" pitchFamily="49" charset="0"/>
-              <a:buChar char="o"/>
-            </a:pPr>
-            <a:r>
-              <a:rPr lang="en-US" sz="1600" dirty="0"/>
-              <a:t>The poison pill pressurizes the bidder to present their best proposal. </a:t>
-            </a:r>
-          </a:p>
-          <a:p>
-            <a:pPr marL="742950" lvl="1" indent="-285750">
-              <a:buFont typeface="Courier New" panose="02070309020205020404" pitchFamily="49" charset="0"/>
-              <a:buChar char="o"/>
-            </a:pPr>
-            <a:r>
-              <a:rPr lang="en-US" sz="1600" dirty="0"/>
-              <a:t>Research at J.P Morgan showed that since 1997, corporations which had poison pill defense mechanism in place has received on average 4 percent premium at takeover over companies without poison pill.</a:t>
-            </a:r>
-          </a:p>
-          <a:p>
-            <a:pPr marL="285750" indent="-285750">
               <a:buFont typeface="Arial" panose="020B0604020202020204" pitchFamily="34" charset="0"/>
               <a:buChar char="•"/>
             </a:pPr>
             <a:r>
-              <a:rPr lang="en-US" sz="1600" dirty="0"/>
-              <a:t>Poison pill ensures long term innovation which is necessary for the development and well-being of the society overall.</a:t>
-            </a:r>
+              <a:rPr lang="en-US" dirty="0"/>
+              <a:t>For instance, someone buys 20%, of the company shares he is a bidder now who can take over the company. In reaction to this, the board issues new shares at a discounted price and the other shareholders have the right to buy newly released shares. If the other shareholders can buy the recently issued shares at a discounted price, the percentage of that one shareholder dilutes and the cost of bid increases. Under these circumstances, the bidder will be less inclined to take over the corporation without the board's approval.</a:t>
+            </a:r>
+          </a:p>
+        </p:txBody>
+      </p:sp>
+      <p:sp>
+        <p:nvSpPr>
+          <p:cNvPr id="4" name="Footer Placeholder 3">
+            <a:extLst>
+              <a:ext uri="{FF2B5EF4-FFF2-40B4-BE49-F238E27FC236}">
+                <a16:creationId xmlns:a16="http://schemas.microsoft.com/office/drawing/2014/main" id="{FA7B20D2-2757-4C3A-BF3E-C4945E8FDC8B}"/>
+              </a:ext>
+            </a:extLst>
+          </p:cNvPr>
+          <p:cNvSpPr>
+            <a:spLocks noGrp="1"/>
+          </p:cNvSpPr>
+          <p:nvPr>
+            <p:ph type="ftr" sz="quarter" idx="11"/>
+          </p:nvPr>
+        </p:nvSpPr>
+        <p:spPr/>
+        <p:txBody>
+          <a:bodyPr/>
+          <a:lstStyle/>
+          <a:p>
+            <a:r>
+              <a:rPr lang="en-US"/>
+              <a:t>Team The Good Karma - PRMIA 2019</a:t>
+            </a:r>
+            <a:endParaRPr lang="en-US" dirty="0"/>
           </a:p>
         </p:txBody>
       </p:sp>
@@ -27577,43 +32028,10 @@
       </p:grpSpPr>
       <p:sp>
         <p:nvSpPr>
-          <p:cNvPr id="2" name="Title 1">
+          <p:cNvPr id="6" name="Rectangle 5">
             <a:extLst>
               <a:ext uri="{FF2B5EF4-FFF2-40B4-BE49-F238E27FC236}">
-                <a16:creationId xmlns:a16="http://schemas.microsoft.com/office/drawing/2014/main" id="{D5239679-983C-411E-BBCD-4AE0F2853B3B}"/>
-              </a:ext>
-            </a:extLst>
-          </p:cNvPr>
-          <p:cNvSpPr>
-            <a:spLocks noGrp="1"/>
-          </p:cNvSpPr>
-          <p:nvPr>
-            <p:ph type="title"/>
-          </p:nvPr>
-        </p:nvSpPr>
-        <p:spPr>
-          <a:xfrm>
-            <a:off x="304800" y="266700"/>
-            <a:ext cx="6345936" cy="247650"/>
-          </a:xfrm>
-        </p:spPr>
-        <p:txBody>
-          <a:bodyPr/>
-          <a:lstStyle/>
-          <a:p>
-            <a:r>
-              <a:rPr lang="en-US" b="1" dirty="0"/>
-              <a:t>Solution to case question 2.a.</a:t>
-            </a:r>
-          </a:p>
-        </p:txBody>
-      </p:sp>
-      <p:sp>
-        <p:nvSpPr>
-          <p:cNvPr id="3" name="Rectangle 2">
-            <a:extLst>
-              <a:ext uri="{FF2B5EF4-FFF2-40B4-BE49-F238E27FC236}">
-                <a16:creationId xmlns:a16="http://schemas.microsoft.com/office/drawing/2014/main" id="{88541D4A-71ED-4D44-A95B-5A95F0F3A281}"/>
+                <a16:creationId xmlns:a16="http://schemas.microsoft.com/office/drawing/2014/main" id="{5132DE79-0E15-4174-B7B5-FF7F27E9310E}"/>
               </a:ext>
             </a:extLst>
           </p:cNvPr>
@@ -27652,17 +32070,17 @@
             <a:pPr algn="ctr"/>
             <a:r>
               <a:rPr lang="en-US" sz="1200" i="1" dirty="0"/>
-              <a:t>Solution 2.a</a:t>
-            </a:r>
-          </a:p>
-        </p:txBody>
-      </p:sp>
-      <p:sp>
-        <p:nvSpPr>
-          <p:cNvPr id="29" name="Slide Number Placeholder 4">
+              <a:t>Solution 1</a:t>
+            </a:r>
+          </a:p>
+        </p:txBody>
+      </p:sp>
+      <p:sp>
+        <p:nvSpPr>
+          <p:cNvPr id="7" name="Slide Number Placeholder 4">
             <a:extLst>
               <a:ext uri="{FF2B5EF4-FFF2-40B4-BE49-F238E27FC236}">
-                <a16:creationId xmlns:a16="http://schemas.microsoft.com/office/drawing/2014/main" id="{F50B6B06-CB35-47EB-ABA5-1A6B5DC3C0FC}"/>
+                <a16:creationId xmlns:a16="http://schemas.microsoft.com/office/drawing/2014/main" id="{15D4F135-1902-4161-B598-E95D76853C10}"/>
               </a:ext>
             </a:extLst>
           </p:cNvPr>
@@ -27694,10 +32112,10 @@
       </p:sp>
       <p:sp>
         <p:nvSpPr>
-          <p:cNvPr id="5" name="TextBox 4">
+          <p:cNvPr id="8" name="TextBox 7">
             <a:extLst>
               <a:ext uri="{FF2B5EF4-FFF2-40B4-BE49-F238E27FC236}">
-                <a16:creationId xmlns:a16="http://schemas.microsoft.com/office/drawing/2014/main" id="{030BEB42-826E-402F-8C76-65DD5CA43F1D}"/>
+                <a16:creationId xmlns:a16="http://schemas.microsoft.com/office/drawing/2014/main" id="{A92F121B-A441-4FC7-9987-6EA26399C136}"/>
               </a:ext>
             </a:extLst>
           </p:cNvPr>
@@ -27707,7 +32125,7 @@
         <p:spPr>
           <a:xfrm>
             <a:off x="381000" y="742950"/>
-            <a:ext cx="8382000" cy="2062103"/>
+            <a:ext cx="8382000" cy="3385542"/>
           </a:xfrm>
           <a:prstGeom prst="rect">
             <a:avLst/>
@@ -27725,54 +32143,125 @@
               <a:buChar char="•"/>
             </a:pPr>
             <a:r>
-              <a:rPr lang="en-US" sz="1600" dirty="0"/>
-              <a:t>According to the Willis Report, UGG board identified six significant risks which seem feasible to focus on an estimate. </a:t>
-            </a:r>
+              <a:rPr lang="en-US" dirty="0"/>
+              <a:t>We argue that it is good from the shareholders perspective.</a:t>
+            </a:r>
+          </a:p>
+          <a:p>
+            <a:endParaRPr lang="en-US" sz="1600" dirty="0"/>
           </a:p>
           <a:p>
             <a:pPr marL="742950" lvl="1" indent="-285750">
-              <a:buFont typeface="Courier New" panose="02070309020205020404" pitchFamily="49" charset="0"/>
-              <a:buChar char="o"/>
-            </a:pPr>
-            <a:r>
-              <a:rPr lang="en-US" sz="1600" dirty="0"/>
-              <a:t>Weather, Environmental Liability, Counterparty, Credit, Inventory, Commodity.</a:t>
-            </a:r>
-          </a:p>
-          <a:p>
-            <a:pPr marL="285750" indent="-285750">
               <a:buFont typeface="Arial" panose="020B0604020202020204" pitchFamily="34" charset="0"/>
               <a:buChar char="•"/>
             </a:pPr>
             <a:r>
-              <a:rPr lang="en-US" sz="1600" dirty="0"/>
-              <a:t>To calculate a more accurate Earnings at Risk (</a:t>
-            </a:r>
-            <a:r>
-              <a:rPr lang="en-US" sz="1600" dirty="0" err="1"/>
-              <a:t>EaR</a:t>
-            </a:r>
-            <a:r>
-              <a:rPr lang="en-US" sz="1600" dirty="0"/>
-              <a:t>), we propose to segment by business function, board grain or not, and individual grain type.</a:t>
-            </a:r>
-          </a:p>
-          <a:p>
-            <a:pPr marL="285750" indent="-285750">
+              <a:rPr lang="en-US" dirty="0"/>
+              <a:t>Since the board has the power to activate the poison pill, this avoids the bidder from negotiating with other shareholder and getting into an alliance or make malicious attempt to gain control over shares. </a:t>
+            </a:r>
+          </a:p>
+          <a:p>
+            <a:pPr marL="742950" lvl="1" indent="-285750">
               <a:buFont typeface="Arial" panose="020B0604020202020204" pitchFamily="34" charset="0"/>
               <a:buChar char="•"/>
             </a:pPr>
             <a:r>
-              <a:rPr lang="en-US" sz="1600" dirty="0"/>
-              <a:t>Ideally, we would have the price variation of each crop within the business functions, because the weather conditions will affect each yield differently for instance lack of rain affects wheat differently as opposed to barley or corn.</a:t>
-            </a:r>
+              <a:rPr lang="en-US" dirty="0"/>
+              <a:t>The poison pill pressurizes the bidder to present their best proposal.</a:t>
+            </a:r>
+          </a:p>
+          <a:p>
+            <a:pPr marL="742950" lvl="1" indent="-285750">
+              <a:buFont typeface="Arial" panose="020B0604020202020204" pitchFamily="34" charset="0"/>
+              <a:buChar char="•"/>
+            </a:pPr>
+            <a:r>
+              <a:rPr lang="en-US" dirty="0"/>
+              <a:t>The board works more closely with the managers than the shareholders do, the board is in a better position to access the prospective growth of the company.</a:t>
+            </a:r>
+          </a:p>
+          <a:p>
+            <a:pPr marL="742950" lvl="1" indent="-285750">
+              <a:buFont typeface="Arial" panose="020B0604020202020204" pitchFamily="34" charset="0"/>
+              <a:buChar char="•"/>
+            </a:pPr>
+            <a:r>
+              <a:rPr lang="en-US" dirty="0"/>
+              <a:t>Research at J.P Morgan showed that since 1997, corporations which had poison pill defense mechanism in place have received on an average 4% premium at takeover as compared to the companies without poison pill.</a:t>
+            </a:r>
+          </a:p>
+        </p:txBody>
+      </p:sp>
+      <p:sp>
+        <p:nvSpPr>
+          <p:cNvPr id="10" name="Title 9">
+            <a:extLst>
+              <a:ext uri="{FF2B5EF4-FFF2-40B4-BE49-F238E27FC236}">
+                <a16:creationId xmlns:a16="http://schemas.microsoft.com/office/drawing/2014/main" id="{FF533B3A-6DDA-4F19-8195-E2EDE6E49DBC}"/>
+              </a:ext>
+            </a:extLst>
+          </p:cNvPr>
+          <p:cNvSpPr>
+            <a:spLocks noGrp="1"/>
+          </p:cNvSpPr>
+          <p:nvPr>
+            <p:ph type="title"/>
+          </p:nvPr>
+        </p:nvSpPr>
+        <p:spPr>
+          <a:xfrm>
+            <a:off x="304800" y="266700"/>
+            <a:ext cx="7467600" cy="713232"/>
+          </a:xfrm>
+        </p:spPr>
+        <p:txBody>
+          <a:bodyPr/>
+          <a:lstStyle/>
+          <a:p>
+            <a:r>
+              <a:rPr lang="en-US" b="1" dirty="0"/>
+              <a:t>Is the poison pill good from shareholder’s perspective?</a:t>
+            </a:r>
+            <a:br>
+              <a:rPr lang="en-US" b="1" dirty="0"/>
+            </a:br>
+            <a:endParaRPr lang="en-US" b="1" dirty="0"/>
+          </a:p>
+        </p:txBody>
+      </p:sp>
+      <p:sp>
+        <p:nvSpPr>
+          <p:cNvPr id="12" name="Footer Placeholder 11">
+            <a:extLst>
+              <a:ext uri="{FF2B5EF4-FFF2-40B4-BE49-F238E27FC236}">
+                <a16:creationId xmlns:a16="http://schemas.microsoft.com/office/drawing/2014/main" id="{5E6FE640-C822-4ECC-9D3B-916BD5C6F0E5}"/>
+              </a:ext>
+            </a:extLst>
+          </p:cNvPr>
+          <p:cNvSpPr>
+            <a:spLocks noGrp="1"/>
+          </p:cNvSpPr>
+          <p:nvPr>
+            <p:ph type="ftr" sz="quarter" idx="11"/>
+          </p:nvPr>
+        </p:nvSpPr>
+        <p:spPr/>
+        <p:txBody>
+          <a:bodyPr/>
+          <a:lstStyle/>
+          <a:p>
+            <a:r>
+              <a:rPr lang="en-US"/>
+              <a:t>Team The Good Karma - PRMIA 2019</a:t>
+            </a:r>
+            <a:endParaRPr lang="en-US" dirty="0"/>
           </a:p>
         </p:txBody>
       </p:sp>
     </p:spTree>
     <p:extLst>
       <p:ext uri="{BB962C8B-B14F-4D97-AF65-F5344CB8AC3E}">
-        <p14:creationId xmlns:p14="http://schemas.microsoft.com/office/powerpoint/2010/main" val="3892690231"/>
+        <p14:creationId xmlns:p14="http://schemas.microsoft.com/office/powerpoint/2010/main" val="1356714404"/>
       </p:ext>
     </p:extLst>
   </p:cSld>
@@ -27827,7 +32316,15 @@
           <a:p>
             <a:r>
               <a:rPr lang="en-US" b="1" dirty="0"/>
-              <a:t>Solution to case question 2.b.</a:t>
+              <a:t>Proposed model for Earnings at Risk (</a:t>
+            </a:r>
+            <a:r>
+              <a:rPr lang="en-US" b="1" dirty="0" err="1"/>
+              <a:t>EaR</a:t>
+            </a:r>
+            <a:r>
+              <a:rPr lang="en-US" b="1" dirty="0"/>
+              <a:t>).</a:t>
             </a:r>
           </a:p>
         </p:txBody>
@@ -27876,7 +32373,7 @@
             <a:pPr algn="ctr"/>
             <a:r>
               <a:rPr lang="en-US" sz="1200" i="1" dirty="0"/>
-              <a:t>Solution 2.b</a:t>
+              <a:t>Solution 2.a</a:t>
             </a:r>
           </a:p>
         </p:txBody>
@@ -27931,7 +32428,7 @@
         <p:spPr>
           <a:xfrm>
             <a:off x="381000" y="742950"/>
-            <a:ext cx="8382000" cy="2062103"/>
+            <a:ext cx="8382000" cy="1200329"/>
           </a:xfrm>
           <a:prstGeom prst="rect">
             <a:avLst/>
@@ -27949,8 +32446,8 @@
               <a:buChar char="•"/>
             </a:pPr>
             <a:r>
-              <a:rPr lang="en-US" sz="1600" dirty="0"/>
-              <a:t>Since the business needs to buy significant quantities of corn, it can hedge against rising corn price by taking up a position in the corn futures market.</a:t>
+              <a:rPr lang="en-US" dirty="0"/>
+              <a:t>Six significant risks to focus on were identified by Willis Report.</a:t>
             </a:r>
           </a:p>
           <a:p>
@@ -27959,32 +32456,69 @@
               <a:buChar char="•"/>
             </a:pPr>
             <a:r>
-              <a:rPr lang="en-US" sz="1600" dirty="0"/>
-              <a:t>The ideal hedging strategy would be an extended futures position.</a:t>
-            </a:r>
-          </a:p>
-          <a:p>
-            <a:pPr marL="285750" indent="-285750">
-              <a:buFont typeface="Arial" panose="020B0604020202020204" pitchFamily="34" charset="0"/>
-              <a:buChar char="•"/>
-            </a:pPr>
-            <a:r>
-              <a:rPr lang="en-US" sz="1600" dirty="0"/>
-              <a:t>The quality risk associated with wheat could be evaluated to enter a strike price lesser than 202 USD per bushel. USD 1.98mn can be saved by entering at a strike price of 202 USD.</a:t>
-            </a:r>
-          </a:p>
-          <a:p>
-            <a:pPr marL="285750" indent="-285750">
-              <a:buFont typeface="Arial" panose="020B0604020202020204" pitchFamily="34" charset="0"/>
-              <a:buChar char="•"/>
-            </a:pPr>
-            <a:r>
-              <a:rPr lang="en-US" sz="1600" dirty="0"/>
-              <a:t>A total of approximately $10mn can be saved by entering into a futures contract with a long hedge.</a:t>
-            </a:r>
-          </a:p>
-        </p:txBody>
-      </p:sp>
+              <a:rPr lang="en-US" dirty="0"/>
+              <a:t>Of those six, weather, inventory, and commodity are risks that would vary with the type of grain. We should also note that the impact and variance would be high in weather factor relative to inventory and commodity.</a:t>
+            </a:r>
+          </a:p>
+        </p:txBody>
+      </p:sp>
+      <p:sp>
+        <p:nvSpPr>
+          <p:cNvPr id="4" name="Footer Placeholder 3">
+            <a:extLst>
+              <a:ext uri="{FF2B5EF4-FFF2-40B4-BE49-F238E27FC236}">
+                <a16:creationId xmlns:a16="http://schemas.microsoft.com/office/drawing/2014/main" id="{D50F4AEC-A307-49A7-8493-7C34E52134CA}"/>
+              </a:ext>
+            </a:extLst>
+          </p:cNvPr>
+          <p:cNvSpPr>
+            <a:spLocks noGrp="1"/>
+          </p:cNvSpPr>
+          <p:nvPr>
+            <p:ph type="ftr" sz="quarter" idx="11"/>
+          </p:nvPr>
+        </p:nvSpPr>
+        <p:spPr/>
+        <p:txBody>
+          <a:bodyPr/>
+          <a:lstStyle/>
+          <a:p>
+            <a:r>
+              <a:rPr lang="en-US"/>
+              <a:t>Team The Good Karma - PRMIA 2019</a:t>
+            </a:r>
+            <a:endParaRPr lang="en-US" dirty="0"/>
+          </a:p>
+        </p:txBody>
+      </p:sp>
+      <p:graphicFrame>
+        <p:nvGraphicFramePr>
+          <p:cNvPr id="6" name="Diagram 5">
+            <a:extLst>
+              <a:ext uri="{FF2B5EF4-FFF2-40B4-BE49-F238E27FC236}">
+                <a16:creationId xmlns:a16="http://schemas.microsoft.com/office/drawing/2014/main" id="{EBF84227-D766-4346-B425-E253A51E3B0F}"/>
+              </a:ext>
+            </a:extLst>
+          </p:cNvPr>
+          <p:cNvGraphicFramePr/>
+          <p:nvPr>
+            <p:extLst>
+              <p:ext uri="{D42A27DB-BD31-4B8C-83A1-F6EECF244321}">
+                <p14:modId xmlns:p14="http://schemas.microsoft.com/office/powerpoint/2010/main" val="2835000228"/>
+              </p:ext>
+            </p:extLst>
+          </p:nvPr>
+        </p:nvGraphicFramePr>
+        <p:xfrm>
+          <a:off x="1524000" y="2481700"/>
+          <a:ext cx="6096000" cy="1498600"/>
+        </p:xfrm>
+        <a:graphic>
+          <a:graphicData uri="http://schemas.openxmlformats.org/drawingml/2006/diagram">
+            <dgm:relIds xmlns:dgm="http://schemas.openxmlformats.org/drawingml/2006/diagram" xmlns:r="http://schemas.openxmlformats.org/officeDocument/2006/relationships" r:dm="rId2" r:lo="rId3" r:qs="rId4" r:cs="rId5"/>
+          </a:graphicData>
+        </a:graphic>
+      </p:graphicFrame>
     </p:spTree>
     <p:extLst>
       <p:ext uri="{BB962C8B-B14F-4D97-AF65-F5344CB8AC3E}">
@@ -28020,7 +32554,7 @@
           <p:cNvPr id="2" name="Title 1">
             <a:extLst>
               <a:ext uri="{FF2B5EF4-FFF2-40B4-BE49-F238E27FC236}">
-                <a16:creationId xmlns:a16="http://schemas.microsoft.com/office/drawing/2014/main" id="{D5239679-983C-411E-BBCD-4AE0F2853B3B}"/>
+                <a16:creationId xmlns:a16="http://schemas.microsoft.com/office/drawing/2014/main" id="{36714F18-1050-4DCD-9D8F-83836920A8C1}"/>
               </a:ext>
             </a:extLst>
           </p:cNvPr>
@@ -28031,29 +32565,83 @@
             <p:ph type="title"/>
           </p:nvPr>
         </p:nvSpPr>
-        <p:spPr>
-          <a:xfrm>
-            <a:off x="304800" y="266700"/>
-            <a:ext cx="6345936" cy="247650"/>
-          </a:xfrm>
-        </p:spPr>
+        <p:spPr/>
         <p:txBody>
           <a:bodyPr/>
           <a:lstStyle/>
           <a:p>
             <a:r>
               <a:rPr lang="en-US" b="1" dirty="0"/>
-              <a:t>Solution to case question 3.</a:t>
-            </a:r>
-          </a:p>
-        </p:txBody>
-      </p:sp>
-      <p:sp>
-        <p:nvSpPr>
-          <p:cNvPr id="3" name="Rectangle 2">
+              <a:t>The model assumptions and assessment.</a:t>
+            </a:r>
+          </a:p>
+        </p:txBody>
+      </p:sp>
+      <p:sp>
+        <p:nvSpPr>
+          <p:cNvPr id="3" name="Footer Placeholder 2">
             <a:extLst>
               <a:ext uri="{FF2B5EF4-FFF2-40B4-BE49-F238E27FC236}">
-                <a16:creationId xmlns:a16="http://schemas.microsoft.com/office/drawing/2014/main" id="{88541D4A-71ED-4D44-A95B-5A95F0F3A281}"/>
+                <a16:creationId xmlns:a16="http://schemas.microsoft.com/office/drawing/2014/main" id="{F819AD1F-A770-4B6C-BFFB-CBDA894702C0}"/>
+              </a:ext>
+            </a:extLst>
+          </p:cNvPr>
+          <p:cNvSpPr>
+            <a:spLocks noGrp="1"/>
+          </p:cNvSpPr>
+          <p:nvPr>
+            <p:ph type="ftr" sz="quarter" idx="11"/>
+          </p:nvPr>
+        </p:nvSpPr>
+        <p:spPr/>
+        <p:txBody>
+          <a:bodyPr/>
+          <a:lstStyle/>
+          <a:p>
+            <a:r>
+              <a:rPr lang="en-US"/>
+              <a:t>Team The Good Karma - PRMIA 2019</a:t>
+            </a:r>
+            <a:endParaRPr lang="en-US" dirty="0"/>
+          </a:p>
+        </p:txBody>
+      </p:sp>
+      <p:sp>
+        <p:nvSpPr>
+          <p:cNvPr id="4" name="Slide Number Placeholder 3">
+            <a:extLst>
+              <a:ext uri="{FF2B5EF4-FFF2-40B4-BE49-F238E27FC236}">
+                <a16:creationId xmlns:a16="http://schemas.microsoft.com/office/drawing/2014/main" id="{24504DC2-276C-4D7D-ADD8-2943AA55D0A7}"/>
+              </a:ext>
+            </a:extLst>
+          </p:cNvPr>
+          <p:cNvSpPr>
+            <a:spLocks noGrp="1"/>
+          </p:cNvSpPr>
+          <p:nvPr>
+            <p:ph type="sldNum" sz="quarter" idx="12"/>
+          </p:nvPr>
+        </p:nvSpPr>
+        <p:spPr/>
+        <p:txBody>
+          <a:bodyPr/>
+          <a:lstStyle/>
+          <a:p>
+            <a:fld id="{D626626A-31BC-42D5-8B98-F47D2A66E9E4}" type="slidenum">
+              <a:rPr lang="en-US" smtClean="0"/>
+              <a:pPr/>
+              <a:t>6</a:t>
+            </a:fld>
+            <a:endParaRPr lang="en-US" dirty="0"/>
+          </a:p>
+        </p:txBody>
+      </p:sp>
+      <p:sp>
+        <p:nvSpPr>
+          <p:cNvPr id="5" name="Rectangle 4">
+            <a:extLst>
+              <a:ext uri="{FF2B5EF4-FFF2-40B4-BE49-F238E27FC236}">
+                <a16:creationId xmlns:a16="http://schemas.microsoft.com/office/drawing/2014/main" id="{2F539122-E55F-46BB-9514-68B4721A0D74}"/>
               </a:ext>
             </a:extLst>
           </p:cNvPr>
@@ -28092,52 +32680,17 @@
             <a:pPr algn="ctr"/>
             <a:r>
               <a:rPr lang="en-US" sz="1200" i="1" dirty="0"/>
-              <a:t>Solution 3</a:t>
-            </a:r>
-          </a:p>
-        </p:txBody>
-      </p:sp>
-      <p:sp>
-        <p:nvSpPr>
-          <p:cNvPr id="29" name="Slide Number Placeholder 4">
+              <a:t>Solution 2.a</a:t>
+            </a:r>
+          </a:p>
+        </p:txBody>
+      </p:sp>
+      <p:sp>
+        <p:nvSpPr>
+          <p:cNvPr id="6" name="TextBox 5">
             <a:extLst>
               <a:ext uri="{FF2B5EF4-FFF2-40B4-BE49-F238E27FC236}">
-                <a16:creationId xmlns:a16="http://schemas.microsoft.com/office/drawing/2014/main" id="{F50B6B06-CB35-47EB-ABA5-1A6B5DC3C0FC}"/>
-              </a:ext>
-            </a:extLst>
-          </p:cNvPr>
-          <p:cNvSpPr>
-            <a:spLocks noGrp="1"/>
-          </p:cNvSpPr>
-          <p:nvPr>
-            <p:ph type="sldNum" sz="quarter" idx="12"/>
-          </p:nvPr>
-        </p:nvSpPr>
-        <p:spPr>
-          <a:xfrm>
-            <a:off x="7872984" y="4780026"/>
-            <a:ext cx="950976" cy="102870"/>
-          </a:xfrm>
-        </p:spPr>
-        <p:txBody>
-          <a:bodyPr/>
-          <a:lstStyle/>
-          <a:p>
-            <a:fld id="{D626626A-31BC-42D5-8B98-F47D2A66E9E4}" type="slidenum">
-              <a:rPr lang="en-US" smtClean="0"/>
-              <a:pPr/>
-              <a:t>6</a:t>
-            </a:fld>
-            <a:endParaRPr lang="en-US" dirty="0"/>
-          </a:p>
-        </p:txBody>
-      </p:sp>
-      <p:sp>
-        <p:nvSpPr>
-          <p:cNvPr id="5" name="TextBox 4">
-            <a:extLst>
-              <a:ext uri="{FF2B5EF4-FFF2-40B4-BE49-F238E27FC236}">
-                <a16:creationId xmlns:a16="http://schemas.microsoft.com/office/drawing/2014/main" id="{41F3AEBF-82F2-4D6E-9759-7A3D598A1818}"/>
+                <a16:creationId xmlns:a16="http://schemas.microsoft.com/office/drawing/2014/main" id="{C590063D-EB48-4495-AE51-BD62C4CFC00E}"/>
               </a:ext>
             </a:extLst>
           </p:cNvPr>
@@ -28147,7 +32700,7 @@
         <p:spPr>
           <a:xfrm>
             <a:off x="381000" y="742950"/>
-            <a:ext cx="8382000" cy="5016758"/>
+            <a:ext cx="8382000" cy="2862322"/>
           </a:xfrm>
           <a:prstGeom prst="rect">
             <a:avLst/>
@@ -28165,8 +32718,8 @@
               <a:buChar char="•"/>
             </a:pPr>
             <a:r>
-              <a:rPr lang="en-US" sz="1550" dirty="0"/>
-              <a:t>While UGG was analyzing weather risks, they found that four variables - precipitation in June &amp; July, and average temperatures in February &amp; September, explained 85% variation in crop yields. </a:t>
+              <a:rPr lang="en-US" dirty="0"/>
+              <a:t>From the 1998 data, we can estimate the % contribution to revenue of each business function and allocate risk accordingly.</a:t>
             </a:r>
           </a:p>
           <a:p>
@@ -28175,8 +32728,8 @@
               <a:buChar char="•"/>
             </a:pPr>
             <a:r>
-              <a:rPr lang="en-US" sz="1550" dirty="0"/>
-              <a:t>The crop yields, i.e., the yields as a function of the four variables, were then used to model the variation in earnings of UGG’s grain handling.</a:t>
+              <a:rPr lang="en-US" dirty="0"/>
+              <a:t>Since the government issuing a floor price regulates the board grain prices, its price fluctuation will be less and the impact on UGG’s revenue also will be less.</a:t>
             </a:r>
           </a:p>
           <a:p>
@@ -28185,9 +32738,10 @@
               <a:buChar char="•"/>
             </a:pPr>
             <a:r>
-              <a:rPr lang="en-US" sz="1550" dirty="0"/>
-              <a:t>In the model which explains the earnings, crop yields are explaining 94% of the variation in the earnings.</a:t>
-            </a:r>
+              <a:rPr lang="en-US" dirty="0"/>
+              <a:t>Risks associated with board and non-board grains are significantly different and need to be calculated separately.</a:t>
+            </a:r>
+            <a:endParaRPr lang="en-US" sz="1600" dirty="0"/>
           </a:p>
           <a:p>
             <a:pPr marL="285750" indent="-285750">
@@ -28195,28 +32749,8 @@
               <a:buChar char="•"/>
             </a:pPr>
             <a:r>
-              <a:rPr lang="en-US" sz="1550" dirty="0"/>
-              <a:t>There are multiple pitfalls to a model that explains earnings</a:t>
-            </a:r>
-          </a:p>
-          <a:p>
-            <a:pPr marL="742950" lvl="1" indent="-285750">
-              <a:buFont typeface="Courier New" panose="02070309020205020404" pitchFamily="49" charset="0"/>
-              <a:buChar char="o"/>
-            </a:pPr>
-            <a:r>
-              <a:rPr lang="en-US" sz="1550" dirty="0"/>
-              <a:t>The uncertainty of earnings increases for each year in the forecast.</a:t>
-            </a:r>
-          </a:p>
-          <a:p>
-            <a:pPr marL="742950" lvl="1" indent="-285750">
-              <a:buFont typeface="Courier New" panose="02070309020205020404" pitchFamily="49" charset="0"/>
-              <a:buChar char="o"/>
-            </a:pPr>
-            <a:r>
-              <a:rPr lang="en-US" sz="1550" dirty="0"/>
-              <a:t>The sensitivity of growth rate assumption.</a:t>
+              <a:rPr lang="en-US" dirty="0"/>
+              <a:t>The price variation of each crop within the business functions, because the weather conditions will affect each yield differently.</a:t>
             </a:r>
           </a:p>
           <a:p>
@@ -28225,67 +32759,56 @@
               <a:buChar char="•"/>
             </a:pPr>
             <a:r>
-              <a:rPr lang="en-US" sz="1550" dirty="0"/>
-              <a:t>If these conditions are fulfilled, an insurer could provide unlimited protection for a crop.</a:t>
-            </a:r>
-          </a:p>
-          <a:p>
-            <a:pPr marL="742950" lvl="1" indent="-285750">
-              <a:buFont typeface="Arial" panose="020B0604020202020204" pitchFamily="34" charset="0"/>
-              <a:buChar char="•"/>
-            </a:pPr>
-            <a:r>
-              <a:rPr lang="en-US" sz="1550" dirty="0"/>
-              <a:t>all risks must be accounted for, assuming negative results of all events outside control.</a:t>
-            </a:r>
-          </a:p>
-          <a:p>
-            <a:pPr marL="742950" lvl="1" indent="-285750">
-              <a:buFont typeface="Arial" panose="020B0604020202020204" pitchFamily="34" charset="0"/>
-              <a:buChar char="•"/>
-            </a:pPr>
-            <a:r>
-              <a:rPr lang="en-US" sz="1550" dirty="0"/>
-              <a:t>The risks to the crop should not be speculative, thus not making profits from those risks.</a:t>
-            </a:r>
-          </a:p>
-          <a:p>
-            <a:pPr marL="742950" lvl="1" indent="-285750">
-              <a:buFont typeface="Arial" panose="020B0604020202020204" pitchFamily="34" charset="0"/>
-              <a:buChar char="•"/>
-            </a:pPr>
-            <a:r>
-              <a:rPr lang="en-US" sz="1550" dirty="0"/>
-              <a:t>The premium should be affordable, which typically happens through government subsidies.</a:t>
-            </a:r>
-          </a:p>
-          <a:p>
-            <a:pPr marL="285750" indent="-285750">
-              <a:buFont typeface="Courier New" panose="02070309020205020404" pitchFamily="49" charset="0"/>
-              <a:buChar char="o"/>
-            </a:pPr>
-            <a:endParaRPr lang="en-US" sz="1550" dirty="0"/>
-          </a:p>
-          <a:p>
-            <a:pPr marL="742950" lvl="1" indent="-285750">
-              <a:buFont typeface="Courier New" panose="02070309020205020404" pitchFamily="49" charset="0"/>
-              <a:buChar char="o"/>
-            </a:pPr>
-            <a:endParaRPr lang="en-US" sz="1550" dirty="0"/>
-          </a:p>
-          <a:p>
-            <a:pPr marL="742950" lvl="1" indent="-285750">
-              <a:buFont typeface="Courier New" panose="02070309020205020404" pitchFamily="49" charset="0"/>
-              <a:buChar char="o"/>
-            </a:pPr>
-            <a:endParaRPr lang="en-US" sz="1550" dirty="0"/>
-          </a:p>
-        </p:txBody>
-      </p:sp>
+              <a:rPr lang="en-US" dirty="0"/>
+              <a:t>Assign the risk associated with each crop using probability.</a:t>
+            </a:r>
+            <a:endParaRPr lang="en-US" sz="1600" dirty="0"/>
+          </a:p>
+        </p:txBody>
+      </p:sp>
+      <p:pic>
+        <p:nvPicPr>
+          <p:cNvPr id="7" name="Picture 6" descr="cid:image001.jpg@01D4B0B5.2F566FB0">
+            <a:extLst>
+              <a:ext uri="{FF2B5EF4-FFF2-40B4-BE49-F238E27FC236}">
+                <a16:creationId xmlns:a16="http://schemas.microsoft.com/office/drawing/2014/main" id="{382E20BE-BB13-4C33-9EB9-C5CF040F9F37}"/>
+              </a:ext>
+            </a:extLst>
+          </p:cNvPr>
+          <p:cNvPicPr/>
+          <p:nvPr/>
+        </p:nvPicPr>
+        <p:blipFill>
+          <a:blip r:embed="rId2" r:link="rId3" cstate="print">
+            <a:extLst>
+              <a:ext uri="{28A0092B-C50C-407E-A947-70E740481C1C}">
+                <a14:useLocalDpi xmlns:a14="http://schemas.microsoft.com/office/drawing/2010/main" val="0"/>
+              </a:ext>
+            </a:extLst>
+          </a:blip>
+          <a:srcRect/>
+          <a:stretch>
+            <a:fillRect/>
+          </a:stretch>
+        </p:blipFill>
+        <p:spPr bwMode="auto">
+          <a:xfrm>
+            <a:off x="2438400" y="3603374"/>
+            <a:ext cx="3309885" cy="1345311"/>
+          </a:xfrm>
+          <a:prstGeom prst="rect">
+            <a:avLst/>
+          </a:prstGeom>
+          <a:noFill/>
+          <a:ln>
+            <a:noFill/>
+          </a:ln>
+        </p:spPr>
+      </p:pic>
     </p:spTree>
     <p:extLst>
       <p:ext uri="{BB962C8B-B14F-4D97-AF65-F5344CB8AC3E}">
-        <p14:creationId xmlns:p14="http://schemas.microsoft.com/office/powerpoint/2010/main" val="644466975"/>
+        <p14:creationId xmlns:p14="http://schemas.microsoft.com/office/powerpoint/2010/main" val="3986813523"/>
       </p:ext>
     </p:extLst>
   </p:cSld>
@@ -28317,7 +32840,7 @@
           <p:cNvPr id="2" name="Title 1">
             <a:extLst>
               <a:ext uri="{FF2B5EF4-FFF2-40B4-BE49-F238E27FC236}">
-                <a16:creationId xmlns:a16="http://schemas.microsoft.com/office/drawing/2014/main" id="{503DEA42-3262-4E5E-94FA-D81B6F3370D9}"/>
+                <a16:creationId xmlns:a16="http://schemas.microsoft.com/office/drawing/2014/main" id="{AC9F8FA8-D23B-4810-BE69-31EF25C10006}"/>
               </a:ext>
             </a:extLst>
           </p:cNvPr>
@@ -28328,24 +32851,29 @@
             <p:ph type="title"/>
           </p:nvPr>
         </p:nvSpPr>
-        <p:spPr/>
+        <p:spPr>
+          <a:xfrm>
+            <a:off x="304800" y="266700"/>
+            <a:ext cx="8153400" cy="681712"/>
+          </a:xfrm>
+        </p:spPr>
         <p:txBody>
           <a:bodyPr/>
           <a:lstStyle/>
           <a:p>
             <a:r>
-              <a:rPr lang="en-US" dirty="0"/>
-              <a:t>Appendix</a:t>
-            </a:r>
-          </a:p>
-        </p:txBody>
-      </p:sp>
-      <p:sp>
-        <p:nvSpPr>
-          <p:cNvPr id="6" name="Slide Number Placeholder 4">
+              <a:rPr lang="en-US" b="1" dirty="0"/>
+              <a:t>Corn and wheat prices generally tend to increase starting from November to March- April. Therefore, a general solution would be to enter into a futures contract with a long hedge starting from November till end of March</a:t>
+            </a:r>
+          </a:p>
+        </p:txBody>
+      </p:sp>
+      <p:sp>
+        <p:nvSpPr>
+          <p:cNvPr id="3" name="Footer Placeholder 2">
             <a:extLst>
               <a:ext uri="{FF2B5EF4-FFF2-40B4-BE49-F238E27FC236}">
-                <a16:creationId xmlns:a16="http://schemas.microsoft.com/office/drawing/2014/main" id="{2B6E984F-51AC-4867-8204-C9A48ABDC631}"/>
+                <a16:creationId xmlns:a16="http://schemas.microsoft.com/office/drawing/2014/main" id="{69D79042-10BD-4416-B5AA-12B36DA57DEC}"/>
               </a:ext>
             </a:extLst>
           </p:cNvPr>
@@ -28353,15 +32881,39 @@
             <a:spLocks noGrp="1"/>
           </p:cNvSpPr>
           <p:nvPr>
+            <p:ph type="ftr" sz="quarter" idx="11"/>
+          </p:nvPr>
+        </p:nvSpPr>
+        <p:spPr/>
+        <p:txBody>
+          <a:bodyPr/>
+          <a:lstStyle/>
+          <a:p>
+            <a:r>
+              <a:rPr lang="en-US"/>
+              <a:t>Team The Good Karma - PRMIA 2019</a:t>
+            </a:r>
+            <a:endParaRPr lang="en-US" dirty="0"/>
+          </a:p>
+        </p:txBody>
+      </p:sp>
+      <p:sp>
+        <p:nvSpPr>
+          <p:cNvPr id="4" name="Slide Number Placeholder 3">
+            <a:extLst>
+              <a:ext uri="{FF2B5EF4-FFF2-40B4-BE49-F238E27FC236}">
+                <a16:creationId xmlns:a16="http://schemas.microsoft.com/office/drawing/2014/main" id="{9252EF0F-CD63-41F7-961B-2EC9A0513A8B}"/>
+              </a:ext>
+            </a:extLst>
+          </p:cNvPr>
+          <p:cNvSpPr>
+            <a:spLocks noGrp="1"/>
+          </p:cNvSpPr>
+          <p:nvPr>
             <p:ph type="sldNum" sz="quarter" idx="12"/>
           </p:nvPr>
         </p:nvSpPr>
-        <p:spPr>
-          <a:xfrm>
-            <a:off x="7872984" y="4780026"/>
-            <a:ext cx="950976" cy="102870"/>
-          </a:xfrm>
-        </p:spPr>
+        <p:spPr/>
         <p:txBody>
           <a:bodyPr/>
           <a:lstStyle/>
@@ -28375,10 +32927,185 @@
           </a:p>
         </p:txBody>
       </p:sp>
+      <p:pic>
+        <p:nvPicPr>
+          <p:cNvPr id="6" name="Content Placeholder 5">
+            <a:extLst>
+              <a:ext uri="{FF2B5EF4-FFF2-40B4-BE49-F238E27FC236}">
+                <a16:creationId xmlns:a16="http://schemas.microsoft.com/office/drawing/2014/main" id="{EA63B92D-DCB2-44C9-9E94-A3A35AB53162}"/>
+              </a:ext>
+            </a:extLst>
+          </p:cNvPr>
+          <p:cNvPicPr>
+            <a:picLocks noGrp="1" noChangeAspect="1"/>
+          </p:cNvPicPr>
+          <p:nvPr>
+            <p:ph sz="quarter" idx="13"/>
+          </p:nvPr>
+        </p:nvPicPr>
+        <p:blipFill>
+          <a:blip r:embed="rId2"/>
+          <a:stretch>
+            <a:fillRect/>
+          </a:stretch>
+        </p:blipFill>
+        <p:spPr>
+          <a:xfrm>
+            <a:off x="249032" y="1473189"/>
+            <a:ext cx="4061270" cy="2594888"/>
+          </a:xfrm>
+          <a:prstGeom prst="rect">
+            <a:avLst/>
+          </a:prstGeom>
+        </p:spPr>
+      </p:pic>
+      <p:sp>
+        <p:nvSpPr>
+          <p:cNvPr id="7" name="TextBox 6">
+            <a:extLst>
+              <a:ext uri="{FF2B5EF4-FFF2-40B4-BE49-F238E27FC236}">
+                <a16:creationId xmlns:a16="http://schemas.microsoft.com/office/drawing/2014/main" id="{1FF81167-6819-4C1A-874A-D6BC5ABA6E16}"/>
+              </a:ext>
+            </a:extLst>
+          </p:cNvPr>
+          <p:cNvSpPr txBox="1"/>
+          <p:nvPr/>
+        </p:nvSpPr>
+        <p:spPr>
+          <a:xfrm>
+            <a:off x="228600" y="4120727"/>
+            <a:ext cx="8153400" cy="553998"/>
+          </a:xfrm>
+          <a:prstGeom prst="rect">
+            <a:avLst/>
+          </a:prstGeom>
+          <a:noFill/>
+        </p:spPr>
+        <p:txBody>
+          <a:bodyPr wrap="square" rtlCol="0">
+            <a:spAutoFit/>
+          </a:bodyPr>
+          <a:lstStyle/>
+          <a:p>
+            <a:r>
+              <a:rPr lang="en-US" sz="1000" dirty="0">
+                <a:hlinkClick r:id="rId3">
+                  <a:extLst>
+                    <a:ext uri="{A12FA001-AC4F-418D-AE19-62706E023703}">
+                      <ahyp:hlinkClr xmlns:ahyp="http://schemas.microsoft.com/office/drawing/2018/hyperlinkcolor" val="tx"/>
+                    </a:ext>
+                  </a:extLst>
+                </a:hlinkClick>
+              </a:rPr>
+              <a:t>References</a:t>
+            </a:r>
+          </a:p>
+          <a:p>
+            <a:r>
+              <a:rPr lang="en-US" sz="1000" dirty="0">
+                <a:hlinkClick r:id="rId3">
+                  <a:extLst>
+                    <a:ext uri="{A12FA001-AC4F-418D-AE19-62706E023703}">
+                      <ahyp:hlinkClr xmlns:ahyp="http://schemas.microsoft.com/office/drawing/2018/hyperlinkcolor" val="tx"/>
+                    </a:ext>
+                  </a:extLst>
+                </a:hlinkClick>
+              </a:rPr>
+              <a:t>https://farm.unl.edu/crop-price-patterns</a:t>
+            </a:r>
+            <a:endParaRPr lang="en-US" sz="1000" dirty="0"/>
+          </a:p>
+          <a:p>
+            <a:r>
+              <a:rPr lang="en-US" sz="1000" u="sng" dirty="0"/>
+              <a:t>https://www.agriculture.com/markets/analysis/crops/corn-soybean-seasonal-patterns-are-changing</a:t>
+            </a:r>
+          </a:p>
+        </p:txBody>
+      </p:sp>
+      <p:pic>
+        <p:nvPicPr>
+          <p:cNvPr id="8" name="Picture 7">
+            <a:extLst>
+              <a:ext uri="{FF2B5EF4-FFF2-40B4-BE49-F238E27FC236}">
+                <a16:creationId xmlns:a16="http://schemas.microsoft.com/office/drawing/2014/main" id="{ED1AFED3-8878-4BF9-935A-AD34D776C29E}"/>
+              </a:ext>
+            </a:extLst>
+          </p:cNvPr>
+          <p:cNvPicPr>
+            <a:picLocks noChangeAspect="1"/>
+          </p:cNvPicPr>
+          <p:nvPr/>
+        </p:nvPicPr>
+        <p:blipFill>
+          <a:blip r:embed="rId4"/>
+          <a:stretch>
+            <a:fillRect/>
+          </a:stretch>
+        </p:blipFill>
+        <p:spPr>
+          <a:xfrm>
+            <a:off x="4419600" y="1560958"/>
+            <a:ext cx="4154171" cy="2419350"/>
+          </a:xfrm>
+          <a:prstGeom prst="rect">
+            <a:avLst/>
+          </a:prstGeom>
+        </p:spPr>
+      </p:pic>
+      <p:sp>
+        <p:nvSpPr>
+          <p:cNvPr id="9" name="Rectangle 8">
+            <a:extLst>
+              <a:ext uri="{FF2B5EF4-FFF2-40B4-BE49-F238E27FC236}">
+                <a16:creationId xmlns:a16="http://schemas.microsoft.com/office/drawing/2014/main" id="{52A5281A-B1B8-4DC1-B8DA-40C791B0A1C4}"/>
+              </a:ext>
+            </a:extLst>
+          </p:cNvPr>
+          <p:cNvSpPr/>
+          <p:nvPr/>
+        </p:nvSpPr>
+        <p:spPr>
+          <a:xfrm>
+            <a:off x="7671547" y="-16809"/>
+            <a:ext cx="1472453" cy="312644"/>
+          </a:xfrm>
+          <a:prstGeom prst="rect">
+            <a:avLst/>
+          </a:prstGeom>
+        </p:spPr>
+        <p:style>
+          <a:lnRef idx="2">
+            <a:schemeClr val="accent1">
+              <a:shade val="50000"/>
+            </a:schemeClr>
+          </a:lnRef>
+          <a:fillRef idx="1">
+            <a:schemeClr val="accent1"/>
+          </a:fillRef>
+          <a:effectRef idx="0">
+            <a:schemeClr val="accent1"/>
+          </a:effectRef>
+          <a:fontRef idx="minor">
+            <a:schemeClr val="lt1"/>
+          </a:fontRef>
+        </p:style>
+        <p:txBody>
+          <a:bodyPr rtlCol="0" anchor="ctr"/>
+          <a:lstStyle/>
+          <a:p>
+            <a:pPr algn="ctr"/>
+            <a:r>
+              <a:rPr lang="en-US" sz="1200" i="1" dirty="0"/>
+              <a:t>Solution 2.b</a:t>
+            </a:r>
+          </a:p>
+        </p:txBody>
+      </p:sp>
     </p:spTree>
     <p:extLst>
       <p:ext uri="{BB962C8B-B14F-4D97-AF65-F5344CB8AC3E}">
-        <p14:creationId xmlns:p14="http://schemas.microsoft.com/office/powerpoint/2010/main" val="2343330574"/>
+        <p14:creationId xmlns:p14="http://schemas.microsoft.com/office/powerpoint/2010/main" val="3642148234"/>
       </p:ext>
     </p:extLst>
   </p:cSld>
@@ -28410,7 +33137,7 @@
           <p:cNvPr id="2" name="Title 1">
             <a:extLst>
               <a:ext uri="{FF2B5EF4-FFF2-40B4-BE49-F238E27FC236}">
-                <a16:creationId xmlns:a16="http://schemas.microsoft.com/office/drawing/2014/main" id="{4C7E715E-BAEC-49FB-A0B8-BFD9B081033C}"/>
+                <a16:creationId xmlns:a16="http://schemas.microsoft.com/office/drawing/2014/main" id="{D5239679-983C-411E-BBCD-4AE0F2853B3B}"/>
               </a:ext>
             </a:extLst>
           </p:cNvPr>
@@ -28421,27 +33148,81 @@
             <p:ph type="title"/>
           </p:nvPr>
         </p:nvSpPr>
-        <p:spPr/>
+        <p:spPr>
+          <a:xfrm>
+            <a:off x="304800" y="266700"/>
+            <a:ext cx="7315200" cy="247650"/>
+          </a:xfrm>
+        </p:spPr>
         <p:txBody>
           <a:bodyPr/>
           <a:lstStyle/>
           <a:p>
             <a:r>
-              <a:rPr lang="en-US" dirty="0"/>
-              <a:t>References</a:t>
-            </a:r>
-          </a:p>
-        </p:txBody>
-      </p:sp>
-      <p:sp>
-        <p:nvSpPr>
-          <p:cNvPr id="4" name="Slide Number Placeholder 3">
+              <a:rPr lang="en-US" b="1" dirty="0"/>
+              <a:t>The most effective hedging strategy corn and wheat.</a:t>
+            </a:r>
+          </a:p>
+        </p:txBody>
+      </p:sp>
+      <p:sp>
+        <p:nvSpPr>
+          <p:cNvPr id="3" name="Rectangle 2">
             <a:extLst>
               <a:ext uri="{FF2B5EF4-FFF2-40B4-BE49-F238E27FC236}">
-                <a16:creationId xmlns:a16="http://schemas.microsoft.com/office/drawing/2014/main" id="{18E6CA86-05F9-438D-A860-057B555D83F0}"/>
+                <a16:creationId xmlns:a16="http://schemas.microsoft.com/office/drawing/2014/main" id="{88541D4A-71ED-4D44-A95B-5A95F0F3A281}"/>
               </a:ext>
             </a:extLst>
           </p:cNvPr>
+          <p:cNvSpPr/>
+          <p:nvPr/>
+        </p:nvSpPr>
+        <p:spPr>
+          <a:xfrm>
+            <a:off x="7671547" y="-16809"/>
+            <a:ext cx="1472453" cy="312644"/>
+          </a:xfrm>
+          <a:prstGeom prst="rect">
+            <a:avLst/>
+          </a:prstGeom>
+        </p:spPr>
+        <p:style>
+          <a:lnRef idx="2">
+            <a:schemeClr val="accent1">
+              <a:shade val="50000"/>
+            </a:schemeClr>
+          </a:lnRef>
+          <a:fillRef idx="1">
+            <a:schemeClr val="accent1"/>
+          </a:fillRef>
+          <a:effectRef idx="0">
+            <a:schemeClr val="accent1"/>
+          </a:effectRef>
+          <a:fontRef idx="minor">
+            <a:schemeClr val="lt1"/>
+          </a:fontRef>
+        </p:style>
+        <p:txBody>
+          <a:bodyPr rtlCol="0" anchor="ctr"/>
+          <a:lstStyle/>
+          <a:p>
+            <a:pPr algn="ctr"/>
+            <a:r>
+              <a:rPr lang="en-US" sz="1200" i="1" dirty="0"/>
+              <a:t>Solution 2.b</a:t>
+            </a:r>
+          </a:p>
+        </p:txBody>
+      </p:sp>
+      <p:sp>
+        <p:nvSpPr>
+          <p:cNvPr id="29" name="Slide Number Placeholder 4">
+            <a:extLst>
+              <a:ext uri="{FF2B5EF4-FFF2-40B4-BE49-F238E27FC236}">
+                <a16:creationId xmlns:a16="http://schemas.microsoft.com/office/drawing/2014/main" id="{F50B6B06-CB35-47EB-ABA5-1A6B5DC3C0FC}"/>
+              </a:ext>
+            </a:extLst>
+          </p:cNvPr>
           <p:cNvSpPr>
             <a:spLocks noGrp="1"/>
           </p:cNvSpPr>
@@ -28449,7 +33230,12 @@
             <p:ph type="sldNum" sz="quarter" idx="12"/>
           </p:nvPr>
         </p:nvSpPr>
-        <p:spPr/>
+        <p:spPr>
+          <a:xfrm>
+            <a:off x="7872984" y="4780026"/>
+            <a:ext cx="950976" cy="102870"/>
+          </a:xfrm>
+        </p:spPr>
         <p:txBody>
           <a:bodyPr/>
           <a:lstStyle/>
@@ -28465,28 +33251,30 @@
       </p:sp>
       <p:sp>
         <p:nvSpPr>
-          <p:cNvPr id="5" name="Content Placeholder 4">
+          <p:cNvPr id="5" name="TextBox 4">
             <a:extLst>
               <a:ext uri="{FF2B5EF4-FFF2-40B4-BE49-F238E27FC236}">
-                <a16:creationId xmlns:a16="http://schemas.microsoft.com/office/drawing/2014/main" id="{20FDA6D5-BF1A-478A-A577-42A79A2D08FF}"/>
+                <a16:creationId xmlns:a16="http://schemas.microsoft.com/office/drawing/2014/main" id="{030BEB42-826E-402F-8C76-65DD5CA43F1D}"/>
               </a:ext>
             </a:extLst>
           </p:cNvPr>
-          <p:cNvSpPr>
-            <a:spLocks noGrp="1"/>
-          </p:cNvSpPr>
-          <p:nvPr>
-            <p:ph sz="quarter" idx="13"/>
-          </p:nvPr>
+          <p:cNvSpPr txBox="1"/>
+          <p:nvPr/>
         </p:nvSpPr>
         <p:spPr>
           <a:xfrm>
-            <a:off x="290179" y="808482"/>
-            <a:ext cx="8519160" cy="2601468"/>
+            <a:off x="381000" y="742950"/>
+            <a:ext cx="8382000" cy="3693319"/>
           </a:xfrm>
+          <a:prstGeom prst="rect">
+            <a:avLst/>
+          </a:prstGeom>
+          <a:noFill/>
         </p:spPr>
         <p:txBody>
-          <a:bodyPr anchor="ctr"/>
+          <a:bodyPr wrap="square" rtlCol="0">
+            <a:spAutoFit/>
+          </a:bodyPr>
           <a:lstStyle/>
           <a:p>
             <a:pPr marL="285750" indent="-285750">
@@ -28494,8 +33282,8 @@
               <a:buChar char="•"/>
             </a:pPr>
             <a:r>
-              <a:rPr lang="en-US" sz="1600" dirty="0"/>
-              <a:t>Takeover Defenses Work. Is That Such a Bad Thing? Mark Gordon</a:t>
+              <a:rPr lang="en-US" dirty="0"/>
+              <a:t>Ideal hedging strategy would be extended futures position for $500mn portfolio.</a:t>
             </a:r>
           </a:p>
           <a:p>
@@ -28504,29 +33292,291 @@
               <a:buChar char="•"/>
             </a:pPr>
             <a:r>
-              <a:rPr lang="en-US" sz="1600" dirty="0"/>
-              <a:t>Pearce, John &amp; Jr. Robinson, Richard. (2004). Hostile takeover defenses that maximize shareholder wealth. Business Horizons. 47. 15-24. 10.1016/j.bushor.2004.07.004.</a:t>
-            </a:r>
-          </a:p>
+              <a:rPr lang="en-US" dirty="0"/>
+              <a:t>Corn:</a:t>
+            </a:r>
+          </a:p>
+          <a:p>
+            <a:pPr marL="742950" lvl="1" indent="-285750">
+              <a:buFont typeface="Arial" panose="020B0604020202020204" pitchFamily="34" charset="0"/>
+              <a:buChar char="•"/>
+            </a:pPr>
+            <a:r>
+              <a:rPr lang="en-US" dirty="0"/>
+              <a:t>A 60% corn portfolio implies a USD 300mn portfolio. A price rise of 10 cents would impact the portfolio negatively by nearly USD 8mn.</a:t>
+            </a:r>
+          </a:p>
+          <a:p>
+            <a:pPr marL="742950" lvl="1" indent="-285750">
+              <a:buFont typeface="Arial" panose="020B0604020202020204" pitchFamily="34" charset="0"/>
+              <a:buChar char="•"/>
+            </a:pPr>
+            <a:r>
+              <a:rPr lang="en-US" dirty="0"/>
+              <a:t>Hedge against rising corn price by taking up a position in the corn futures market.</a:t>
+            </a:r>
+          </a:p>
+          <a:p>
+            <a:pPr marL="742950" lvl="1" indent="-285750">
+              <a:buFont typeface="Arial" panose="020B0604020202020204" pitchFamily="34" charset="0"/>
+              <a:buChar char="•"/>
+            </a:pPr>
+            <a:r>
+              <a:rPr lang="en-US" dirty="0"/>
+              <a:t>To implement the long hedge, enough corn futures are to be purchased to cover the quantity of corn needed for the business and should be stored for more than a month.</a:t>
+            </a:r>
+          </a:p>
+          <a:p>
+            <a:pPr marL="742950" lvl="1" indent="-285750">
+              <a:buFont typeface="Arial" panose="020B0604020202020204" pitchFamily="34" charset="0"/>
+              <a:buChar char="•"/>
+            </a:pPr>
+            <a:r>
+              <a:rPr lang="en-US" dirty="0"/>
+              <a:t>To protect against this price rise, an extended futures position can be entered at 3.72 USD per bushel or lower if possible.</a:t>
+            </a:r>
+          </a:p>
+          <a:p>
+            <a:pPr marL="742950" lvl="1" indent="-285750">
+              <a:buFont typeface="Arial" panose="020B0604020202020204" pitchFamily="34" charset="0"/>
+              <a:buChar char="•"/>
+            </a:pPr>
+            <a:r>
+              <a:rPr lang="en-US" dirty="0"/>
+              <a:t>By entering into this agreement, USD 8mn or more can be saved.</a:t>
+            </a:r>
+          </a:p>
+        </p:txBody>
+      </p:sp>
+      <p:sp>
+        <p:nvSpPr>
+          <p:cNvPr id="4" name="Footer Placeholder 3">
+            <a:extLst>
+              <a:ext uri="{FF2B5EF4-FFF2-40B4-BE49-F238E27FC236}">
+                <a16:creationId xmlns:a16="http://schemas.microsoft.com/office/drawing/2014/main" id="{AE3CCCE7-89D1-47C0-AAB8-B51BF1D994B0}"/>
+              </a:ext>
+            </a:extLst>
+          </p:cNvPr>
+          <p:cNvSpPr>
+            <a:spLocks noGrp="1"/>
+          </p:cNvSpPr>
+          <p:nvPr>
+            <p:ph type="ftr" sz="quarter" idx="11"/>
+          </p:nvPr>
+        </p:nvSpPr>
+        <p:spPr/>
+        <p:txBody>
+          <a:bodyPr/>
+          <a:lstStyle/>
+          <a:p>
+            <a:r>
+              <a:rPr lang="en-US"/>
+              <a:t>Team The Good Karma - PRMIA 2019</a:t>
+            </a:r>
+            <a:endParaRPr lang="en-US" dirty="0"/>
+          </a:p>
+        </p:txBody>
+      </p:sp>
+    </p:spTree>
+    <p:extLst>
+      <p:ext uri="{BB962C8B-B14F-4D97-AF65-F5344CB8AC3E}">
+        <p14:creationId xmlns:p14="http://schemas.microsoft.com/office/powerpoint/2010/main" val="3140514190"/>
+      </p:ext>
+    </p:extLst>
+  </p:cSld>
+  <p:clrMapOvr>
+    <a:masterClrMapping/>
+  </p:clrMapOvr>
+</p:sld>
+</file>
+
+<file path=ppt/slides/slide9.xml><?xml version="1.0" encoding="utf-8"?>
+<p:sld xmlns:a="http://schemas.openxmlformats.org/drawingml/2006/main" xmlns:r="http://schemas.openxmlformats.org/officeDocument/2006/relationships" xmlns:p="http://schemas.openxmlformats.org/presentationml/2006/main">
+  <p:cSld>
+    <p:spTree>
+      <p:nvGrpSpPr>
+        <p:cNvPr id="1" name=""/>
+        <p:cNvGrpSpPr/>
+        <p:nvPr/>
+      </p:nvGrpSpPr>
+      <p:grpSpPr>
+        <a:xfrm>
+          <a:off x="0" y="0"/>
+          <a:ext cx="0" cy="0"/>
+          <a:chOff x="0" y="0"/>
+          <a:chExt cx="0" cy="0"/>
+        </a:xfrm>
+      </p:grpSpPr>
+      <p:sp>
+        <p:nvSpPr>
+          <p:cNvPr id="3" name="Footer Placeholder 2">
+            <a:extLst>
+              <a:ext uri="{FF2B5EF4-FFF2-40B4-BE49-F238E27FC236}">
+                <a16:creationId xmlns:a16="http://schemas.microsoft.com/office/drawing/2014/main" id="{509B0F7D-AE23-40EE-824A-3BECA8F54471}"/>
+              </a:ext>
+            </a:extLst>
+          </p:cNvPr>
+          <p:cNvSpPr>
+            <a:spLocks noGrp="1"/>
+          </p:cNvSpPr>
+          <p:nvPr>
+            <p:ph type="ftr" sz="quarter" idx="11"/>
+          </p:nvPr>
+        </p:nvSpPr>
+        <p:spPr/>
+        <p:txBody>
+          <a:bodyPr/>
+          <a:lstStyle/>
+          <a:p>
+            <a:r>
+              <a:rPr lang="en-US"/>
+              <a:t>Team The Good Karma - PRMIA 2019</a:t>
+            </a:r>
+            <a:endParaRPr lang="en-US" dirty="0"/>
+          </a:p>
+        </p:txBody>
+      </p:sp>
+      <p:sp>
+        <p:nvSpPr>
+          <p:cNvPr id="4" name="Slide Number Placeholder 3">
+            <a:extLst>
+              <a:ext uri="{FF2B5EF4-FFF2-40B4-BE49-F238E27FC236}">
+                <a16:creationId xmlns:a16="http://schemas.microsoft.com/office/drawing/2014/main" id="{FFDA4925-582A-4533-8835-B913199E8463}"/>
+              </a:ext>
+            </a:extLst>
+          </p:cNvPr>
+          <p:cNvSpPr>
+            <a:spLocks noGrp="1"/>
+          </p:cNvSpPr>
+          <p:nvPr>
+            <p:ph type="sldNum" sz="quarter" idx="12"/>
+          </p:nvPr>
+        </p:nvSpPr>
+        <p:spPr/>
+        <p:txBody>
+          <a:bodyPr/>
+          <a:lstStyle/>
+          <a:p>
+            <a:fld id="{D626626A-31BC-42D5-8B98-F47D2A66E9E4}" type="slidenum">
+              <a:rPr lang="en-US" smtClean="0"/>
+              <a:pPr/>
+              <a:t>9</a:t>
+            </a:fld>
+            <a:endParaRPr lang="en-US" dirty="0"/>
+          </a:p>
+        </p:txBody>
+      </p:sp>
+      <p:sp>
+        <p:nvSpPr>
+          <p:cNvPr id="5" name="Title 1">
+            <a:extLst>
+              <a:ext uri="{FF2B5EF4-FFF2-40B4-BE49-F238E27FC236}">
+                <a16:creationId xmlns:a16="http://schemas.microsoft.com/office/drawing/2014/main" id="{CC5D72EF-CCCA-49C3-85FF-DCC58FEC5F13}"/>
+              </a:ext>
+            </a:extLst>
+          </p:cNvPr>
+          <p:cNvSpPr>
+            <a:spLocks noGrp="1"/>
+          </p:cNvSpPr>
+          <p:nvPr>
+            <p:ph type="title"/>
+          </p:nvPr>
+        </p:nvSpPr>
+        <p:spPr>
+          <a:xfrm>
+            <a:off x="304800" y="266700"/>
+            <a:ext cx="7315200" cy="247650"/>
+          </a:xfrm>
+        </p:spPr>
+        <p:txBody>
+          <a:bodyPr/>
+          <a:lstStyle/>
+          <a:p>
+            <a:r>
+              <a:rPr lang="en-US" b="1" dirty="0"/>
+              <a:t>The most effective hedging strategy corn and wheat (</a:t>
+            </a:r>
+            <a:r>
+              <a:rPr lang="en-US" b="1" dirty="0" err="1"/>
+              <a:t>cnt</a:t>
+            </a:r>
+            <a:r>
+              <a:rPr lang="en-US" b="1" dirty="0"/>
+              <a:t>…)</a:t>
+            </a:r>
+          </a:p>
+        </p:txBody>
+      </p:sp>
+      <p:sp>
+        <p:nvSpPr>
+          <p:cNvPr id="6" name="TextBox 5">
+            <a:extLst>
+              <a:ext uri="{FF2B5EF4-FFF2-40B4-BE49-F238E27FC236}">
+                <a16:creationId xmlns:a16="http://schemas.microsoft.com/office/drawing/2014/main" id="{7956658E-2219-46E0-99AC-3CBFE3ED6C41}"/>
+              </a:ext>
+            </a:extLst>
+          </p:cNvPr>
+          <p:cNvSpPr txBox="1"/>
+          <p:nvPr/>
+        </p:nvSpPr>
+        <p:spPr>
+          <a:xfrm>
+            <a:off x="381000" y="742950"/>
+            <a:ext cx="8382000" cy="2862322"/>
+          </a:xfrm>
+          <a:prstGeom prst="rect">
+            <a:avLst/>
+          </a:prstGeom>
+          <a:noFill/>
+        </p:spPr>
+        <p:txBody>
+          <a:bodyPr wrap="square" rtlCol="0">
+            <a:spAutoFit/>
+          </a:bodyPr>
+          <a:lstStyle/>
           <a:p>
             <a:pPr marL="285750" indent="-285750">
               <a:buFont typeface="Arial" panose="020B0604020202020204" pitchFamily="34" charset="0"/>
               <a:buChar char="•"/>
             </a:pPr>
             <a:r>
-              <a:rPr lang="en-US" sz="1600" dirty="0"/>
-              <a:t>Top 3 Pitfalls of Discounted Cash Flow Analysis (</a:t>
-            </a:r>
-            <a:r>
-              <a:rPr lang="en-US" sz="1600" dirty="0">
-                <a:hlinkClick r:id="rId2"/>
-              </a:rPr>
-              <a:t>www.investopedia.com</a:t>
-            </a:r>
-            <a:r>
-              <a:rPr lang="en-US" sz="1600" dirty="0"/>
-              <a:t>)</a:t>
-            </a:r>
+              <a:rPr lang="en-US" dirty="0"/>
+              <a:t>Winter Wheat:</a:t>
+            </a:r>
+          </a:p>
+          <a:p>
+            <a:pPr marL="742950" lvl="1" indent="-285750">
+              <a:buFont typeface="Arial" panose="020B0604020202020204" pitchFamily="34" charset="0"/>
+              <a:buChar char="•"/>
+            </a:pPr>
+            <a:r>
+              <a:rPr lang="en-US" dirty="0"/>
+              <a:t>The price of wheat is 202 USD per mt as of Dec 3rd, 2018. It rose to a cost of 204 USD per mt as of Jan 20th, 2019.</a:t>
+            </a:r>
+          </a:p>
+          <a:p>
+            <a:pPr marL="742950" lvl="1" indent="-285750">
+              <a:buFont typeface="Arial" panose="020B0604020202020204" pitchFamily="34" charset="0"/>
+              <a:buChar char="•"/>
+            </a:pPr>
+            <a:r>
+              <a:rPr lang="en-US" dirty="0"/>
+              <a:t>The quality risk associated with wheat could be evaluated to enter a strike price lesser than 202 USD per mt.</a:t>
+            </a:r>
+          </a:p>
+          <a:p>
+            <a:pPr marL="742950" lvl="1" indent="-285750">
+              <a:buFont typeface="Arial" panose="020B0604020202020204" pitchFamily="34" charset="0"/>
+              <a:buChar char="•"/>
+            </a:pPr>
+            <a:r>
+              <a:rPr lang="en-US" dirty="0"/>
+              <a:t>USD 1.98mn can be saved by entering at a strike price of 202 USD per mt.</a:t>
+            </a:r>
+          </a:p>
+          <a:p>
+            <a:pPr lvl="1"/>
+            <a:endParaRPr lang="en-US" dirty="0"/>
           </a:p>
           <a:p>
             <a:pPr marL="285750" indent="-285750">
@@ -28534,41 +33584,81 @@
               <a:buChar char="•"/>
             </a:pPr>
             <a:r>
-              <a:rPr lang="en-US" sz="1600" dirty="0"/>
-              <a:t>An Improved Earnings Forecasting Model, Richard D.F. Harris &amp; </a:t>
-            </a:r>
-            <a:r>
-              <a:rPr lang="en-US" sz="1600" dirty="0" err="1"/>
-              <a:t>Pengguo</a:t>
-            </a:r>
-            <a:r>
-              <a:rPr lang="en-US" sz="1600" dirty="0"/>
-              <a:t> Wang (April 2013)</a:t>
-            </a:r>
-          </a:p>
-          <a:p>
-            <a:pPr marL="285750" indent="-285750">
-              <a:buFont typeface="Arial" panose="020B0604020202020204" pitchFamily="34" charset="0"/>
-              <a:buChar char="•"/>
-            </a:pPr>
-            <a:r>
-              <a:rPr lang="en-US" sz="1600" dirty="0"/>
-              <a:t>The Strange Economics of Crop Insurance (www.niskanencenter.org/blog/the-strange-economics-of-crop-insurance/)</a:t>
-            </a:r>
-          </a:p>
-          <a:p>
-            <a:pPr marL="285750" indent="-285750">
-              <a:buFont typeface="Arial" panose="020B0604020202020204" pitchFamily="34" charset="0"/>
-              <a:buChar char="•"/>
-            </a:pPr>
-            <a:endParaRPr lang="en-US" sz="1600" dirty="0"/>
+              <a:rPr lang="en-US" dirty="0"/>
+              <a:t>A total of approximately </a:t>
+            </a:r>
+            <a:r>
+              <a:rPr lang="en-US" b="1" dirty="0"/>
+              <a:t>$10mn</a:t>
+            </a:r>
+            <a:r>
+              <a:rPr lang="en-US" dirty="0"/>
+              <a:t> can be </a:t>
+            </a:r>
+            <a:r>
+              <a:rPr lang="en-US" b="1" dirty="0"/>
+              <a:t>saved</a:t>
+            </a:r>
+            <a:r>
+              <a:rPr lang="en-US" dirty="0"/>
+              <a:t> by entering into a futures contract with a long hedge.</a:t>
+            </a:r>
+          </a:p>
+        </p:txBody>
+      </p:sp>
+      <p:sp>
+        <p:nvSpPr>
+          <p:cNvPr id="7" name="Rectangle 6">
+            <a:extLst>
+              <a:ext uri="{FF2B5EF4-FFF2-40B4-BE49-F238E27FC236}">
+                <a16:creationId xmlns:a16="http://schemas.microsoft.com/office/drawing/2014/main" id="{447BE2B4-E03D-441F-AE1C-B2264565FC1D}"/>
+              </a:ext>
+            </a:extLst>
+          </p:cNvPr>
+          <p:cNvSpPr/>
+          <p:nvPr/>
+        </p:nvSpPr>
+        <p:spPr>
+          <a:xfrm>
+            <a:off x="7671547" y="-16809"/>
+            <a:ext cx="1472453" cy="312644"/>
+          </a:xfrm>
+          <a:prstGeom prst="rect">
+            <a:avLst/>
+          </a:prstGeom>
+        </p:spPr>
+        <p:style>
+          <a:lnRef idx="2">
+            <a:schemeClr val="accent1">
+              <a:shade val="50000"/>
+            </a:schemeClr>
+          </a:lnRef>
+          <a:fillRef idx="1">
+            <a:schemeClr val="accent1"/>
+          </a:fillRef>
+          <a:effectRef idx="0">
+            <a:schemeClr val="accent1"/>
+          </a:effectRef>
+          <a:fontRef idx="minor">
+            <a:schemeClr val="lt1"/>
+          </a:fontRef>
+        </p:style>
+        <p:txBody>
+          <a:bodyPr rtlCol="0" anchor="ctr"/>
+          <a:lstStyle/>
+          <a:p>
+            <a:pPr algn="ctr"/>
+            <a:r>
+              <a:rPr lang="en-US" sz="1200" i="1" dirty="0"/>
+              <a:t>Solution 2.b</a:t>
+            </a:r>
           </a:p>
         </p:txBody>
       </p:sp>
     </p:spTree>
     <p:extLst>
       <p:ext uri="{BB962C8B-B14F-4D97-AF65-F5344CB8AC3E}">
-        <p14:creationId xmlns:p14="http://schemas.microsoft.com/office/powerpoint/2010/main" val="741611828"/>
+        <p14:creationId xmlns:p14="http://schemas.microsoft.com/office/powerpoint/2010/main" val="2617395779"/>
       </p:ext>
     </p:extLst>
   </p:cSld>
